--- a/Document/테스트 계획서.pptx
+++ b/Document/테스트 계획서.pptx
@@ -5,10 +5,12 @@
     <p:sldMasterId id="2147483648" r:id="rId1"/>
   </p:sldMasterIdLst>
   <p:sldIdLst>
-    <p:sldId id="256" r:id="rId2"/>
+    <p:sldId id="260" r:id="rId2"/>
     <p:sldId id="259" r:id="rId3"/>
-    <p:sldId id="257" r:id="rId4"/>
-    <p:sldId id="258" r:id="rId5"/>
+    <p:sldId id="263" r:id="rId4"/>
+    <p:sldId id="257" r:id="rId5"/>
+    <p:sldId id="261" r:id="rId6"/>
+    <p:sldId id="262" r:id="rId7"/>
   </p:sldIdLst>
   <p:sldSz cx="9144000" cy="6858000" type="screen4x3"/>
   <p:notesSz cx="6858000" cy="9144000"/>
@@ -291,6 +293,7 @@
           <a:p>
             <a:fld id="{A3AAAC63-EB4D-4526-89B0-687D54DA9CA7}" type="datetimeFigureOut">
               <a:rPr lang="ko-KR" altLang="en-US" smtClean="0"/>
+              <a:pPr/>
               <a:t>2012-06-10</a:t>
             </a:fld>
             <a:endParaRPr lang="ko-KR" altLang="en-US"/>
@@ -333,6 +336,7 @@
           <a:p>
             <a:fld id="{5BDCBBD8-872F-4B00-A33A-67F1B904824A}" type="slidenum">
               <a:rPr lang="ko-KR" altLang="en-US" smtClean="0"/>
+              <a:pPr/>
               <a:t>‹#›</a:t>
             </a:fld>
             <a:endParaRPr lang="ko-KR" altLang="en-US"/>
@@ -456,6 +460,7 @@
           <a:p>
             <a:fld id="{A3AAAC63-EB4D-4526-89B0-687D54DA9CA7}" type="datetimeFigureOut">
               <a:rPr lang="ko-KR" altLang="en-US" smtClean="0"/>
+              <a:pPr/>
               <a:t>2012-06-10</a:t>
             </a:fld>
             <a:endParaRPr lang="ko-KR" altLang="en-US"/>
@@ -498,6 +503,7 @@
           <a:p>
             <a:fld id="{5BDCBBD8-872F-4B00-A33A-67F1B904824A}" type="slidenum">
               <a:rPr lang="ko-KR" altLang="en-US" smtClean="0"/>
+              <a:pPr/>
               <a:t>‹#›</a:t>
             </a:fld>
             <a:endParaRPr lang="ko-KR" altLang="en-US"/>
@@ -631,6 +637,7 @@
           <a:p>
             <a:fld id="{A3AAAC63-EB4D-4526-89B0-687D54DA9CA7}" type="datetimeFigureOut">
               <a:rPr lang="ko-KR" altLang="en-US" smtClean="0"/>
+              <a:pPr/>
               <a:t>2012-06-10</a:t>
             </a:fld>
             <a:endParaRPr lang="ko-KR" altLang="en-US"/>
@@ -673,6 +680,7 @@
           <a:p>
             <a:fld id="{5BDCBBD8-872F-4B00-A33A-67F1B904824A}" type="slidenum">
               <a:rPr lang="ko-KR" altLang="en-US" smtClean="0"/>
+              <a:pPr/>
               <a:t>‹#›</a:t>
             </a:fld>
             <a:endParaRPr lang="ko-KR" altLang="en-US"/>
@@ -796,6 +804,7 @@
           <a:p>
             <a:fld id="{A3AAAC63-EB4D-4526-89B0-687D54DA9CA7}" type="datetimeFigureOut">
               <a:rPr lang="ko-KR" altLang="en-US" smtClean="0"/>
+              <a:pPr/>
               <a:t>2012-06-10</a:t>
             </a:fld>
             <a:endParaRPr lang="ko-KR" altLang="en-US"/>
@@ -838,6 +847,7 @@
           <a:p>
             <a:fld id="{5BDCBBD8-872F-4B00-A33A-67F1B904824A}" type="slidenum">
               <a:rPr lang="ko-KR" altLang="en-US" smtClean="0"/>
+              <a:pPr/>
               <a:t>‹#›</a:t>
             </a:fld>
             <a:endParaRPr lang="ko-KR" altLang="en-US"/>
@@ -1037,6 +1047,7 @@
           <a:p>
             <a:fld id="{A3AAAC63-EB4D-4526-89B0-687D54DA9CA7}" type="datetimeFigureOut">
               <a:rPr lang="ko-KR" altLang="en-US" smtClean="0"/>
+              <a:pPr/>
               <a:t>2012-06-10</a:t>
             </a:fld>
             <a:endParaRPr lang="ko-KR" altLang="en-US"/>
@@ -1079,6 +1090,7 @@
           <a:p>
             <a:fld id="{5BDCBBD8-872F-4B00-A33A-67F1B904824A}" type="slidenum">
               <a:rPr lang="ko-KR" altLang="en-US" smtClean="0"/>
+              <a:pPr/>
               <a:t>‹#›</a:t>
             </a:fld>
             <a:endParaRPr lang="ko-KR" altLang="en-US"/>
@@ -1320,6 +1332,7 @@
           <a:p>
             <a:fld id="{A3AAAC63-EB4D-4526-89B0-687D54DA9CA7}" type="datetimeFigureOut">
               <a:rPr lang="ko-KR" altLang="en-US" smtClean="0"/>
+              <a:pPr/>
               <a:t>2012-06-10</a:t>
             </a:fld>
             <a:endParaRPr lang="ko-KR" altLang="en-US"/>
@@ -1362,6 +1375,7 @@
           <a:p>
             <a:fld id="{5BDCBBD8-872F-4B00-A33A-67F1B904824A}" type="slidenum">
               <a:rPr lang="ko-KR" altLang="en-US" smtClean="0"/>
+              <a:pPr/>
               <a:t>‹#›</a:t>
             </a:fld>
             <a:endParaRPr lang="ko-KR" altLang="en-US"/>
@@ -1737,6 +1751,7 @@
           <a:p>
             <a:fld id="{A3AAAC63-EB4D-4526-89B0-687D54DA9CA7}" type="datetimeFigureOut">
               <a:rPr lang="ko-KR" altLang="en-US" smtClean="0"/>
+              <a:pPr/>
               <a:t>2012-06-10</a:t>
             </a:fld>
             <a:endParaRPr lang="ko-KR" altLang="en-US"/>
@@ -1779,6 +1794,7 @@
           <a:p>
             <a:fld id="{5BDCBBD8-872F-4B00-A33A-67F1B904824A}" type="slidenum">
               <a:rPr lang="ko-KR" altLang="en-US" smtClean="0"/>
+              <a:pPr/>
               <a:t>‹#›</a:t>
             </a:fld>
             <a:endParaRPr lang="ko-KR" altLang="en-US"/>
@@ -1850,6 +1866,7 @@
           <a:p>
             <a:fld id="{A3AAAC63-EB4D-4526-89B0-687D54DA9CA7}" type="datetimeFigureOut">
               <a:rPr lang="ko-KR" altLang="en-US" smtClean="0"/>
+              <a:pPr/>
               <a:t>2012-06-10</a:t>
             </a:fld>
             <a:endParaRPr lang="ko-KR" altLang="en-US"/>
@@ -1892,6 +1909,7 @@
           <a:p>
             <a:fld id="{5BDCBBD8-872F-4B00-A33A-67F1B904824A}" type="slidenum">
               <a:rPr lang="ko-KR" altLang="en-US" smtClean="0"/>
+              <a:pPr/>
               <a:t>‹#›</a:t>
             </a:fld>
             <a:endParaRPr lang="ko-KR" altLang="en-US"/>
@@ -1940,6 +1958,7 @@
           <a:p>
             <a:fld id="{A3AAAC63-EB4D-4526-89B0-687D54DA9CA7}" type="datetimeFigureOut">
               <a:rPr lang="ko-KR" altLang="en-US" smtClean="0"/>
+              <a:pPr/>
               <a:t>2012-06-10</a:t>
             </a:fld>
             <a:endParaRPr lang="ko-KR" altLang="en-US"/>
@@ -1982,6 +2001,7 @@
           <a:p>
             <a:fld id="{5BDCBBD8-872F-4B00-A33A-67F1B904824A}" type="slidenum">
               <a:rPr lang="ko-KR" altLang="en-US" smtClean="0"/>
+              <a:pPr/>
               <a:t>‹#›</a:t>
             </a:fld>
             <a:endParaRPr lang="ko-KR" altLang="en-US"/>
@@ -2212,6 +2232,7 @@
           <a:p>
             <a:fld id="{A3AAAC63-EB4D-4526-89B0-687D54DA9CA7}" type="datetimeFigureOut">
               <a:rPr lang="ko-KR" altLang="en-US" smtClean="0"/>
+              <a:pPr/>
               <a:t>2012-06-10</a:t>
             </a:fld>
             <a:endParaRPr lang="ko-KR" altLang="en-US"/>
@@ -2254,6 +2275,7 @@
           <a:p>
             <a:fld id="{5BDCBBD8-872F-4B00-A33A-67F1B904824A}" type="slidenum">
               <a:rPr lang="ko-KR" altLang="en-US" smtClean="0"/>
+              <a:pPr/>
               <a:t>‹#›</a:t>
             </a:fld>
             <a:endParaRPr lang="ko-KR" altLang="en-US"/>
@@ -2460,6 +2482,7 @@
           <a:p>
             <a:fld id="{A3AAAC63-EB4D-4526-89B0-687D54DA9CA7}" type="datetimeFigureOut">
               <a:rPr lang="ko-KR" altLang="en-US" smtClean="0"/>
+              <a:pPr/>
               <a:t>2012-06-10</a:t>
             </a:fld>
             <a:endParaRPr lang="ko-KR" altLang="en-US"/>
@@ -2502,6 +2525,7 @@
           <a:p>
             <a:fld id="{5BDCBBD8-872F-4B00-A33A-67F1B904824A}" type="slidenum">
               <a:rPr lang="ko-KR" altLang="en-US" smtClean="0"/>
+              <a:pPr/>
               <a:t>‹#›</a:t>
             </a:fld>
             <a:endParaRPr lang="ko-KR" altLang="en-US"/>
@@ -2668,6 +2692,7 @@
           <a:p>
             <a:fld id="{A3AAAC63-EB4D-4526-89B0-687D54DA9CA7}" type="datetimeFigureOut">
               <a:rPr lang="ko-KR" altLang="en-US" smtClean="0"/>
+              <a:pPr/>
               <a:t>2012-06-10</a:t>
             </a:fld>
             <a:endParaRPr lang="ko-KR" altLang="en-US"/>
@@ -2746,6 +2771,7 @@
           <a:p>
             <a:fld id="{5BDCBBD8-872F-4B00-A33A-67F1B904824A}" type="slidenum">
               <a:rPr lang="ko-KR" altLang="en-US" smtClean="0"/>
+              <a:pPr/>
               <a:t>‹#›</a:t>
             </a:fld>
             <a:endParaRPr lang="ko-KR" altLang="en-US"/>
@@ -3053,7 +3079,22 @@
           <a:bodyPr/>
           <a:lstStyle/>
           <a:p>
-            <a:endParaRPr lang="ko-KR" altLang="en-US"/>
+            <a:r>
+              <a:rPr lang="en-US" altLang="ko-KR" dirty="0" err="1" smtClean="0"/>
+              <a:t>DreamWare</a:t>
+            </a:r>
+            <a:r>
+              <a:rPr lang="en-US" altLang="ko-KR" dirty="0" smtClean="0"/>
+              <a:t/>
+            </a:r>
+            <a:br>
+              <a:rPr lang="en-US" altLang="ko-KR" dirty="0" smtClean="0"/>
+            </a:br>
+            <a:r>
+              <a:rPr lang="en-US" altLang="ko-KR" dirty="0" smtClean="0"/>
+              <a:t>-Mafia game-</a:t>
+            </a:r>
+            <a:endParaRPr lang="ko-KR" altLang="en-US" dirty="0"/>
           </a:p>
         </p:txBody>
       </p:sp>
@@ -3069,10 +3110,53 @@
         </p:nvSpPr>
         <p:spPr/>
         <p:txBody>
-          <a:bodyPr/>
+          <a:bodyPr>
+            <a:normAutofit fontScale="85000" lnSpcReduction="20000"/>
+          </a:bodyPr>
           <a:lstStyle/>
           <a:p>
-            <a:endParaRPr lang="ko-KR" altLang="en-US"/>
+            <a:r>
+              <a:rPr lang="en-US" altLang="ko-KR" dirty="0" smtClean="0"/>
+              <a:t>0791050 </a:t>
+            </a:r>
+            <a:r>
+              <a:rPr lang="ko-KR" altLang="en-US" dirty="0" err="1" smtClean="0"/>
+              <a:t>권지학</a:t>
+            </a:r>
+            <a:endParaRPr lang="en-US" altLang="ko-KR" dirty="0" smtClean="0"/>
+          </a:p>
+          <a:p>
+            <a:r>
+              <a:rPr lang="en-US" altLang="ko-KR" dirty="0" smtClean="0"/>
+              <a:t>0791053 </a:t>
+            </a:r>
+            <a:r>
+              <a:rPr lang="ko-KR" altLang="en-US" dirty="0" smtClean="0"/>
+              <a:t>김도완</a:t>
+            </a:r>
+            <a:endParaRPr lang="en-US" altLang="ko-KR" dirty="0" smtClean="0"/>
+          </a:p>
+          <a:p>
+            <a:r>
+              <a:rPr lang="en-US" altLang="ko-KR" dirty="0" smtClean="0"/>
+              <a:t>0791028 </a:t>
+            </a:r>
+            <a:r>
+              <a:rPr lang="ko-KR" altLang="en-US" dirty="0" smtClean="0"/>
+              <a:t>신재호</a:t>
+            </a:r>
+            <a:endParaRPr lang="en-US" altLang="ko-KR" dirty="0" smtClean="0"/>
+          </a:p>
+          <a:p>
+            <a:r>
+              <a:rPr lang="en-US" altLang="ko-KR" dirty="0" smtClean="0"/>
+              <a:t>0891067 </a:t>
+            </a:r>
+            <a:r>
+              <a:rPr lang="ko-KR" altLang="en-US" dirty="0" smtClean="0"/>
+              <a:t>송요섭</a:t>
+            </a:r>
+            <a:endParaRPr lang="ko-KR" altLang="en-US" dirty="0"/>
           </a:p>
         </p:txBody>
       </p:sp>
@@ -3142,7 +3226,7 @@
         </p:nvGraphicFramePr>
         <p:xfrm>
           <a:off x="179512" y="836712"/>
-          <a:ext cx="8784975" cy="6126342"/>
+          <a:ext cx="8784975" cy="4541520"/>
         </p:xfrm>
         <a:graphic>
           <a:graphicData uri="http://schemas.openxmlformats.org/drawingml/2006/table">
@@ -4230,23 +4314,7 @@
                             <a:schemeClr val="tx1"/>
                           </a:solidFill>
                         </a:rPr>
-                        <a:t>게임 중에 죽고 </a:t>
-                      </a:r>
-                      <a:r>
-                        <a:rPr lang="ko-KR" altLang="en-US" sz="1000" dirty="0" smtClean="0">
-                          <a:solidFill>
-                            <a:schemeClr val="tx1"/>
-                          </a:solidFill>
-                        </a:rPr>
-                        <a:t>여러 문자로 </a:t>
-                      </a:r>
-                      <a:r>
-                        <a:rPr lang="ko-KR" altLang="en-US" sz="1000" dirty="0" smtClean="0">
-                          <a:solidFill>
-                            <a:schemeClr val="tx1"/>
-                          </a:solidFill>
-                        </a:rPr>
-                        <a:t>채팅을 시도해 본다</a:t>
+                        <a:t>게임 중에 죽고 여러 문자로 채팅을 시도해 본다</a:t>
                       </a:r>
                       <a:r>
                         <a:rPr lang="en-US" altLang="ko-KR" sz="1000" dirty="0" smtClean="0">
@@ -4500,6 +4568,14 @@
                     <a:lstStyle/>
                     <a:p>
                       <a:pPr latinLnBrk="1"/>
+                      <a:r>
+                        <a:rPr lang="ko-KR" altLang="en-US" sz="1000" dirty="0" smtClean="0">
+                          <a:solidFill>
+                            <a:schemeClr val="tx1"/>
+                          </a:solidFill>
+                        </a:rPr>
+                        <a:t>랭킹시스템</a:t>
+                      </a:r>
                       <a:endParaRPr lang="ko-KR" altLang="en-US" sz="1000" dirty="0">
                         <a:solidFill>
                           <a:schemeClr val="tx1"/>
@@ -4522,6 +4598,30 @@
                     <a:lstStyle/>
                     <a:p>
                       <a:pPr latinLnBrk="1"/>
+                      <a:r>
+                        <a:rPr lang="ko-KR" altLang="en-US" sz="1000" b="0" dirty="0" smtClean="0">
+                          <a:solidFill>
+                            <a:schemeClr val="tx1"/>
+                          </a:solidFill>
+                        </a:rPr>
+                        <a:t>점수가 데이터베이스에 제대로 저장되는지 </a:t>
+                      </a:r>
+                      <a:r>
+                        <a:rPr lang="ko-KR" altLang="en-US" sz="1000" b="0" dirty="0" err="1" smtClean="0">
+                          <a:solidFill>
+                            <a:schemeClr val="tx1"/>
+                          </a:solidFill>
+                        </a:rPr>
+                        <a:t>확인해야한다</a:t>
+                      </a:r>
+                      <a:r>
+                        <a:rPr lang="en-US" altLang="ko-KR" sz="1000" b="0" dirty="0" smtClean="0">
+                          <a:solidFill>
+                            <a:schemeClr val="tx1"/>
+                          </a:solidFill>
+                        </a:rPr>
+                        <a:t>.</a:t>
+                      </a:r>
                       <a:endParaRPr lang="ko-KR" altLang="en-US" sz="1000" b="0" dirty="0">
                         <a:solidFill>
                           <a:schemeClr val="tx1"/>
@@ -4544,6 +4644,38 @@
                     <a:lstStyle/>
                     <a:p>
                       <a:pPr latinLnBrk="1"/>
+                      <a:r>
+                        <a:rPr lang="ko-KR" altLang="en-US" sz="1000" dirty="0" smtClean="0">
+                          <a:solidFill>
+                            <a:schemeClr val="tx1"/>
+                          </a:solidFill>
+                        </a:rPr>
+                        <a:t>여러 번 게임을 시도하면서</a:t>
+                      </a:r>
+                      <a:endParaRPr lang="en-US" altLang="ko-KR" sz="1000" dirty="0" smtClean="0">
+                        <a:solidFill>
+                          <a:schemeClr val="tx1"/>
+                        </a:solidFill>
+                      </a:endParaRPr>
+                    </a:p>
+                    <a:p>
+                      <a:pPr latinLnBrk="1"/>
+                      <a:r>
+                        <a:rPr lang="ko-KR" altLang="en-US" sz="1000" dirty="0" smtClean="0">
+                          <a:solidFill>
+                            <a:schemeClr val="tx1"/>
+                          </a:solidFill>
+                        </a:rPr>
+                        <a:t>점수가 제대로 출력되고 있는지 확인한다</a:t>
+                      </a:r>
+                      <a:r>
+                        <a:rPr lang="en-US" altLang="ko-KR" sz="1000" dirty="0" smtClean="0">
+                          <a:solidFill>
+                            <a:schemeClr val="tx1"/>
+                          </a:solidFill>
+                        </a:rPr>
+                        <a:t>.</a:t>
+                      </a:r>
                       <a:endParaRPr lang="ko-KR" altLang="en-US" sz="1000" dirty="0">
                         <a:solidFill>
                           <a:schemeClr val="tx1"/>
@@ -4566,6 +4698,30 @@
                     <a:lstStyle/>
                     <a:p>
                       <a:pPr latinLnBrk="1"/>
+                      <a:r>
+                        <a:rPr lang="ko-KR" altLang="en-US" sz="1000" dirty="0" smtClean="0">
+                          <a:solidFill>
+                            <a:schemeClr val="tx1"/>
+                          </a:solidFill>
+                        </a:rPr>
+                        <a:t>저장된 점수가 알맞은 값이 나오는</a:t>
+                      </a:r>
+                      <a:r>
+                        <a:rPr lang="ko-KR" altLang="en-US" sz="1000" baseline="0" dirty="0" smtClean="0">
+                          <a:solidFill>
+                            <a:schemeClr val="tx1"/>
+                          </a:solidFill>
+                        </a:rPr>
+                        <a:t> 지 본다</a:t>
+                      </a:r>
+                      <a:r>
+                        <a:rPr lang="en-US" altLang="ko-KR" sz="1000" baseline="0" dirty="0" smtClean="0">
+                          <a:solidFill>
+                            <a:schemeClr val="tx1"/>
+                          </a:solidFill>
+                        </a:rPr>
+                        <a:t>.</a:t>
+                      </a:r>
                       <a:endParaRPr lang="ko-KR" altLang="en-US" sz="1000" dirty="0">
                         <a:solidFill>
                           <a:schemeClr val="tx1"/>
@@ -4588,7 +4744,7 @@
                     <a:lstStyle/>
                     <a:p>
                       <a:pPr latinLnBrk="1"/>
-                      <a:endParaRPr lang="ko-KR" altLang="en-US" sz="1000">
+                      <a:endParaRPr lang="ko-KR" altLang="en-US" sz="1000" dirty="0">
                         <a:solidFill>
                           <a:schemeClr val="tx1"/>
                         </a:solidFill>
@@ -4612,6 +4768,22 @@
                     <a:lstStyle/>
                     <a:p>
                       <a:pPr latinLnBrk="1"/>
+                      <a:r>
+                        <a:rPr lang="ko-KR" altLang="en-US" sz="1000" dirty="0" smtClean="0">
+                          <a:solidFill>
+                            <a:schemeClr val="tx1"/>
+                          </a:solidFill>
+                        </a:rPr>
+                        <a:t> 채팅</a:t>
+                      </a:r>
+                      <a:r>
+                        <a:rPr lang="en-US" altLang="ko-KR" sz="1000" dirty="0" smtClean="0">
+                          <a:solidFill>
+                            <a:schemeClr val="tx1"/>
+                          </a:solidFill>
+                        </a:rPr>
+                        <a:t>(java)</a:t>
+                      </a:r>
                       <a:endParaRPr lang="ko-KR" altLang="en-US" sz="1000" dirty="0">
                         <a:solidFill>
                           <a:schemeClr val="tx1"/>
@@ -4634,28 +4806,84 @@
                     <a:lstStyle/>
                     <a:p>
                       <a:pPr latinLnBrk="1"/>
-                      <a:endParaRPr lang="ko-KR" altLang="en-US" sz="1000" b="1" dirty="0">
-                        <a:solidFill>
-                          <a:schemeClr val="tx1"/>
-                        </a:solidFill>
-                      </a:endParaRPr>
-                    </a:p>
-                  </a:txBody>
-                  <a:tcPr anchor="ctr">
-                    <a:solidFill>
-                      <a:schemeClr val="accent3">
-                        <a:lumMod val="60000"/>
-                        <a:lumOff val="40000"/>
-                      </a:schemeClr>
-                    </a:solidFill>
-                  </a:tcPr>
-                </a:tc>
-                <a:tc>
-                  <a:txBody>
-                    <a:bodyPr/>
-                    <a:lstStyle/>
-                    <a:p>
-                      <a:pPr latinLnBrk="1"/>
+                      <a:r>
+                        <a:rPr lang="en-US" altLang="ko-KR" sz="1000" b="0" dirty="0" smtClean="0">
+                          <a:solidFill>
+                            <a:schemeClr val="tx1"/>
+                          </a:solidFill>
+                        </a:rPr>
+                        <a:t>Java</a:t>
+                      </a:r>
+                      <a:r>
+                        <a:rPr lang="ko-KR" altLang="en-US" sz="1000" b="0" dirty="0" smtClean="0">
+                          <a:solidFill>
+                            <a:schemeClr val="tx1"/>
+                          </a:solidFill>
+                        </a:rPr>
+                        <a:t>로 짠 채팅 코드가 제대로 실행되는지 확인한다</a:t>
+                      </a:r>
+                      <a:r>
+                        <a:rPr lang="en-US" altLang="ko-KR" sz="1000" b="0" dirty="0" smtClean="0">
+                          <a:solidFill>
+                            <a:schemeClr val="tx1"/>
+                          </a:solidFill>
+                        </a:rPr>
+                        <a:t>.</a:t>
+                      </a:r>
+                      <a:endParaRPr lang="ko-KR" altLang="en-US" sz="1000" b="0" dirty="0">
+                        <a:solidFill>
+                          <a:schemeClr val="tx1"/>
+                        </a:solidFill>
+                      </a:endParaRPr>
+                    </a:p>
+                  </a:txBody>
+                  <a:tcPr anchor="ctr">
+                    <a:solidFill>
+                      <a:schemeClr val="accent3">
+                        <a:lumMod val="60000"/>
+                        <a:lumOff val="40000"/>
+                      </a:schemeClr>
+                    </a:solidFill>
+                  </a:tcPr>
+                </a:tc>
+                <a:tc>
+                  <a:txBody>
+                    <a:bodyPr/>
+                    <a:lstStyle/>
+                    <a:p>
+                      <a:pPr latinLnBrk="1"/>
+                      <a:r>
+                        <a:rPr lang="en-US" altLang="ko-KR" sz="1000" dirty="0" smtClean="0">
+                          <a:solidFill>
+                            <a:schemeClr val="tx1"/>
+                          </a:solidFill>
+                        </a:rPr>
+                        <a:t>Sever </a:t>
+                      </a:r>
+                      <a:r>
+                        <a:rPr lang="ko-KR" altLang="en-US" sz="1000" dirty="0" smtClean="0">
+                          <a:solidFill>
+                            <a:schemeClr val="tx1"/>
+                          </a:solidFill>
+                        </a:rPr>
+                        <a:t>컴퓨터를 잡고 </a:t>
+                      </a:r>
+                      <a:r>
+                        <a:rPr lang="en-US" altLang="ko-KR" sz="1000" dirty="0" smtClean="0">
+                          <a:solidFill>
+                            <a:schemeClr val="tx1"/>
+                          </a:solidFill>
+                        </a:rPr>
+                        <a:t>client</a:t>
+                      </a:r>
+                      <a:r>
+                        <a:rPr lang="ko-KR" altLang="en-US" sz="1000" dirty="0" smtClean="0">
+                          <a:solidFill>
+                            <a:schemeClr val="tx1"/>
+                          </a:solidFill>
+                        </a:rPr>
+                        <a:t>로 접속해서 메시지가 전달되는지 확인</a:t>
+                      </a:r>
                       <a:endParaRPr lang="ko-KR" altLang="en-US" sz="1000" dirty="0">
                         <a:solidFill>
                           <a:schemeClr val="tx1"/>
@@ -4678,6 +4906,22 @@
                     <a:lstStyle/>
                     <a:p>
                       <a:pPr latinLnBrk="1"/>
+                      <a:r>
+                        <a:rPr lang="ko-KR" altLang="en-US" sz="1000" dirty="0" smtClean="0">
+                          <a:solidFill>
+                            <a:schemeClr val="tx1"/>
+                          </a:solidFill>
+                        </a:rPr>
+                        <a:t>메시지 수신발신이 되는지 확인한다</a:t>
+                      </a:r>
+                      <a:r>
+                        <a:rPr lang="en-US" altLang="ko-KR" sz="1000" dirty="0" smtClean="0">
+                          <a:solidFill>
+                            <a:schemeClr val="tx1"/>
+                          </a:solidFill>
+                        </a:rPr>
+                        <a:t>.</a:t>
+                      </a:r>
                       <a:endParaRPr lang="ko-KR" altLang="en-US" sz="1000" dirty="0">
                         <a:solidFill>
                           <a:schemeClr val="tx1"/>
@@ -4700,7 +4944,7 @@
                     <a:lstStyle/>
                     <a:p>
                       <a:pPr latinLnBrk="1"/>
-                      <a:endParaRPr lang="ko-KR" altLang="en-US" sz="1000">
+                      <a:endParaRPr lang="ko-KR" altLang="en-US" sz="1000" dirty="0">
                         <a:solidFill>
                           <a:schemeClr val="tx1"/>
                         </a:solidFill>
@@ -4724,6 +4968,22 @@
                     <a:lstStyle/>
                     <a:p>
                       <a:pPr latinLnBrk="1"/>
+                      <a:r>
+                        <a:rPr lang="ko-KR" altLang="en-US" sz="1000" dirty="0" smtClean="0">
+                          <a:solidFill>
+                            <a:schemeClr val="tx1"/>
+                          </a:solidFill>
+                        </a:rPr>
+                        <a:t>채팅</a:t>
+                      </a:r>
+                      <a:r>
+                        <a:rPr lang="en-US" altLang="ko-KR" sz="1000" dirty="0" smtClean="0">
+                          <a:solidFill>
+                            <a:schemeClr val="tx1"/>
+                          </a:solidFill>
+                        </a:rPr>
+                        <a:t>(android)</a:t>
+                      </a:r>
                       <a:endParaRPr lang="ko-KR" altLang="en-US" sz="1000" dirty="0">
                         <a:solidFill>
                           <a:schemeClr val="tx1"/>
@@ -4746,6 +5006,30 @@
                     <a:lstStyle/>
                     <a:p>
                       <a:pPr latinLnBrk="1"/>
+                      <a:r>
+                        <a:rPr lang="en-US" altLang="ko-KR" sz="1000" dirty="0" smtClean="0">
+                          <a:solidFill>
+                            <a:schemeClr val="tx1"/>
+                          </a:solidFill>
+                        </a:rPr>
+                        <a:t>Android</a:t>
+                      </a:r>
+                      <a:r>
+                        <a:rPr lang="ko-KR" altLang="en-US" sz="1000" dirty="0" smtClean="0">
+                          <a:solidFill>
+                            <a:schemeClr val="tx1"/>
+                          </a:solidFill>
+                        </a:rPr>
+                        <a:t>로 짠 채팅 코드가 제대로 실행되는지 확인한다</a:t>
+                      </a:r>
+                      <a:r>
+                        <a:rPr lang="en-US" altLang="ko-KR" sz="1000" dirty="0" smtClean="0">
+                          <a:solidFill>
+                            <a:schemeClr val="tx1"/>
+                          </a:solidFill>
+                        </a:rPr>
+                        <a:t>.</a:t>
+                      </a:r>
                       <a:endParaRPr lang="ko-KR" altLang="en-US" sz="1000" dirty="0">
                         <a:solidFill>
                           <a:schemeClr val="tx1"/>
@@ -4768,6 +5052,22 @@
                     <a:lstStyle/>
                     <a:p>
                       <a:pPr latinLnBrk="1"/>
+                      <a:r>
+                        <a:rPr lang="en-US" altLang="ko-KR" sz="1000" dirty="0" smtClean="0">
+                          <a:solidFill>
+                            <a:schemeClr val="tx1"/>
+                          </a:solidFill>
+                        </a:rPr>
+                        <a:t>Socket</a:t>
+                      </a:r>
+                      <a:r>
+                        <a:rPr lang="ko-KR" altLang="en-US" sz="1000" dirty="0" smtClean="0">
+                          <a:solidFill>
+                            <a:schemeClr val="tx1"/>
+                          </a:solidFill>
+                        </a:rPr>
+                        <a:t>을 잡고 접속해서 메시지가 전달되는지 확인</a:t>
+                      </a:r>
                       <a:endParaRPr lang="ko-KR" altLang="en-US" sz="1000" dirty="0">
                         <a:solidFill>
                           <a:schemeClr val="tx1"/>
@@ -4790,6 +5090,22 @@
                     <a:lstStyle/>
                     <a:p>
                       <a:pPr latinLnBrk="1"/>
+                      <a:r>
+                        <a:rPr lang="ko-KR" altLang="en-US" sz="1000" dirty="0" smtClean="0">
+                          <a:solidFill>
+                            <a:schemeClr val="tx1"/>
+                          </a:solidFill>
+                        </a:rPr>
+                        <a:t>메시지 수신발신이 되는지 확인한다</a:t>
+                      </a:r>
+                      <a:r>
+                        <a:rPr lang="en-US" altLang="ko-KR" sz="1000" dirty="0" smtClean="0">
+                          <a:solidFill>
+                            <a:schemeClr val="tx1"/>
+                          </a:solidFill>
+                        </a:rPr>
+                        <a:t>.</a:t>
+                      </a:r>
                       <a:endParaRPr lang="ko-KR" altLang="en-US" sz="1000" dirty="0">
                         <a:solidFill>
                           <a:schemeClr val="tx1"/>
@@ -4812,679 +5128,7 @@
                     <a:lstStyle/>
                     <a:p>
                       <a:pPr latinLnBrk="1"/>
-                      <a:endParaRPr lang="ko-KR" altLang="en-US" sz="1000">
-                        <a:solidFill>
-                          <a:schemeClr val="tx1"/>
-                        </a:solidFill>
-                      </a:endParaRPr>
-                    </a:p>
-                  </a:txBody>
-                  <a:tcPr anchor="ctr">
-                    <a:solidFill>
-                      <a:schemeClr val="accent3">
-                        <a:lumMod val="60000"/>
-                        <a:lumOff val="40000"/>
-                      </a:schemeClr>
-                    </a:solidFill>
-                  </a:tcPr>
-                </a:tc>
-              </a:tr>
-              <a:tr h="342038">
-                <a:tc>
-                  <a:txBody>
-                    <a:bodyPr/>
-                    <a:lstStyle/>
-                    <a:p>
-                      <a:pPr latinLnBrk="1"/>
                       <a:endParaRPr lang="ko-KR" altLang="en-US" sz="1000" dirty="0">
-                        <a:solidFill>
-                          <a:schemeClr val="tx1"/>
-                        </a:solidFill>
-                      </a:endParaRPr>
-                    </a:p>
-                  </a:txBody>
-                  <a:tcPr anchor="ctr">
-                    <a:solidFill>
-                      <a:schemeClr val="accent3">
-                        <a:lumMod val="60000"/>
-                        <a:lumOff val="40000"/>
-                      </a:schemeClr>
-                    </a:solidFill>
-                  </a:tcPr>
-                </a:tc>
-                <a:tc>
-                  <a:txBody>
-                    <a:bodyPr/>
-                    <a:lstStyle/>
-                    <a:p>
-                      <a:pPr latinLnBrk="1"/>
-                      <a:endParaRPr lang="ko-KR" altLang="en-US" sz="1000" dirty="0">
-                        <a:solidFill>
-                          <a:schemeClr val="tx1"/>
-                        </a:solidFill>
-                      </a:endParaRPr>
-                    </a:p>
-                  </a:txBody>
-                  <a:tcPr anchor="ctr">
-                    <a:solidFill>
-                      <a:schemeClr val="accent3">
-                        <a:lumMod val="60000"/>
-                        <a:lumOff val="40000"/>
-                      </a:schemeClr>
-                    </a:solidFill>
-                  </a:tcPr>
-                </a:tc>
-                <a:tc>
-                  <a:txBody>
-                    <a:bodyPr/>
-                    <a:lstStyle/>
-                    <a:p>
-                      <a:pPr latinLnBrk="1"/>
-                      <a:endParaRPr lang="ko-KR" altLang="en-US" sz="1000">
-                        <a:solidFill>
-                          <a:schemeClr val="tx1"/>
-                        </a:solidFill>
-                      </a:endParaRPr>
-                    </a:p>
-                  </a:txBody>
-                  <a:tcPr anchor="ctr">
-                    <a:solidFill>
-                      <a:schemeClr val="accent3">
-                        <a:lumMod val="60000"/>
-                        <a:lumOff val="40000"/>
-                      </a:schemeClr>
-                    </a:solidFill>
-                  </a:tcPr>
-                </a:tc>
-                <a:tc>
-                  <a:txBody>
-                    <a:bodyPr/>
-                    <a:lstStyle/>
-                    <a:p>
-                      <a:pPr latinLnBrk="1"/>
-                      <a:endParaRPr lang="ko-KR" altLang="en-US" sz="1000" dirty="0">
-                        <a:solidFill>
-                          <a:schemeClr val="tx1"/>
-                        </a:solidFill>
-                      </a:endParaRPr>
-                    </a:p>
-                  </a:txBody>
-                  <a:tcPr anchor="ctr">
-                    <a:solidFill>
-                      <a:schemeClr val="accent3">
-                        <a:lumMod val="60000"/>
-                        <a:lumOff val="40000"/>
-                      </a:schemeClr>
-                    </a:solidFill>
-                  </a:tcPr>
-                </a:tc>
-                <a:tc>
-                  <a:txBody>
-                    <a:bodyPr/>
-                    <a:lstStyle/>
-                    <a:p>
-                      <a:pPr latinLnBrk="1"/>
-                      <a:endParaRPr lang="ko-KR" altLang="en-US" sz="1000" dirty="0">
-                        <a:solidFill>
-                          <a:schemeClr val="tx1"/>
-                        </a:solidFill>
-                      </a:endParaRPr>
-                    </a:p>
-                  </a:txBody>
-                  <a:tcPr anchor="ctr">
-                    <a:solidFill>
-                      <a:schemeClr val="accent3">
-                        <a:lumMod val="60000"/>
-                        <a:lumOff val="40000"/>
-                      </a:schemeClr>
-                    </a:solidFill>
-                  </a:tcPr>
-                </a:tc>
-              </a:tr>
-              <a:tr h="342038">
-                <a:tc>
-                  <a:txBody>
-                    <a:bodyPr/>
-                    <a:lstStyle/>
-                    <a:p>
-                      <a:pPr latinLnBrk="1"/>
-                      <a:endParaRPr lang="ko-KR" altLang="en-US" sz="1000" dirty="0">
-                        <a:solidFill>
-                          <a:schemeClr val="tx1"/>
-                        </a:solidFill>
-                      </a:endParaRPr>
-                    </a:p>
-                  </a:txBody>
-                  <a:tcPr anchor="ctr">
-                    <a:solidFill>
-                      <a:schemeClr val="accent3">
-                        <a:lumMod val="60000"/>
-                        <a:lumOff val="40000"/>
-                      </a:schemeClr>
-                    </a:solidFill>
-                  </a:tcPr>
-                </a:tc>
-                <a:tc>
-                  <a:txBody>
-                    <a:bodyPr/>
-                    <a:lstStyle/>
-                    <a:p>
-                      <a:pPr latinLnBrk="1"/>
-                      <a:endParaRPr lang="ko-KR" altLang="en-US" sz="1000" dirty="0">
-                        <a:solidFill>
-                          <a:schemeClr val="tx1"/>
-                        </a:solidFill>
-                      </a:endParaRPr>
-                    </a:p>
-                  </a:txBody>
-                  <a:tcPr anchor="ctr">
-                    <a:solidFill>
-                      <a:schemeClr val="accent3">
-                        <a:lumMod val="60000"/>
-                        <a:lumOff val="40000"/>
-                      </a:schemeClr>
-                    </a:solidFill>
-                  </a:tcPr>
-                </a:tc>
-                <a:tc>
-                  <a:txBody>
-                    <a:bodyPr/>
-                    <a:lstStyle/>
-                    <a:p>
-                      <a:pPr latinLnBrk="1"/>
-                      <a:endParaRPr lang="ko-KR" altLang="en-US" sz="1000" dirty="0">
-                        <a:solidFill>
-                          <a:schemeClr val="tx1"/>
-                        </a:solidFill>
-                      </a:endParaRPr>
-                    </a:p>
-                  </a:txBody>
-                  <a:tcPr anchor="ctr">
-                    <a:solidFill>
-                      <a:schemeClr val="accent3">
-                        <a:lumMod val="60000"/>
-                        <a:lumOff val="40000"/>
-                      </a:schemeClr>
-                    </a:solidFill>
-                  </a:tcPr>
-                </a:tc>
-                <a:tc>
-                  <a:txBody>
-                    <a:bodyPr/>
-                    <a:lstStyle/>
-                    <a:p>
-                      <a:pPr latinLnBrk="1"/>
-                      <a:endParaRPr lang="ko-KR" altLang="en-US" sz="1000" dirty="0">
-                        <a:solidFill>
-                          <a:schemeClr val="tx1"/>
-                        </a:solidFill>
-                      </a:endParaRPr>
-                    </a:p>
-                  </a:txBody>
-                  <a:tcPr anchor="ctr">
-                    <a:solidFill>
-                      <a:schemeClr val="accent3">
-                        <a:lumMod val="60000"/>
-                        <a:lumOff val="40000"/>
-                      </a:schemeClr>
-                    </a:solidFill>
-                  </a:tcPr>
-                </a:tc>
-                <a:tc>
-                  <a:txBody>
-                    <a:bodyPr/>
-                    <a:lstStyle/>
-                    <a:p>
-                      <a:pPr latinLnBrk="1"/>
-                      <a:endParaRPr lang="ko-KR" altLang="en-US" sz="1000" dirty="0">
-                        <a:solidFill>
-                          <a:schemeClr val="tx1"/>
-                        </a:solidFill>
-                      </a:endParaRPr>
-                    </a:p>
-                  </a:txBody>
-                  <a:tcPr anchor="ctr">
-                    <a:solidFill>
-                      <a:schemeClr val="accent3">
-                        <a:lumMod val="60000"/>
-                        <a:lumOff val="40000"/>
-                      </a:schemeClr>
-                    </a:solidFill>
-                  </a:tcPr>
-                </a:tc>
-              </a:tr>
-              <a:tr h="342038">
-                <a:tc>
-                  <a:txBody>
-                    <a:bodyPr/>
-                    <a:lstStyle/>
-                    <a:p>
-                      <a:pPr latinLnBrk="1"/>
-                      <a:endParaRPr lang="ko-KR" altLang="en-US" sz="1000" dirty="0">
-                        <a:solidFill>
-                          <a:schemeClr val="tx1"/>
-                        </a:solidFill>
-                      </a:endParaRPr>
-                    </a:p>
-                  </a:txBody>
-                  <a:tcPr anchor="ctr">
-                    <a:solidFill>
-                      <a:schemeClr val="accent3">
-                        <a:lumMod val="60000"/>
-                        <a:lumOff val="40000"/>
-                      </a:schemeClr>
-                    </a:solidFill>
-                  </a:tcPr>
-                </a:tc>
-                <a:tc>
-                  <a:txBody>
-                    <a:bodyPr/>
-                    <a:lstStyle/>
-                    <a:p>
-                      <a:pPr latinLnBrk="1"/>
-                      <a:endParaRPr lang="ko-KR" altLang="en-US" sz="1000">
-                        <a:solidFill>
-                          <a:schemeClr val="tx1"/>
-                        </a:solidFill>
-                      </a:endParaRPr>
-                    </a:p>
-                  </a:txBody>
-                  <a:tcPr anchor="ctr">
-                    <a:solidFill>
-                      <a:schemeClr val="accent3">
-                        <a:lumMod val="60000"/>
-                        <a:lumOff val="40000"/>
-                      </a:schemeClr>
-                    </a:solidFill>
-                  </a:tcPr>
-                </a:tc>
-                <a:tc>
-                  <a:txBody>
-                    <a:bodyPr/>
-                    <a:lstStyle/>
-                    <a:p>
-                      <a:pPr latinLnBrk="1"/>
-                      <a:endParaRPr lang="ko-KR" altLang="en-US" sz="1000" dirty="0">
-                        <a:solidFill>
-                          <a:schemeClr val="tx1"/>
-                        </a:solidFill>
-                      </a:endParaRPr>
-                    </a:p>
-                  </a:txBody>
-                  <a:tcPr anchor="ctr">
-                    <a:solidFill>
-                      <a:schemeClr val="accent3">
-                        <a:lumMod val="60000"/>
-                        <a:lumOff val="40000"/>
-                      </a:schemeClr>
-                    </a:solidFill>
-                  </a:tcPr>
-                </a:tc>
-                <a:tc>
-                  <a:txBody>
-                    <a:bodyPr/>
-                    <a:lstStyle/>
-                    <a:p>
-                      <a:pPr latinLnBrk="1"/>
-                      <a:endParaRPr lang="ko-KR" altLang="en-US" sz="1000" dirty="0">
-                        <a:solidFill>
-                          <a:schemeClr val="tx1"/>
-                        </a:solidFill>
-                      </a:endParaRPr>
-                    </a:p>
-                  </a:txBody>
-                  <a:tcPr anchor="ctr">
-                    <a:solidFill>
-                      <a:schemeClr val="accent3">
-                        <a:lumMod val="60000"/>
-                        <a:lumOff val="40000"/>
-                      </a:schemeClr>
-                    </a:solidFill>
-                  </a:tcPr>
-                </a:tc>
-                <a:tc>
-                  <a:txBody>
-                    <a:bodyPr/>
-                    <a:lstStyle/>
-                    <a:p>
-                      <a:pPr latinLnBrk="1"/>
-                      <a:endParaRPr lang="ko-KR" altLang="en-US" sz="1000" dirty="0">
-                        <a:solidFill>
-                          <a:schemeClr val="tx1"/>
-                        </a:solidFill>
-                      </a:endParaRPr>
-                    </a:p>
-                  </a:txBody>
-                  <a:tcPr anchor="ctr">
-                    <a:solidFill>
-                      <a:schemeClr val="accent3">
-                        <a:lumMod val="60000"/>
-                        <a:lumOff val="40000"/>
-                      </a:schemeClr>
-                    </a:solidFill>
-                  </a:tcPr>
-                </a:tc>
-              </a:tr>
-              <a:tr h="342038">
-                <a:tc>
-                  <a:txBody>
-                    <a:bodyPr/>
-                    <a:lstStyle/>
-                    <a:p>
-                      <a:pPr latinLnBrk="1"/>
-                      <a:endParaRPr lang="ko-KR" altLang="en-US" sz="1000" dirty="0">
-                        <a:solidFill>
-                          <a:schemeClr val="tx1"/>
-                        </a:solidFill>
-                      </a:endParaRPr>
-                    </a:p>
-                  </a:txBody>
-                  <a:tcPr anchor="ctr">
-                    <a:solidFill>
-                      <a:schemeClr val="accent3">
-                        <a:lumMod val="60000"/>
-                        <a:lumOff val="40000"/>
-                      </a:schemeClr>
-                    </a:solidFill>
-                  </a:tcPr>
-                </a:tc>
-                <a:tc>
-                  <a:txBody>
-                    <a:bodyPr/>
-                    <a:lstStyle/>
-                    <a:p>
-                      <a:pPr latinLnBrk="1"/>
-                      <a:endParaRPr lang="ko-KR" altLang="en-US" sz="1000" dirty="0">
-                        <a:solidFill>
-                          <a:schemeClr val="tx1"/>
-                        </a:solidFill>
-                      </a:endParaRPr>
-                    </a:p>
-                  </a:txBody>
-                  <a:tcPr anchor="ctr">
-                    <a:solidFill>
-                      <a:schemeClr val="accent3">
-                        <a:lumMod val="60000"/>
-                        <a:lumOff val="40000"/>
-                      </a:schemeClr>
-                    </a:solidFill>
-                  </a:tcPr>
-                </a:tc>
-                <a:tc>
-                  <a:txBody>
-                    <a:bodyPr/>
-                    <a:lstStyle/>
-                    <a:p>
-                      <a:pPr latinLnBrk="1"/>
-                      <a:endParaRPr lang="ko-KR" altLang="en-US" sz="1000" dirty="0">
-                        <a:solidFill>
-                          <a:schemeClr val="tx1"/>
-                        </a:solidFill>
-                      </a:endParaRPr>
-                    </a:p>
-                  </a:txBody>
-                  <a:tcPr anchor="ctr">
-                    <a:solidFill>
-                      <a:schemeClr val="accent3">
-                        <a:lumMod val="60000"/>
-                        <a:lumOff val="40000"/>
-                      </a:schemeClr>
-                    </a:solidFill>
-                  </a:tcPr>
-                </a:tc>
-                <a:tc>
-                  <a:txBody>
-                    <a:bodyPr/>
-                    <a:lstStyle/>
-                    <a:p>
-                      <a:pPr latinLnBrk="1"/>
-                      <a:endParaRPr lang="ko-KR" altLang="en-US" sz="1000" dirty="0">
-                        <a:solidFill>
-                          <a:schemeClr val="tx1"/>
-                        </a:solidFill>
-                      </a:endParaRPr>
-                    </a:p>
-                  </a:txBody>
-                  <a:tcPr anchor="ctr">
-                    <a:solidFill>
-                      <a:schemeClr val="accent3">
-                        <a:lumMod val="60000"/>
-                        <a:lumOff val="40000"/>
-                      </a:schemeClr>
-                    </a:solidFill>
-                  </a:tcPr>
-                </a:tc>
-                <a:tc>
-                  <a:txBody>
-                    <a:bodyPr/>
-                    <a:lstStyle/>
-                    <a:p>
-                      <a:pPr latinLnBrk="1"/>
-                      <a:endParaRPr lang="ko-KR" altLang="en-US" sz="1000" dirty="0">
-                        <a:solidFill>
-                          <a:schemeClr val="tx1"/>
-                        </a:solidFill>
-                      </a:endParaRPr>
-                    </a:p>
-                  </a:txBody>
-                  <a:tcPr anchor="ctr">
-                    <a:solidFill>
-                      <a:schemeClr val="accent3">
-                        <a:lumMod val="60000"/>
-                        <a:lumOff val="40000"/>
-                      </a:schemeClr>
-                    </a:solidFill>
-                  </a:tcPr>
-                </a:tc>
-              </a:tr>
-              <a:tr h="342038">
-                <a:tc>
-                  <a:txBody>
-                    <a:bodyPr/>
-                    <a:lstStyle/>
-                    <a:p>
-                      <a:pPr latinLnBrk="1"/>
-                      <a:endParaRPr lang="ko-KR" altLang="en-US" sz="1000" dirty="0">
-                        <a:solidFill>
-                          <a:schemeClr val="tx1"/>
-                        </a:solidFill>
-                      </a:endParaRPr>
-                    </a:p>
-                  </a:txBody>
-                  <a:tcPr anchor="ctr">
-                    <a:solidFill>
-                      <a:schemeClr val="accent3">
-                        <a:lumMod val="60000"/>
-                        <a:lumOff val="40000"/>
-                      </a:schemeClr>
-                    </a:solidFill>
-                  </a:tcPr>
-                </a:tc>
-                <a:tc>
-                  <a:txBody>
-                    <a:bodyPr/>
-                    <a:lstStyle/>
-                    <a:p>
-                      <a:pPr latinLnBrk="1"/>
-                      <a:endParaRPr lang="ko-KR" altLang="en-US" sz="1000" dirty="0">
-                        <a:solidFill>
-                          <a:schemeClr val="tx1"/>
-                        </a:solidFill>
-                      </a:endParaRPr>
-                    </a:p>
-                  </a:txBody>
-                  <a:tcPr anchor="ctr">
-                    <a:solidFill>
-                      <a:schemeClr val="accent3">
-                        <a:lumMod val="60000"/>
-                        <a:lumOff val="40000"/>
-                      </a:schemeClr>
-                    </a:solidFill>
-                  </a:tcPr>
-                </a:tc>
-                <a:tc>
-                  <a:txBody>
-                    <a:bodyPr/>
-                    <a:lstStyle/>
-                    <a:p>
-                      <a:pPr latinLnBrk="1"/>
-                      <a:endParaRPr lang="ko-KR" altLang="en-US" sz="1000" dirty="0">
-                        <a:solidFill>
-                          <a:schemeClr val="tx1"/>
-                        </a:solidFill>
-                      </a:endParaRPr>
-                    </a:p>
-                  </a:txBody>
-                  <a:tcPr anchor="ctr">
-                    <a:solidFill>
-                      <a:schemeClr val="accent3">
-                        <a:lumMod val="60000"/>
-                        <a:lumOff val="40000"/>
-                      </a:schemeClr>
-                    </a:solidFill>
-                  </a:tcPr>
-                </a:tc>
-                <a:tc>
-                  <a:txBody>
-                    <a:bodyPr/>
-                    <a:lstStyle/>
-                    <a:p>
-                      <a:pPr latinLnBrk="1"/>
-                      <a:endParaRPr lang="ko-KR" altLang="en-US" sz="1000" dirty="0">
-                        <a:solidFill>
-                          <a:schemeClr val="tx1"/>
-                        </a:solidFill>
-                      </a:endParaRPr>
-                    </a:p>
-                  </a:txBody>
-                  <a:tcPr anchor="ctr">
-                    <a:solidFill>
-                      <a:schemeClr val="accent3">
-                        <a:lumMod val="60000"/>
-                        <a:lumOff val="40000"/>
-                      </a:schemeClr>
-                    </a:solidFill>
-                  </a:tcPr>
-                </a:tc>
-                <a:tc>
-                  <a:txBody>
-                    <a:bodyPr/>
-                    <a:lstStyle/>
-                    <a:p>
-                      <a:pPr latinLnBrk="1"/>
-                      <a:endParaRPr lang="en-US" altLang="ko-KR" sz="1000" dirty="0" smtClean="0">
-                        <a:solidFill>
-                          <a:schemeClr val="tx1"/>
-                        </a:solidFill>
-                      </a:endParaRPr>
-                    </a:p>
-                  </a:txBody>
-                  <a:tcPr anchor="ctr">
-                    <a:solidFill>
-                      <a:schemeClr val="accent3">
-                        <a:lumMod val="60000"/>
-                        <a:lumOff val="40000"/>
-                      </a:schemeClr>
-                    </a:solidFill>
-                  </a:tcPr>
-                </a:tc>
-              </a:tr>
-              <a:tr h="342038">
-                <a:tc>
-                  <a:txBody>
-                    <a:bodyPr/>
-                    <a:lstStyle/>
-                    <a:p>
-                      <a:pPr latinLnBrk="1"/>
-                      <a:endParaRPr lang="ko-KR" altLang="en-US" sz="1000">
-                        <a:solidFill>
-                          <a:schemeClr val="tx1"/>
-                        </a:solidFill>
-                      </a:endParaRPr>
-                    </a:p>
-                  </a:txBody>
-                  <a:tcPr anchor="ctr">
-                    <a:solidFill>
-                      <a:schemeClr val="accent3">
-                        <a:lumMod val="60000"/>
-                        <a:lumOff val="40000"/>
-                      </a:schemeClr>
-                    </a:solidFill>
-                  </a:tcPr>
-                </a:tc>
-                <a:tc>
-                  <a:txBody>
-                    <a:bodyPr/>
-                    <a:lstStyle/>
-                    <a:p>
-                      <a:pPr latinLnBrk="1"/>
-                      <a:endParaRPr lang="ko-KR" altLang="en-US" sz="1000" dirty="0">
-                        <a:solidFill>
-                          <a:schemeClr val="tx1"/>
-                        </a:solidFill>
-                      </a:endParaRPr>
-                    </a:p>
-                  </a:txBody>
-                  <a:tcPr anchor="ctr">
-                    <a:solidFill>
-                      <a:schemeClr val="accent3">
-                        <a:lumMod val="60000"/>
-                        <a:lumOff val="40000"/>
-                      </a:schemeClr>
-                    </a:solidFill>
-                  </a:tcPr>
-                </a:tc>
-                <a:tc>
-                  <a:txBody>
-                    <a:bodyPr/>
-                    <a:lstStyle/>
-                    <a:p>
-                      <a:pPr latinLnBrk="1"/>
-                      <a:endParaRPr lang="ko-KR" altLang="en-US" sz="1000" dirty="0">
-                        <a:solidFill>
-                          <a:schemeClr val="tx1"/>
-                        </a:solidFill>
-                      </a:endParaRPr>
-                    </a:p>
-                  </a:txBody>
-                  <a:tcPr anchor="ctr">
-                    <a:solidFill>
-                      <a:schemeClr val="accent3">
-                        <a:lumMod val="60000"/>
-                        <a:lumOff val="40000"/>
-                      </a:schemeClr>
-                    </a:solidFill>
-                  </a:tcPr>
-                </a:tc>
-                <a:tc>
-                  <a:txBody>
-                    <a:bodyPr/>
-                    <a:lstStyle/>
-                    <a:p>
-                      <a:pPr latinLnBrk="1"/>
-                      <a:endParaRPr lang="ko-KR" altLang="en-US" sz="1000" dirty="0">
-                        <a:solidFill>
-                          <a:schemeClr val="tx1"/>
-                        </a:solidFill>
-                      </a:endParaRPr>
-                    </a:p>
-                  </a:txBody>
-                  <a:tcPr anchor="ctr">
-                    <a:solidFill>
-                      <a:schemeClr val="accent3">
-                        <a:lumMod val="60000"/>
-                        <a:lumOff val="40000"/>
-                      </a:schemeClr>
-                    </a:solidFill>
-                  </a:tcPr>
-                </a:tc>
-                <a:tc>
-                  <a:txBody>
-                    <a:bodyPr/>
-                    <a:lstStyle/>
-                    <a:p>
-                      <a:pPr latinLnBrk="1"/>
-                      <a:endParaRPr lang="en-US" altLang="ko-KR" sz="1000" dirty="0" smtClean="0">
                         <a:solidFill>
                           <a:schemeClr val="tx1"/>
                         </a:solidFill>
@@ -5568,7 +5212,7 @@
         </p:nvGraphicFramePr>
         <p:xfrm>
           <a:off x="107505" y="908720"/>
-          <a:ext cx="8928990" cy="4824536"/>
+          <a:ext cx="8928990" cy="4031783"/>
         </p:xfrm>
         <a:graphic>
           <a:graphicData uri="http://schemas.openxmlformats.org/drawingml/2006/table">
@@ -5605,7 +5249,23 @@
                             <a:schemeClr val="tx1"/>
                           </a:solidFill>
                         </a:rPr>
-                        <a:t>ID: DW-0001</a:t>
+                        <a:t>ID: </a:t>
+                      </a:r>
+                      <a:r>
+                        <a:rPr lang="en-US" altLang="ko-KR" sz="1800" b="0" dirty="0" smtClean="0">
+                          <a:solidFill>
+                            <a:schemeClr val="tx1"/>
+                          </a:solidFill>
+                        </a:rPr>
+                        <a:t>login</a:t>
+                      </a:r>
+                      <a:r>
+                        <a:rPr lang="en-US" altLang="ko-KR" sz="1800" b="0" baseline="0" dirty="0" smtClean="0">
+                          <a:solidFill>
+                            <a:schemeClr val="tx1"/>
+                          </a:solidFill>
+                        </a:rPr>
+                        <a:t>-1</a:t>
                       </a:r>
                       <a:endParaRPr lang="ko-KR" altLang="en-US" sz="1800" b="0" dirty="0">
                         <a:solidFill>
@@ -5751,6 +5411,54 @@
                     <a:lstStyle/>
                     <a:p>
                       <a:pPr latinLnBrk="1"/>
+                      <a:r>
+                        <a:rPr lang="ko-KR" altLang="en-US" sz="1400" dirty="0" smtClean="0">
+                          <a:solidFill>
+                            <a:schemeClr val="tx1"/>
+                          </a:solidFill>
+                        </a:rPr>
+                        <a:t>자바로 </a:t>
+                      </a:r>
+                      <a:r>
+                        <a:rPr lang="ko-KR" altLang="en-US" sz="1400" dirty="0" err="1" smtClean="0">
+                          <a:solidFill>
+                            <a:schemeClr val="tx1"/>
+                          </a:solidFill>
+                        </a:rPr>
+                        <a:t>데스크탑</a:t>
+                      </a:r>
+                      <a:r>
+                        <a:rPr lang="ko-KR" altLang="en-US" sz="1400" dirty="0" smtClean="0">
+                          <a:solidFill>
+                            <a:schemeClr val="tx1"/>
+                          </a:solidFill>
+                        </a:rPr>
+                        <a:t> 용 </a:t>
+                      </a:r>
+                      <a:r>
+                        <a:rPr lang="ko-KR" altLang="en-US" sz="1400" dirty="0" err="1" smtClean="0">
+                          <a:solidFill>
+                            <a:schemeClr val="tx1"/>
+                          </a:solidFill>
+                        </a:rPr>
+                        <a:t>으로</a:t>
+                      </a:r>
+                      <a:r>
+                        <a:rPr lang="ko-KR" altLang="en-US" sz="1400" dirty="0" smtClean="0">
+                          <a:solidFill>
+                            <a:schemeClr val="tx1"/>
+                          </a:solidFill>
+                        </a:rPr>
+                        <a:t> 구현한 채팅시스템이 잘 구현되는지 확인한다</a:t>
+                      </a:r>
+                      <a:r>
+                        <a:rPr lang="en-US" altLang="ko-KR" sz="1400" dirty="0" smtClean="0">
+                          <a:solidFill>
+                            <a:schemeClr val="tx1"/>
+                          </a:solidFill>
+                        </a:rPr>
+                        <a:t>.</a:t>
+                      </a:r>
                       <a:endParaRPr lang="ko-KR" altLang="en-US" sz="1400" dirty="0">
                         <a:solidFill>
                           <a:schemeClr val="tx1"/>
@@ -5893,6 +5601,46 @@
                     <a:lstStyle/>
                     <a:p>
                       <a:pPr latinLnBrk="1"/>
+                      <a:r>
+                        <a:rPr lang="ko-KR" altLang="en-US" sz="1400" dirty="0" smtClean="0">
+                          <a:solidFill>
+                            <a:schemeClr val="tx1"/>
+                          </a:solidFill>
+                        </a:rPr>
+                        <a:t>미리 </a:t>
+                      </a:r>
+                      <a:r>
+                        <a:rPr lang="en-US" altLang="ko-KR" sz="1400" dirty="0" smtClean="0">
+                          <a:solidFill>
+                            <a:schemeClr val="tx1"/>
+                          </a:solidFill>
+                        </a:rPr>
+                        <a:t>server</a:t>
+                      </a:r>
+                      <a:r>
+                        <a:rPr lang="ko-KR" altLang="en-US" sz="1400" dirty="0" smtClean="0">
+                          <a:solidFill>
+                            <a:schemeClr val="tx1"/>
+                          </a:solidFill>
+                        </a:rPr>
+                        <a:t>를 잡고 </a:t>
+                      </a:r>
+                      <a:r>
+                        <a:rPr lang="en-US" altLang="ko-KR" sz="1400" dirty="0" smtClean="0">
+                          <a:solidFill>
+                            <a:schemeClr val="tx1"/>
+                          </a:solidFill>
+                        </a:rPr>
+                        <a:t>client</a:t>
+                      </a:r>
+                      <a:r>
+                        <a:rPr lang="ko-KR" altLang="en-US" sz="1400" dirty="0" smtClean="0">
+                          <a:solidFill>
+                            <a:schemeClr val="tx1"/>
+                          </a:solidFill>
+                        </a:rPr>
+                        <a:t>에 접속했다</a:t>
+                      </a:r>
                       <a:endParaRPr lang="ko-KR" altLang="en-US" sz="1400" dirty="0">
                         <a:solidFill>
                           <a:schemeClr val="tx1"/>
@@ -6035,6 +5783,14 @@
                     <a:lstStyle/>
                     <a:p>
                       <a:pPr latinLnBrk="1"/>
+                      <a:r>
+                        <a:rPr lang="ko-KR" altLang="en-US" sz="1400" dirty="0" smtClean="0">
+                          <a:solidFill>
+                            <a:schemeClr val="tx1"/>
+                          </a:solidFill>
+                        </a:rPr>
+                        <a:t>김도완</a:t>
+                      </a:r>
                       <a:endParaRPr lang="ko-KR" altLang="en-US" sz="1400" dirty="0">
                         <a:solidFill>
                           <a:schemeClr val="tx1"/>
@@ -6087,6 +5843,22 @@
                     <a:lstStyle/>
                     <a:p>
                       <a:pPr latinLnBrk="1"/>
+                      <a:r>
+                        <a:rPr lang="en-US" altLang="ko-KR" sz="1400" dirty="0" smtClean="0">
+                          <a:solidFill>
+                            <a:schemeClr val="tx1"/>
+                          </a:solidFill>
+                        </a:rPr>
+                        <a:t>2012.5.15</a:t>
+                      </a:r>
+                      <a:r>
+                        <a:rPr lang="en-US" altLang="ko-KR" sz="1400" baseline="0" dirty="0" smtClean="0">
+                          <a:solidFill>
+                            <a:schemeClr val="tx1"/>
+                          </a:solidFill>
+                        </a:rPr>
+                        <a:t> ~ 2012.5.15</a:t>
+                      </a:r>
                       <a:endParaRPr lang="ko-KR" altLang="en-US" sz="1400" dirty="0">
                         <a:solidFill>
                           <a:schemeClr val="tx1"/>
@@ -6383,50 +6155,30 @@
                     <a:lstStyle/>
                     <a:p>
                       <a:pPr latinLnBrk="1"/>
-                      <a:endParaRPr lang="ko-KR" altLang="en-US" sz="1400">
-                        <a:solidFill>
-                          <a:schemeClr val="tx1"/>
-                        </a:solidFill>
-                      </a:endParaRPr>
-                    </a:p>
-                  </a:txBody>
-                  <a:tcPr anchor="ctr">
-                    <a:solidFill>
-                      <a:schemeClr val="accent3">
-                        <a:lumMod val="60000"/>
-                        <a:lumOff val="40000"/>
-                      </a:schemeClr>
-                    </a:solidFill>
-                  </a:tcPr>
-                </a:tc>
-                <a:tc>
-                  <a:txBody>
-                    <a:bodyPr/>
-                    <a:lstStyle/>
-                    <a:p>
-                      <a:pPr latinLnBrk="1"/>
-                      <a:endParaRPr lang="ko-KR" altLang="en-US" sz="1400">
-                        <a:solidFill>
-                          <a:schemeClr val="tx1"/>
-                        </a:solidFill>
-                      </a:endParaRPr>
-                    </a:p>
-                  </a:txBody>
-                  <a:tcPr anchor="ctr">
-                    <a:solidFill>
-                      <a:schemeClr val="accent3">
-                        <a:lumMod val="60000"/>
-                        <a:lumOff val="40000"/>
-                      </a:schemeClr>
-                    </a:solidFill>
-                  </a:tcPr>
-                </a:tc>
-                <a:tc>
-                  <a:txBody>
-                    <a:bodyPr/>
-                    <a:lstStyle/>
-                    <a:p>
-                      <a:pPr latinLnBrk="1"/>
+                      <a:r>
+                        <a:rPr lang="en-US" altLang="ko-KR" sz="1400" dirty="0" err="1" smtClean="0">
+                          <a:solidFill>
+                            <a:schemeClr val="tx1"/>
+                          </a:solidFill>
+                        </a:rPr>
+                        <a:t>Id:ofkdw</a:t>
+                      </a:r>
+                      <a:endParaRPr lang="en-US" altLang="ko-KR" sz="1400" dirty="0" smtClean="0">
+                        <a:solidFill>
+                          <a:schemeClr val="tx1"/>
+                        </a:solidFill>
+                      </a:endParaRPr>
+                    </a:p>
+                    <a:p>
+                      <a:pPr latinLnBrk="1"/>
+                      <a:r>
+                        <a:rPr lang="en-US" altLang="ko-KR" sz="1400" dirty="0" smtClean="0">
+                          <a:solidFill>
+                            <a:schemeClr val="tx1"/>
+                          </a:solidFill>
+                        </a:rPr>
+                        <a:t>Password:111</a:t>
+                      </a:r>
                       <a:endParaRPr lang="ko-KR" altLang="en-US" sz="1400" dirty="0">
                         <a:solidFill>
                           <a:schemeClr val="tx1"/>
@@ -6449,6 +6201,14 @@
                     <a:lstStyle/>
                     <a:p>
                       <a:pPr latinLnBrk="1"/>
+                      <a:r>
+                        <a:rPr lang="ko-KR" altLang="en-US" sz="1400" dirty="0" smtClean="0">
+                          <a:solidFill>
+                            <a:schemeClr val="tx1"/>
+                          </a:solidFill>
+                        </a:rPr>
+                        <a:t>정상 로그인</a:t>
+                      </a:r>
                       <a:endParaRPr lang="ko-KR" altLang="en-US" sz="1400" dirty="0">
                         <a:solidFill>
                           <a:schemeClr val="tx1"/>
@@ -6471,6 +6231,30 @@
                     <a:lstStyle/>
                     <a:p>
                       <a:pPr latinLnBrk="1"/>
+                      <a:r>
+                        <a:rPr lang="ko-KR" altLang="en-US" sz="1400" dirty="0" err="1" smtClean="0">
+                          <a:solidFill>
+                            <a:schemeClr val="tx1"/>
+                          </a:solidFill>
+                        </a:rPr>
+                        <a:t>로그인되는</a:t>
+                      </a:r>
+                      <a:r>
+                        <a:rPr lang="ko-KR" altLang="en-US" sz="1400" dirty="0" smtClean="0">
+                          <a:solidFill>
+                            <a:schemeClr val="tx1"/>
+                          </a:solidFill>
+                        </a:rPr>
+                        <a:t> 부분을 제대로 구현하지 않아서 되지 않았다</a:t>
+                      </a:r>
+                      <a:r>
+                        <a:rPr lang="en-US" altLang="ko-KR" sz="1400" dirty="0" smtClean="0">
+                          <a:solidFill>
+                            <a:schemeClr val="tx1"/>
+                          </a:solidFill>
+                        </a:rPr>
+                        <a:t>.</a:t>
+                      </a:r>
                       <a:endParaRPr lang="ko-KR" altLang="en-US" sz="1400" dirty="0">
                         <a:solidFill>
                           <a:schemeClr val="tx1"/>
@@ -6487,253 +6271,21 @@
                     </a:solidFill>
                   </a:tcPr>
                 </a:tc>
-              </a:tr>
-              <a:tr h="650331">
-                <a:tc>
-                  <a:txBody>
-                    <a:bodyPr/>
-                    <a:lstStyle/>
-                    <a:p>
-                      <a:pPr latinLnBrk="1"/>
-                      <a:r>
-                        <a:rPr lang="en-US" altLang="ko-KR" sz="1400" dirty="0" smtClean="0">
-                          <a:solidFill>
-                            <a:schemeClr val="tx1"/>
-                          </a:solidFill>
-                        </a:rPr>
-                        <a:t>2</a:t>
+                <a:tc>
+                  <a:txBody>
+                    <a:bodyPr/>
+                    <a:lstStyle/>
+                    <a:p>
+                      <a:pPr latinLnBrk="1"/>
+                      <a:r>
+                        <a:rPr lang="ko-KR" altLang="en-US" sz="1400" dirty="0" smtClean="0">
+                          <a:solidFill>
+                            <a:schemeClr val="tx1"/>
+                          </a:solidFill>
+                        </a:rPr>
+                        <a:t>로그인 구현 소스 수정</a:t>
                       </a:r>
                       <a:endParaRPr lang="ko-KR" altLang="en-US" sz="1400" dirty="0">
-                        <a:solidFill>
-                          <a:schemeClr val="tx1"/>
-                        </a:solidFill>
-                      </a:endParaRPr>
-                    </a:p>
-                  </a:txBody>
-                  <a:tcPr anchor="ctr">
-                    <a:solidFill>
-                      <a:schemeClr val="accent3">
-                        <a:lumMod val="60000"/>
-                        <a:lumOff val="40000"/>
-                      </a:schemeClr>
-                    </a:solidFill>
-                  </a:tcPr>
-                </a:tc>
-                <a:tc>
-                  <a:txBody>
-                    <a:bodyPr/>
-                    <a:lstStyle/>
-                    <a:p>
-                      <a:pPr latinLnBrk="1"/>
-                      <a:endParaRPr lang="ko-KR" altLang="en-US" sz="1400">
-                        <a:solidFill>
-                          <a:schemeClr val="tx1"/>
-                        </a:solidFill>
-                      </a:endParaRPr>
-                    </a:p>
-                  </a:txBody>
-                  <a:tcPr anchor="ctr">
-                    <a:solidFill>
-                      <a:schemeClr val="accent3">
-                        <a:lumMod val="60000"/>
-                        <a:lumOff val="40000"/>
-                      </a:schemeClr>
-                    </a:solidFill>
-                  </a:tcPr>
-                </a:tc>
-                <a:tc>
-                  <a:txBody>
-                    <a:bodyPr/>
-                    <a:lstStyle/>
-                    <a:p>
-                      <a:pPr latinLnBrk="1"/>
-                      <a:endParaRPr lang="ko-KR" altLang="en-US" sz="1400">
-                        <a:solidFill>
-                          <a:schemeClr val="tx1"/>
-                        </a:solidFill>
-                      </a:endParaRPr>
-                    </a:p>
-                  </a:txBody>
-                  <a:tcPr anchor="ctr">
-                    <a:solidFill>
-                      <a:schemeClr val="accent3">
-                        <a:lumMod val="60000"/>
-                        <a:lumOff val="40000"/>
-                      </a:schemeClr>
-                    </a:solidFill>
-                  </a:tcPr>
-                </a:tc>
-                <a:tc>
-                  <a:txBody>
-                    <a:bodyPr/>
-                    <a:lstStyle/>
-                    <a:p>
-                      <a:pPr latinLnBrk="1"/>
-                      <a:endParaRPr lang="ko-KR" altLang="en-US" sz="1400">
-                        <a:solidFill>
-                          <a:schemeClr val="tx1"/>
-                        </a:solidFill>
-                      </a:endParaRPr>
-                    </a:p>
-                  </a:txBody>
-                  <a:tcPr anchor="ctr">
-                    <a:solidFill>
-                      <a:schemeClr val="accent3">
-                        <a:lumMod val="60000"/>
-                        <a:lumOff val="40000"/>
-                      </a:schemeClr>
-                    </a:solidFill>
-                  </a:tcPr>
-                </a:tc>
-                <a:tc>
-                  <a:txBody>
-                    <a:bodyPr/>
-                    <a:lstStyle/>
-                    <a:p>
-                      <a:pPr latinLnBrk="1"/>
-                      <a:endParaRPr lang="ko-KR" altLang="en-US" sz="1400" dirty="0">
-                        <a:solidFill>
-                          <a:schemeClr val="tx1"/>
-                        </a:solidFill>
-                      </a:endParaRPr>
-                    </a:p>
-                  </a:txBody>
-                  <a:tcPr anchor="ctr">
-                    <a:solidFill>
-                      <a:schemeClr val="accent3">
-                        <a:lumMod val="60000"/>
-                        <a:lumOff val="40000"/>
-                      </a:schemeClr>
-                    </a:solidFill>
-                  </a:tcPr>
-                </a:tc>
-                <a:tc>
-                  <a:txBody>
-                    <a:bodyPr/>
-                    <a:lstStyle/>
-                    <a:p>
-                      <a:pPr latinLnBrk="1"/>
-                      <a:endParaRPr lang="ko-KR" altLang="en-US" sz="1400" dirty="0">
-                        <a:solidFill>
-                          <a:schemeClr val="tx1"/>
-                        </a:solidFill>
-                      </a:endParaRPr>
-                    </a:p>
-                  </a:txBody>
-                  <a:tcPr anchor="ctr">
-                    <a:solidFill>
-                      <a:schemeClr val="accent3">
-                        <a:lumMod val="60000"/>
-                        <a:lumOff val="40000"/>
-                      </a:schemeClr>
-                    </a:solidFill>
-                  </a:tcPr>
-                </a:tc>
-              </a:tr>
-              <a:tr h="650331">
-                <a:tc>
-                  <a:txBody>
-                    <a:bodyPr/>
-                    <a:lstStyle/>
-                    <a:p>
-                      <a:pPr latinLnBrk="1"/>
-                      <a:r>
-                        <a:rPr lang="en-US" altLang="ko-KR" sz="1400" dirty="0" smtClean="0">
-                          <a:solidFill>
-                            <a:schemeClr val="tx1"/>
-                          </a:solidFill>
-                        </a:rPr>
-                        <a:t>3</a:t>
-                      </a:r>
-                      <a:endParaRPr lang="ko-KR" altLang="en-US" sz="1400" dirty="0">
-                        <a:solidFill>
-                          <a:schemeClr val="tx1"/>
-                        </a:solidFill>
-                      </a:endParaRPr>
-                    </a:p>
-                  </a:txBody>
-                  <a:tcPr anchor="ctr">
-                    <a:solidFill>
-                      <a:schemeClr val="accent3">
-                        <a:lumMod val="60000"/>
-                        <a:lumOff val="40000"/>
-                      </a:schemeClr>
-                    </a:solidFill>
-                  </a:tcPr>
-                </a:tc>
-                <a:tc>
-                  <a:txBody>
-                    <a:bodyPr/>
-                    <a:lstStyle/>
-                    <a:p>
-                      <a:pPr latinLnBrk="1"/>
-                      <a:endParaRPr lang="ko-KR" altLang="en-US" sz="1400">
-                        <a:solidFill>
-                          <a:schemeClr val="tx1"/>
-                        </a:solidFill>
-                      </a:endParaRPr>
-                    </a:p>
-                  </a:txBody>
-                  <a:tcPr anchor="ctr">
-                    <a:solidFill>
-                      <a:schemeClr val="accent3">
-                        <a:lumMod val="60000"/>
-                        <a:lumOff val="40000"/>
-                      </a:schemeClr>
-                    </a:solidFill>
-                  </a:tcPr>
-                </a:tc>
-                <a:tc>
-                  <a:txBody>
-                    <a:bodyPr/>
-                    <a:lstStyle/>
-                    <a:p>
-                      <a:pPr latinLnBrk="1"/>
-                      <a:endParaRPr lang="ko-KR" altLang="en-US" sz="1400" dirty="0">
-                        <a:solidFill>
-                          <a:schemeClr val="tx1"/>
-                        </a:solidFill>
-                      </a:endParaRPr>
-                    </a:p>
-                  </a:txBody>
-                  <a:tcPr anchor="ctr">
-                    <a:solidFill>
-                      <a:schemeClr val="accent3">
-                        <a:lumMod val="60000"/>
-                        <a:lumOff val="40000"/>
-                      </a:schemeClr>
-                    </a:solidFill>
-                  </a:tcPr>
-                </a:tc>
-                <a:tc>
-                  <a:txBody>
-                    <a:bodyPr/>
-                    <a:lstStyle/>
-                    <a:p>
-                      <a:pPr latinLnBrk="1"/>
-                      <a:endParaRPr lang="ko-KR" altLang="en-US" sz="1400" dirty="0">
-                        <a:solidFill>
-                          <a:schemeClr val="tx1"/>
-                        </a:solidFill>
-                      </a:endParaRPr>
-                    </a:p>
-                  </a:txBody>
-                  <a:tcPr anchor="ctr">
-                    <a:solidFill>
-                      <a:schemeClr val="accent3">
-                        <a:lumMod val="60000"/>
-                        <a:lumOff val="40000"/>
-                      </a:schemeClr>
-                    </a:solidFill>
-                  </a:tcPr>
-                </a:tc>
-                <a:tc>
-                  <a:txBody>
-                    <a:bodyPr/>
-                    <a:lstStyle/>
-                    <a:p>
-                      <a:pPr latinLnBrk="1"/>
-                      <a:endParaRPr lang="ko-KR" altLang="en-US" sz="1400">
                         <a:solidFill>
                           <a:schemeClr val="tx1"/>
                         </a:solidFill>
@@ -6776,6 +6328,32 @@
           </a:graphicData>
         </a:graphic>
       </p:graphicFrame>
+      <p:pic>
+        <p:nvPicPr>
+          <p:cNvPr id="4098" name="Picture 2" descr="C:\Documents and Settings\Administrator\바탕 화면\2.jpg"/>
+          <p:cNvPicPr>
+            <a:picLocks noChangeAspect="1" noChangeArrowheads="1"/>
+          </p:cNvPicPr>
+          <p:nvPr/>
+        </p:nvPicPr>
+        <p:blipFill>
+          <a:blip r:embed="rId2" cstate="print"/>
+          <a:srcRect/>
+          <a:stretch>
+            <a:fillRect/>
+          </a:stretch>
+        </p:blipFill>
+        <p:spPr bwMode="auto">
+          <a:xfrm>
+            <a:off x="7452320" y="3789040"/>
+            <a:ext cx="1604720" cy="2664296"/>
+          </a:xfrm>
+          <a:prstGeom prst="rect">
+            <a:avLst/>
+          </a:prstGeom>
+          <a:noFill/>
+        </p:spPr>
+      </p:pic>
     </p:spTree>
   </p:cSld>
   <p:clrMapOvr>
@@ -6811,34 +6389,3768 @@
             <p:ph type="title"/>
           </p:nvPr>
         </p:nvSpPr>
-        <p:spPr/>
+        <p:spPr>
+          <a:xfrm>
+            <a:off x="302840" y="-243408"/>
+            <a:ext cx="8229600" cy="1143000"/>
+          </a:xfrm>
+        </p:spPr>
         <p:txBody>
           <a:bodyPr/>
           <a:lstStyle/>
           <a:p>
-            <a:endParaRPr lang="ko-KR" altLang="en-US"/>
+            <a:r>
+              <a:rPr lang="ko-KR" altLang="en-US" dirty="0" smtClean="0"/>
+              <a:t>테스트 케이스</a:t>
+            </a:r>
+            <a:endParaRPr lang="ko-KR" altLang="en-US" dirty="0"/>
           </a:p>
         </p:txBody>
       </p:sp>
+      <p:graphicFrame>
+        <p:nvGraphicFramePr>
+          <p:cNvPr id="4" name="표 3"/>
+          <p:cNvGraphicFramePr>
+            <a:graphicFrameLocks noGrp="1"/>
+          </p:cNvGraphicFramePr>
+          <p:nvPr/>
+        </p:nvGraphicFramePr>
+        <p:xfrm>
+          <a:off x="107505" y="908720"/>
+          <a:ext cx="8928990" cy="4245143"/>
+        </p:xfrm>
+        <a:graphic>
+          <a:graphicData uri="http://schemas.openxmlformats.org/drawingml/2006/table">
+            <a:tbl>
+              <a:tblPr firstRow="1" bandRow="1">
+                <a:tableStyleId>{5C22544A-7EE6-4342-B048-85BDC9FD1C3A}</a:tableStyleId>
+              </a:tblPr>
+              <a:tblGrid>
+                <a:gridCol w="1224135"/>
+                <a:gridCol w="1440160"/>
+                <a:gridCol w="2011143"/>
+                <a:gridCol w="1277220"/>
+                <a:gridCol w="1392157"/>
+                <a:gridCol w="1584175"/>
+              </a:tblGrid>
+              <a:tr h="576064">
+                <a:tc gridSpan="6">
+                  <a:txBody>
+                    <a:bodyPr/>
+                    <a:lstStyle/>
+                    <a:p>
+                      <a:pPr latinLnBrk="1"/>
+                      <a:r>
+                        <a:rPr lang="ko-KR" altLang="en-US" sz="1800" b="0" dirty="0" smtClean="0">
+                          <a:solidFill>
+                            <a:schemeClr val="tx1"/>
+                          </a:solidFill>
+                        </a:rPr>
+                        <a:t>테스트 케이스 </a:t>
+                      </a:r>
+                      <a:r>
+                        <a:rPr lang="en-US" altLang="ko-KR" sz="1800" b="0" dirty="0" smtClean="0">
+                          <a:solidFill>
+                            <a:schemeClr val="tx1"/>
+                          </a:solidFill>
+                        </a:rPr>
+                        <a:t>ID: </a:t>
+                      </a:r>
+                      <a:r>
+                        <a:rPr lang="en-US" altLang="ko-KR" sz="1800" b="0" dirty="0" smtClean="0">
+                          <a:solidFill>
+                            <a:schemeClr val="tx1"/>
+                          </a:solidFill>
+                        </a:rPr>
+                        <a:t>java</a:t>
+                      </a:r>
+                      <a:r>
+                        <a:rPr lang="en-US" altLang="ko-KR" sz="1800" b="0" baseline="0" dirty="0" smtClean="0">
+                          <a:solidFill>
+                            <a:schemeClr val="tx1"/>
+                          </a:solidFill>
+                        </a:rPr>
+                        <a:t>chattest-1</a:t>
+                      </a:r>
+                      <a:endParaRPr lang="ko-KR" altLang="en-US" sz="1800" b="0" dirty="0">
+                        <a:solidFill>
+                          <a:schemeClr val="tx1"/>
+                        </a:solidFill>
+                      </a:endParaRPr>
+                    </a:p>
+                  </a:txBody>
+                  <a:tcPr anchor="ctr">
+                    <a:solidFill>
+                      <a:schemeClr val="accent3">
+                        <a:lumMod val="60000"/>
+                        <a:lumOff val="40000"/>
+                      </a:schemeClr>
+                    </a:solidFill>
+                  </a:tcPr>
+                </a:tc>
+                <a:tc hMerge="1">
+                  <a:txBody>
+                    <a:bodyPr/>
+                    <a:lstStyle/>
+                    <a:p>
+                      <a:pPr latinLnBrk="1"/>
+                      <a:endParaRPr lang="ko-KR" altLang="en-US" dirty="0"/>
+                    </a:p>
+                  </a:txBody>
+                  <a:tcPr>
+                    <a:solidFill>
+                      <a:schemeClr val="accent3">
+                        <a:lumMod val="60000"/>
+                        <a:lumOff val="40000"/>
+                      </a:schemeClr>
+                    </a:solidFill>
+                  </a:tcPr>
+                </a:tc>
+                <a:tc hMerge="1">
+                  <a:txBody>
+                    <a:bodyPr/>
+                    <a:lstStyle/>
+                    <a:p>
+                      <a:pPr latinLnBrk="1"/>
+                      <a:endParaRPr lang="ko-KR" altLang="en-US" dirty="0"/>
+                    </a:p>
+                  </a:txBody>
+                  <a:tcPr>
+                    <a:solidFill>
+                      <a:schemeClr val="accent3">
+                        <a:lumMod val="60000"/>
+                        <a:lumOff val="40000"/>
+                      </a:schemeClr>
+                    </a:solidFill>
+                  </a:tcPr>
+                </a:tc>
+                <a:tc hMerge="1">
+                  <a:txBody>
+                    <a:bodyPr/>
+                    <a:lstStyle/>
+                    <a:p>
+                      <a:pPr latinLnBrk="1"/>
+                      <a:endParaRPr lang="ko-KR" altLang="en-US" dirty="0"/>
+                    </a:p>
+                  </a:txBody>
+                  <a:tcPr>
+                    <a:solidFill>
+                      <a:schemeClr val="accent3">
+                        <a:lumMod val="60000"/>
+                        <a:lumOff val="40000"/>
+                      </a:schemeClr>
+                    </a:solidFill>
+                  </a:tcPr>
+                </a:tc>
+                <a:tc hMerge="1">
+                  <a:txBody>
+                    <a:bodyPr/>
+                    <a:lstStyle/>
+                    <a:p>
+                      <a:pPr latinLnBrk="1"/>
+                      <a:endParaRPr lang="ko-KR" altLang="en-US" dirty="0"/>
+                    </a:p>
+                  </a:txBody>
+                  <a:tcPr>
+                    <a:solidFill>
+                      <a:schemeClr val="accent3">
+                        <a:lumMod val="60000"/>
+                        <a:lumOff val="40000"/>
+                      </a:schemeClr>
+                    </a:solidFill>
+                  </a:tcPr>
+                </a:tc>
+                <a:tc hMerge="1">
+                  <a:txBody>
+                    <a:bodyPr/>
+                    <a:lstStyle/>
+                    <a:p>
+                      <a:pPr latinLnBrk="1"/>
+                      <a:endParaRPr lang="ko-KR" altLang="en-US" dirty="0"/>
+                    </a:p>
+                  </a:txBody>
+                  <a:tcPr>
+                    <a:solidFill>
+                      <a:schemeClr val="accent3">
+                        <a:lumMod val="60000"/>
+                        <a:lumOff val="40000"/>
+                      </a:schemeClr>
+                    </a:solidFill>
+                  </a:tcPr>
+                </a:tc>
+              </a:tr>
+              <a:tr h="501797">
+                <a:tc>
+                  <a:txBody>
+                    <a:bodyPr/>
+                    <a:lstStyle/>
+                    <a:p>
+                      <a:pPr latinLnBrk="1"/>
+                      <a:r>
+                        <a:rPr lang="ko-KR" altLang="en-US" sz="1400" dirty="0" smtClean="0">
+                          <a:solidFill>
+                            <a:schemeClr val="tx1"/>
+                          </a:solidFill>
+                        </a:rPr>
+                        <a:t>목적</a:t>
+                      </a:r>
+                      <a:endParaRPr lang="ko-KR" altLang="en-US" sz="1400" dirty="0">
+                        <a:solidFill>
+                          <a:schemeClr val="tx1"/>
+                        </a:solidFill>
+                      </a:endParaRPr>
+                    </a:p>
+                  </a:txBody>
+                  <a:tcPr anchor="ctr">
+                    <a:solidFill>
+                      <a:schemeClr val="accent3">
+                        <a:lumMod val="60000"/>
+                        <a:lumOff val="40000"/>
+                      </a:schemeClr>
+                    </a:solidFill>
+                  </a:tcPr>
+                </a:tc>
+                <a:tc gridSpan="5">
+                  <a:txBody>
+                    <a:bodyPr/>
+                    <a:lstStyle/>
+                    <a:p>
+                      <a:pPr latinLnBrk="1"/>
+                      <a:r>
+                        <a:rPr lang="ko-KR" altLang="en-US" sz="1400" dirty="0" smtClean="0">
+                          <a:solidFill>
+                            <a:schemeClr val="tx1"/>
+                          </a:solidFill>
+                        </a:rPr>
+                        <a:t>자바로 </a:t>
+                      </a:r>
+                      <a:r>
+                        <a:rPr lang="ko-KR" altLang="en-US" sz="1400" dirty="0" err="1" smtClean="0">
+                          <a:solidFill>
+                            <a:schemeClr val="tx1"/>
+                          </a:solidFill>
+                        </a:rPr>
+                        <a:t>데스크탑</a:t>
+                      </a:r>
+                      <a:r>
+                        <a:rPr lang="ko-KR" altLang="en-US" sz="1400" dirty="0" smtClean="0">
+                          <a:solidFill>
+                            <a:schemeClr val="tx1"/>
+                          </a:solidFill>
+                        </a:rPr>
+                        <a:t> 용 </a:t>
+                      </a:r>
+                      <a:r>
+                        <a:rPr lang="ko-KR" altLang="en-US" sz="1400" dirty="0" err="1" smtClean="0">
+                          <a:solidFill>
+                            <a:schemeClr val="tx1"/>
+                          </a:solidFill>
+                        </a:rPr>
+                        <a:t>으로</a:t>
+                      </a:r>
+                      <a:r>
+                        <a:rPr lang="ko-KR" altLang="en-US" sz="1400" dirty="0" smtClean="0">
+                          <a:solidFill>
+                            <a:schemeClr val="tx1"/>
+                          </a:solidFill>
+                        </a:rPr>
+                        <a:t> 구현한 채팅시스템이 잘 구현되는지 확인한다</a:t>
+                      </a:r>
+                      <a:r>
+                        <a:rPr lang="en-US" altLang="ko-KR" sz="1400" dirty="0" smtClean="0">
+                          <a:solidFill>
+                            <a:schemeClr val="tx1"/>
+                          </a:solidFill>
+                        </a:rPr>
+                        <a:t>.</a:t>
+                      </a:r>
+                      <a:endParaRPr lang="ko-KR" altLang="en-US" sz="1400" dirty="0">
+                        <a:solidFill>
+                          <a:schemeClr val="tx1"/>
+                        </a:solidFill>
+                      </a:endParaRPr>
+                    </a:p>
+                  </a:txBody>
+                  <a:tcPr anchor="ctr">
+                    <a:solidFill>
+                      <a:schemeClr val="accent3">
+                        <a:lumMod val="60000"/>
+                        <a:lumOff val="40000"/>
+                      </a:schemeClr>
+                    </a:solidFill>
+                  </a:tcPr>
+                </a:tc>
+                <a:tc hMerge="1">
+                  <a:txBody>
+                    <a:bodyPr/>
+                    <a:lstStyle/>
+                    <a:p>
+                      <a:pPr latinLnBrk="1"/>
+                      <a:endParaRPr lang="ko-KR" altLang="en-US" dirty="0">
+                        <a:solidFill>
+                          <a:schemeClr val="tx1"/>
+                        </a:solidFill>
+                      </a:endParaRPr>
+                    </a:p>
+                  </a:txBody>
+                  <a:tcPr>
+                    <a:solidFill>
+                      <a:schemeClr val="accent3">
+                        <a:lumMod val="60000"/>
+                        <a:lumOff val="40000"/>
+                      </a:schemeClr>
+                    </a:solidFill>
+                  </a:tcPr>
+                </a:tc>
+                <a:tc hMerge="1">
+                  <a:txBody>
+                    <a:bodyPr/>
+                    <a:lstStyle/>
+                    <a:p>
+                      <a:pPr latinLnBrk="1"/>
+                      <a:endParaRPr lang="ko-KR" altLang="en-US" dirty="0">
+                        <a:solidFill>
+                          <a:schemeClr val="tx1"/>
+                        </a:solidFill>
+                      </a:endParaRPr>
+                    </a:p>
+                  </a:txBody>
+                  <a:tcPr>
+                    <a:solidFill>
+                      <a:schemeClr val="accent3">
+                        <a:lumMod val="60000"/>
+                        <a:lumOff val="40000"/>
+                      </a:schemeClr>
+                    </a:solidFill>
+                  </a:tcPr>
+                </a:tc>
+                <a:tc hMerge="1">
+                  <a:txBody>
+                    <a:bodyPr/>
+                    <a:lstStyle/>
+                    <a:p>
+                      <a:pPr latinLnBrk="1"/>
+                      <a:endParaRPr lang="ko-KR" altLang="en-US" dirty="0">
+                        <a:solidFill>
+                          <a:schemeClr val="tx1"/>
+                        </a:solidFill>
+                      </a:endParaRPr>
+                    </a:p>
+                  </a:txBody>
+                  <a:tcPr>
+                    <a:solidFill>
+                      <a:schemeClr val="accent3">
+                        <a:lumMod val="60000"/>
+                        <a:lumOff val="40000"/>
+                      </a:schemeClr>
+                    </a:solidFill>
+                  </a:tcPr>
+                </a:tc>
+                <a:tc hMerge="1">
+                  <a:txBody>
+                    <a:bodyPr/>
+                    <a:lstStyle/>
+                    <a:p>
+                      <a:pPr latinLnBrk="1"/>
+                      <a:endParaRPr lang="ko-KR" altLang="en-US" dirty="0">
+                        <a:solidFill>
+                          <a:schemeClr val="tx1"/>
+                        </a:solidFill>
+                      </a:endParaRPr>
+                    </a:p>
+                  </a:txBody>
+                  <a:tcPr>
+                    <a:solidFill>
+                      <a:schemeClr val="accent3">
+                        <a:lumMod val="60000"/>
+                        <a:lumOff val="40000"/>
+                      </a:schemeClr>
+                    </a:solidFill>
+                  </a:tcPr>
+                </a:tc>
+              </a:tr>
+              <a:tr h="650331">
+                <a:tc>
+                  <a:txBody>
+                    <a:bodyPr/>
+                    <a:lstStyle/>
+                    <a:p>
+                      <a:pPr latinLnBrk="1"/>
+                      <a:r>
+                        <a:rPr lang="ko-KR" altLang="en-US" sz="1400" dirty="0" smtClean="0">
+                          <a:solidFill>
+                            <a:schemeClr val="tx1"/>
+                          </a:solidFill>
+                        </a:rPr>
+                        <a:t>테스트조건</a:t>
+                      </a:r>
+                      <a:endParaRPr lang="ko-KR" altLang="en-US" sz="1400" dirty="0">
+                        <a:solidFill>
+                          <a:schemeClr val="tx1"/>
+                        </a:solidFill>
+                      </a:endParaRPr>
+                    </a:p>
+                  </a:txBody>
+                  <a:tcPr anchor="ctr">
+                    <a:solidFill>
+                      <a:schemeClr val="accent3">
+                        <a:lumMod val="60000"/>
+                        <a:lumOff val="40000"/>
+                      </a:schemeClr>
+                    </a:solidFill>
+                  </a:tcPr>
+                </a:tc>
+                <a:tc gridSpan="5">
+                  <a:txBody>
+                    <a:bodyPr/>
+                    <a:lstStyle/>
+                    <a:p>
+                      <a:pPr latinLnBrk="1"/>
+                      <a:r>
+                        <a:rPr lang="ko-KR" altLang="en-US" sz="1400" dirty="0" smtClean="0">
+                          <a:solidFill>
+                            <a:schemeClr val="tx1"/>
+                          </a:solidFill>
+                        </a:rPr>
+                        <a:t>미리 </a:t>
+                      </a:r>
+                      <a:r>
+                        <a:rPr lang="en-US" altLang="ko-KR" sz="1400" dirty="0" smtClean="0">
+                          <a:solidFill>
+                            <a:schemeClr val="tx1"/>
+                          </a:solidFill>
+                        </a:rPr>
+                        <a:t>server</a:t>
+                      </a:r>
+                      <a:r>
+                        <a:rPr lang="ko-KR" altLang="en-US" sz="1400" dirty="0" smtClean="0">
+                          <a:solidFill>
+                            <a:schemeClr val="tx1"/>
+                          </a:solidFill>
+                        </a:rPr>
+                        <a:t>를 잡고 </a:t>
+                      </a:r>
+                      <a:r>
+                        <a:rPr lang="en-US" altLang="ko-KR" sz="1400" dirty="0" smtClean="0">
+                          <a:solidFill>
+                            <a:schemeClr val="tx1"/>
+                          </a:solidFill>
+                        </a:rPr>
+                        <a:t>client</a:t>
+                      </a:r>
+                      <a:r>
+                        <a:rPr lang="ko-KR" altLang="en-US" sz="1400" dirty="0" smtClean="0">
+                          <a:solidFill>
+                            <a:schemeClr val="tx1"/>
+                          </a:solidFill>
+                        </a:rPr>
+                        <a:t>에 접속했다</a:t>
+                      </a:r>
+                      <a:endParaRPr lang="ko-KR" altLang="en-US" sz="1400" dirty="0">
+                        <a:solidFill>
+                          <a:schemeClr val="tx1"/>
+                        </a:solidFill>
+                      </a:endParaRPr>
+                    </a:p>
+                  </a:txBody>
+                  <a:tcPr anchor="ctr">
+                    <a:solidFill>
+                      <a:schemeClr val="accent3">
+                        <a:lumMod val="60000"/>
+                        <a:lumOff val="40000"/>
+                      </a:schemeClr>
+                    </a:solidFill>
+                  </a:tcPr>
+                </a:tc>
+                <a:tc hMerge="1">
+                  <a:txBody>
+                    <a:bodyPr/>
+                    <a:lstStyle/>
+                    <a:p>
+                      <a:pPr latinLnBrk="1"/>
+                      <a:endParaRPr lang="ko-KR" altLang="en-US" dirty="0">
+                        <a:solidFill>
+                          <a:schemeClr val="tx1"/>
+                        </a:solidFill>
+                      </a:endParaRPr>
+                    </a:p>
+                  </a:txBody>
+                  <a:tcPr>
+                    <a:solidFill>
+                      <a:schemeClr val="accent3">
+                        <a:lumMod val="60000"/>
+                        <a:lumOff val="40000"/>
+                      </a:schemeClr>
+                    </a:solidFill>
+                  </a:tcPr>
+                </a:tc>
+                <a:tc hMerge="1">
+                  <a:txBody>
+                    <a:bodyPr/>
+                    <a:lstStyle/>
+                    <a:p>
+                      <a:pPr latinLnBrk="1"/>
+                      <a:endParaRPr lang="ko-KR" altLang="en-US" dirty="0">
+                        <a:solidFill>
+                          <a:schemeClr val="tx1"/>
+                        </a:solidFill>
+                      </a:endParaRPr>
+                    </a:p>
+                  </a:txBody>
+                  <a:tcPr>
+                    <a:solidFill>
+                      <a:schemeClr val="accent3">
+                        <a:lumMod val="60000"/>
+                        <a:lumOff val="40000"/>
+                      </a:schemeClr>
+                    </a:solidFill>
+                  </a:tcPr>
+                </a:tc>
+                <a:tc hMerge="1">
+                  <a:txBody>
+                    <a:bodyPr/>
+                    <a:lstStyle/>
+                    <a:p>
+                      <a:pPr latinLnBrk="1"/>
+                      <a:endParaRPr lang="ko-KR" altLang="en-US">
+                        <a:solidFill>
+                          <a:schemeClr val="tx1"/>
+                        </a:solidFill>
+                      </a:endParaRPr>
+                    </a:p>
+                  </a:txBody>
+                  <a:tcPr>
+                    <a:solidFill>
+                      <a:schemeClr val="accent3">
+                        <a:lumMod val="60000"/>
+                        <a:lumOff val="40000"/>
+                      </a:schemeClr>
+                    </a:solidFill>
+                  </a:tcPr>
+                </a:tc>
+                <a:tc hMerge="1">
+                  <a:txBody>
+                    <a:bodyPr/>
+                    <a:lstStyle/>
+                    <a:p>
+                      <a:pPr latinLnBrk="1"/>
+                      <a:endParaRPr lang="ko-KR" altLang="en-US" dirty="0">
+                        <a:solidFill>
+                          <a:schemeClr val="tx1"/>
+                        </a:solidFill>
+                      </a:endParaRPr>
+                    </a:p>
+                  </a:txBody>
+                  <a:tcPr>
+                    <a:solidFill>
+                      <a:schemeClr val="accent3">
+                        <a:lumMod val="60000"/>
+                        <a:lumOff val="40000"/>
+                      </a:schemeClr>
+                    </a:solidFill>
+                  </a:tcPr>
+                </a:tc>
+              </a:tr>
+              <a:tr h="650331">
+                <a:tc>
+                  <a:txBody>
+                    <a:bodyPr/>
+                    <a:lstStyle/>
+                    <a:p>
+                      <a:pPr latinLnBrk="1"/>
+                      <a:r>
+                        <a:rPr lang="ko-KR" altLang="en-US" sz="1400" dirty="0" smtClean="0">
+                          <a:solidFill>
+                            <a:schemeClr val="tx1"/>
+                          </a:solidFill>
+                        </a:rPr>
+                        <a:t>테스터</a:t>
+                      </a:r>
+                      <a:endParaRPr lang="ko-KR" altLang="en-US" sz="1400" dirty="0">
+                        <a:solidFill>
+                          <a:schemeClr val="tx1"/>
+                        </a:solidFill>
+                      </a:endParaRPr>
+                    </a:p>
+                  </a:txBody>
+                  <a:tcPr anchor="ctr">
+                    <a:solidFill>
+                      <a:schemeClr val="accent3">
+                        <a:lumMod val="60000"/>
+                        <a:lumOff val="40000"/>
+                      </a:schemeClr>
+                    </a:solidFill>
+                  </a:tcPr>
+                </a:tc>
+                <a:tc>
+                  <a:txBody>
+                    <a:bodyPr/>
+                    <a:lstStyle/>
+                    <a:p>
+                      <a:pPr latinLnBrk="1"/>
+                      <a:r>
+                        <a:rPr lang="ko-KR" altLang="en-US" sz="1400" dirty="0" smtClean="0">
+                          <a:solidFill>
+                            <a:schemeClr val="tx1"/>
+                          </a:solidFill>
+                        </a:rPr>
+                        <a:t>김도완</a:t>
+                      </a:r>
+                      <a:endParaRPr lang="ko-KR" altLang="en-US" sz="1400" dirty="0">
+                        <a:solidFill>
+                          <a:schemeClr val="tx1"/>
+                        </a:solidFill>
+                      </a:endParaRPr>
+                    </a:p>
+                  </a:txBody>
+                  <a:tcPr anchor="ctr">
+                    <a:solidFill>
+                      <a:schemeClr val="accent3">
+                        <a:lumMod val="60000"/>
+                        <a:lumOff val="40000"/>
+                      </a:schemeClr>
+                    </a:solidFill>
+                  </a:tcPr>
+                </a:tc>
+                <a:tc>
+                  <a:txBody>
+                    <a:bodyPr/>
+                    <a:lstStyle/>
+                    <a:p>
+                      <a:pPr latinLnBrk="1"/>
+                      <a:r>
+                        <a:rPr lang="ko-KR" altLang="en-US" sz="1400" dirty="0" smtClean="0">
+                          <a:solidFill>
+                            <a:schemeClr val="tx1"/>
+                          </a:solidFill>
+                        </a:rPr>
+                        <a:t>테스트일자</a:t>
+                      </a:r>
+                      <a:endParaRPr lang="ko-KR" altLang="en-US" sz="1400" dirty="0">
+                        <a:solidFill>
+                          <a:schemeClr val="tx1"/>
+                        </a:solidFill>
+                      </a:endParaRPr>
+                    </a:p>
+                  </a:txBody>
+                  <a:tcPr anchor="ctr">
+                    <a:solidFill>
+                      <a:schemeClr val="accent3">
+                        <a:lumMod val="60000"/>
+                        <a:lumOff val="40000"/>
+                      </a:schemeClr>
+                    </a:solidFill>
+                  </a:tcPr>
+                </a:tc>
+                <a:tc gridSpan="3">
+                  <a:txBody>
+                    <a:bodyPr/>
+                    <a:lstStyle/>
+                    <a:p>
+                      <a:pPr latinLnBrk="1"/>
+                      <a:r>
+                        <a:rPr lang="en-US" altLang="ko-KR" sz="1400" dirty="0" smtClean="0">
+                          <a:solidFill>
+                            <a:schemeClr val="tx1"/>
+                          </a:solidFill>
+                        </a:rPr>
+                        <a:t>2012.5.15</a:t>
+                      </a:r>
+                      <a:r>
+                        <a:rPr lang="en-US" altLang="ko-KR" sz="1400" baseline="0" dirty="0" smtClean="0">
+                          <a:solidFill>
+                            <a:schemeClr val="tx1"/>
+                          </a:solidFill>
+                        </a:rPr>
+                        <a:t> ~ 2012.5.15</a:t>
+                      </a:r>
+                      <a:endParaRPr lang="ko-KR" altLang="en-US" sz="1400" dirty="0">
+                        <a:solidFill>
+                          <a:schemeClr val="tx1"/>
+                        </a:solidFill>
+                      </a:endParaRPr>
+                    </a:p>
+                  </a:txBody>
+                  <a:tcPr anchor="ctr">
+                    <a:solidFill>
+                      <a:schemeClr val="accent3">
+                        <a:lumMod val="60000"/>
+                        <a:lumOff val="40000"/>
+                      </a:schemeClr>
+                    </a:solidFill>
+                  </a:tcPr>
+                </a:tc>
+                <a:tc hMerge="1">
+                  <a:txBody>
+                    <a:bodyPr/>
+                    <a:lstStyle/>
+                    <a:p>
+                      <a:pPr latinLnBrk="1"/>
+                      <a:endParaRPr lang="ko-KR" altLang="en-US" sz="1400" dirty="0">
+                        <a:solidFill>
+                          <a:schemeClr val="tx1"/>
+                        </a:solidFill>
+                      </a:endParaRPr>
+                    </a:p>
+                  </a:txBody>
+                  <a:tcPr>
+                    <a:solidFill>
+                      <a:schemeClr val="accent3">
+                        <a:lumMod val="60000"/>
+                        <a:lumOff val="40000"/>
+                      </a:schemeClr>
+                    </a:solidFill>
+                  </a:tcPr>
+                </a:tc>
+                <a:tc hMerge="1">
+                  <a:txBody>
+                    <a:bodyPr/>
+                    <a:lstStyle/>
+                    <a:p>
+                      <a:pPr latinLnBrk="1"/>
+                      <a:endParaRPr lang="ko-KR" altLang="en-US" sz="1400" dirty="0">
+                        <a:solidFill>
+                          <a:schemeClr val="tx1"/>
+                        </a:solidFill>
+                      </a:endParaRPr>
+                    </a:p>
+                  </a:txBody>
+                  <a:tcPr>
+                    <a:solidFill>
+                      <a:schemeClr val="accent3">
+                        <a:lumMod val="60000"/>
+                        <a:lumOff val="40000"/>
+                      </a:schemeClr>
+                    </a:solidFill>
+                  </a:tcPr>
+                </a:tc>
+              </a:tr>
+              <a:tr h="495020">
+                <a:tc>
+                  <a:txBody>
+                    <a:bodyPr/>
+                    <a:lstStyle/>
+                    <a:p>
+                      <a:pPr latinLnBrk="1"/>
+                      <a:r>
+                        <a:rPr lang="ko-KR" altLang="en-US" sz="1400" dirty="0" smtClean="0">
+                          <a:solidFill>
+                            <a:schemeClr val="tx1"/>
+                          </a:solidFill>
+                        </a:rPr>
+                        <a:t>단계</a:t>
+                      </a:r>
+                      <a:endParaRPr lang="ko-KR" altLang="en-US" sz="1400" dirty="0">
+                        <a:solidFill>
+                          <a:schemeClr val="tx1"/>
+                        </a:solidFill>
+                      </a:endParaRPr>
+                    </a:p>
+                  </a:txBody>
+                  <a:tcPr anchor="ctr">
+                    <a:solidFill>
+                      <a:schemeClr val="accent3">
+                        <a:lumMod val="60000"/>
+                        <a:lumOff val="40000"/>
+                      </a:schemeClr>
+                    </a:solidFill>
+                  </a:tcPr>
+                </a:tc>
+                <a:tc>
+                  <a:txBody>
+                    <a:bodyPr/>
+                    <a:lstStyle/>
+                    <a:p>
+                      <a:pPr latinLnBrk="1"/>
+                      <a:r>
+                        <a:rPr lang="ko-KR" altLang="en-US" sz="1400" dirty="0" err="1" smtClean="0">
+                          <a:solidFill>
+                            <a:schemeClr val="tx1"/>
+                          </a:solidFill>
+                        </a:rPr>
+                        <a:t>입력값</a:t>
+                      </a:r>
+                      <a:endParaRPr lang="ko-KR" altLang="en-US" sz="1400" dirty="0">
+                        <a:solidFill>
+                          <a:schemeClr val="tx1"/>
+                        </a:solidFill>
+                      </a:endParaRPr>
+                    </a:p>
+                  </a:txBody>
+                  <a:tcPr anchor="ctr">
+                    <a:solidFill>
+                      <a:schemeClr val="accent3">
+                        <a:lumMod val="60000"/>
+                        <a:lumOff val="40000"/>
+                      </a:schemeClr>
+                    </a:solidFill>
+                  </a:tcPr>
+                </a:tc>
+                <a:tc>
+                  <a:txBody>
+                    <a:bodyPr/>
+                    <a:lstStyle/>
+                    <a:p>
+                      <a:pPr latinLnBrk="1"/>
+                      <a:r>
+                        <a:rPr lang="ko-KR" altLang="en-US" sz="1400" dirty="0" smtClean="0">
+                          <a:solidFill>
+                            <a:schemeClr val="tx1"/>
+                          </a:solidFill>
+                        </a:rPr>
+                        <a:t>예상 </a:t>
+                      </a:r>
+                      <a:r>
+                        <a:rPr lang="ko-KR" altLang="en-US" sz="1400" dirty="0" err="1" smtClean="0">
+                          <a:solidFill>
+                            <a:schemeClr val="tx1"/>
+                          </a:solidFill>
+                        </a:rPr>
+                        <a:t>출력값</a:t>
+                      </a:r>
+                      <a:endParaRPr lang="ko-KR" altLang="en-US" sz="1400" dirty="0">
+                        <a:solidFill>
+                          <a:schemeClr val="tx1"/>
+                        </a:solidFill>
+                      </a:endParaRPr>
+                    </a:p>
+                  </a:txBody>
+                  <a:tcPr anchor="ctr">
+                    <a:solidFill>
+                      <a:schemeClr val="accent3">
+                        <a:lumMod val="60000"/>
+                        <a:lumOff val="40000"/>
+                      </a:schemeClr>
+                    </a:solidFill>
+                  </a:tcPr>
+                </a:tc>
+                <a:tc>
+                  <a:txBody>
+                    <a:bodyPr/>
+                    <a:lstStyle/>
+                    <a:p>
+                      <a:pPr latinLnBrk="1"/>
+                      <a:r>
+                        <a:rPr lang="ko-KR" altLang="en-US" sz="1400" dirty="0" smtClean="0">
+                          <a:solidFill>
+                            <a:schemeClr val="tx1"/>
+                          </a:solidFill>
+                        </a:rPr>
+                        <a:t>실행결과</a:t>
+                      </a:r>
+                      <a:endParaRPr lang="ko-KR" altLang="en-US" sz="1400" dirty="0">
+                        <a:solidFill>
+                          <a:schemeClr val="tx1"/>
+                        </a:solidFill>
+                      </a:endParaRPr>
+                    </a:p>
+                  </a:txBody>
+                  <a:tcPr anchor="ctr">
+                    <a:solidFill>
+                      <a:schemeClr val="accent3">
+                        <a:lumMod val="60000"/>
+                        <a:lumOff val="40000"/>
+                      </a:schemeClr>
+                    </a:solidFill>
+                  </a:tcPr>
+                </a:tc>
+                <a:tc>
+                  <a:txBody>
+                    <a:bodyPr/>
+                    <a:lstStyle/>
+                    <a:p>
+                      <a:pPr latinLnBrk="1"/>
+                      <a:r>
+                        <a:rPr lang="ko-KR" altLang="en-US" sz="1400" dirty="0" smtClean="0">
+                          <a:solidFill>
+                            <a:schemeClr val="tx1"/>
+                          </a:solidFill>
+                        </a:rPr>
+                        <a:t>조치사항</a:t>
+                      </a:r>
+                      <a:endParaRPr lang="ko-KR" altLang="en-US" sz="1400" dirty="0">
+                        <a:solidFill>
+                          <a:schemeClr val="tx1"/>
+                        </a:solidFill>
+                      </a:endParaRPr>
+                    </a:p>
+                  </a:txBody>
+                  <a:tcPr anchor="ctr">
+                    <a:solidFill>
+                      <a:schemeClr val="accent3">
+                        <a:lumMod val="60000"/>
+                        <a:lumOff val="40000"/>
+                      </a:schemeClr>
+                    </a:solidFill>
+                  </a:tcPr>
+                </a:tc>
+                <a:tc>
+                  <a:txBody>
+                    <a:bodyPr/>
+                    <a:lstStyle/>
+                    <a:p>
+                      <a:pPr latinLnBrk="1"/>
+                      <a:r>
+                        <a:rPr lang="ko-KR" altLang="en-US" sz="1400" dirty="0" err="1" smtClean="0">
+                          <a:solidFill>
+                            <a:schemeClr val="tx1"/>
+                          </a:solidFill>
+                        </a:rPr>
+                        <a:t>조치후</a:t>
+                      </a:r>
+                      <a:r>
+                        <a:rPr lang="ko-KR" altLang="en-US" sz="1400" dirty="0" smtClean="0">
+                          <a:solidFill>
+                            <a:schemeClr val="tx1"/>
+                          </a:solidFill>
+                        </a:rPr>
+                        <a:t> 시험결과</a:t>
+                      </a:r>
+                      <a:endParaRPr lang="ko-KR" altLang="en-US" sz="1400" dirty="0">
+                        <a:solidFill>
+                          <a:schemeClr val="tx1"/>
+                        </a:solidFill>
+                      </a:endParaRPr>
+                    </a:p>
+                  </a:txBody>
+                  <a:tcPr anchor="ctr">
+                    <a:solidFill>
+                      <a:schemeClr val="accent3">
+                        <a:lumMod val="60000"/>
+                        <a:lumOff val="40000"/>
+                      </a:schemeClr>
+                    </a:solidFill>
+                  </a:tcPr>
+                </a:tc>
+              </a:tr>
+              <a:tr h="650331">
+                <a:tc>
+                  <a:txBody>
+                    <a:bodyPr/>
+                    <a:lstStyle/>
+                    <a:p>
+                      <a:pPr latinLnBrk="1"/>
+                      <a:r>
+                        <a:rPr lang="en-US" altLang="ko-KR" sz="1400" dirty="0" smtClean="0">
+                          <a:solidFill>
+                            <a:schemeClr val="tx1"/>
+                          </a:solidFill>
+                        </a:rPr>
+                        <a:t>1</a:t>
+                      </a:r>
+                      <a:endParaRPr lang="ko-KR" altLang="en-US" sz="1400" dirty="0">
+                        <a:solidFill>
+                          <a:schemeClr val="tx1"/>
+                        </a:solidFill>
+                      </a:endParaRPr>
+                    </a:p>
+                  </a:txBody>
+                  <a:tcPr anchor="ctr">
+                    <a:solidFill>
+                      <a:schemeClr val="accent3">
+                        <a:lumMod val="60000"/>
+                        <a:lumOff val="40000"/>
+                      </a:schemeClr>
+                    </a:solidFill>
+                  </a:tcPr>
+                </a:tc>
+                <a:tc>
+                  <a:txBody>
+                    <a:bodyPr/>
+                    <a:lstStyle/>
+                    <a:p>
+                      <a:pPr latinLnBrk="1"/>
+                      <a:r>
+                        <a:rPr lang="en-US" altLang="ko-KR" sz="1400" dirty="0" err="1" smtClean="0">
+                          <a:solidFill>
+                            <a:schemeClr val="tx1"/>
+                          </a:solidFill>
+                        </a:rPr>
+                        <a:t>Id:ofkdw</a:t>
+                      </a:r>
+                      <a:endParaRPr lang="en-US" altLang="ko-KR" sz="1400" dirty="0" smtClean="0">
+                        <a:solidFill>
+                          <a:schemeClr val="tx1"/>
+                        </a:solidFill>
+                      </a:endParaRPr>
+                    </a:p>
+                    <a:p>
+                      <a:pPr latinLnBrk="1"/>
+                      <a:r>
+                        <a:rPr lang="en-US" altLang="ko-KR" sz="1400" dirty="0" smtClean="0">
+                          <a:solidFill>
+                            <a:schemeClr val="tx1"/>
+                          </a:solidFill>
+                        </a:rPr>
+                        <a:t>Ip:113.198.82.186</a:t>
+                      </a:r>
+                    </a:p>
+                    <a:p>
+                      <a:pPr latinLnBrk="1"/>
+                      <a:r>
+                        <a:rPr lang="en-US" altLang="ko-KR" sz="1400" dirty="0" err="1" smtClean="0">
+                          <a:solidFill>
+                            <a:schemeClr val="tx1"/>
+                          </a:solidFill>
+                        </a:rPr>
+                        <a:t>Id:jh</a:t>
+                      </a:r>
+                      <a:endParaRPr lang="en-US" altLang="ko-KR" sz="1400" dirty="0" smtClean="0">
+                        <a:solidFill>
+                          <a:schemeClr val="tx1"/>
+                        </a:solidFill>
+                      </a:endParaRPr>
+                    </a:p>
+                    <a:p>
+                      <a:pPr latinLnBrk="1"/>
+                      <a:r>
+                        <a:rPr lang="en-US" altLang="ko-KR" sz="1400" dirty="0" smtClean="0">
+                          <a:solidFill>
+                            <a:schemeClr val="tx1"/>
+                          </a:solidFill>
+                        </a:rPr>
+                        <a:t>Ip:113.198.82.185</a:t>
+                      </a:r>
+                      <a:endParaRPr lang="ko-KR" altLang="en-US" sz="1400" dirty="0">
+                        <a:solidFill>
+                          <a:schemeClr val="tx1"/>
+                        </a:solidFill>
+                      </a:endParaRPr>
+                    </a:p>
+                  </a:txBody>
+                  <a:tcPr anchor="ctr">
+                    <a:solidFill>
+                      <a:schemeClr val="accent3">
+                        <a:lumMod val="60000"/>
+                        <a:lumOff val="40000"/>
+                      </a:schemeClr>
+                    </a:solidFill>
+                  </a:tcPr>
+                </a:tc>
+                <a:tc>
+                  <a:txBody>
+                    <a:bodyPr/>
+                    <a:lstStyle/>
+                    <a:p>
+                      <a:pPr latinLnBrk="1"/>
+                      <a:r>
+                        <a:rPr lang="ko-KR" altLang="en-US" sz="1400" dirty="0" smtClean="0">
+                          <a:solidFill>
+                            <a:schemeClr val="tx1"/>
+                          </a:solidFill>
+                        </a:rPr>
+                        <a:t>정상 로그인</a:t>
+                      </a:r>
+                      <a:endParaRPr lang="ko-KR" altLang="en-US" sz="1400" dirty="0">
+                        <a:solidFill>
+                          <a:schemeClr val="tx1"/>
+                        </a:solidFill>
+                      </a:endParaRPr>
+                    </a:p>
+                  </a:txBody>
+                  <a:tcPr anchor="ctr">
+                    <a:solidFill>
+                      <a:schemeClr val="accent3">
+                        <a:lumMod val="60000"/>
+                        <a:lumOff val="40000"/>
+                      </a:schemeClr>
+                    </a:solidFill>
+                  </a:tcPr>
+                </a:tc>
+                <a:tc>
+                  <a:txBody>
+                    <a:bodyPr/>
+                    <a:lstStyle/>
+                    <a:p>
+                      <a:pPr latinLnBrk="1"/>
+                      <a:r>
+                        <a:rPr lang="ko-KR" altLang="en-US" sz="1400" dirty="0" smtClean="0">
+                          <a:solidFill>
+                            <a:schemeClr val="tx1"/>
+                          </a:solidFill>
+                        </a:rPr>
+                        <a:t>서버에 접속이 </a:t>
+                      </a:r>
+                      <a:r>
+                        <a:rPr lang="ko-KR" altLang="en-US" sz="1400" dirty="0" err="1" smtClean="0">
+                          <a:solidFill>
+                            <a:schemeClr val="tx1"/>
+                          </a:solidFill>
+                        </a:rPr>
+                        <a:t>안됬다</a:t>
+                      </a:r>
+                      <a:r>
+                        <a:rPr lang="en-US" altLang="ko-KR" sz="1400" dirty="0" smtClean="0">
+                          <a:solidFill>
+                            <a:schemeClr val="tx1"/>
+                          </a:solidFill>
+                        </a:rPr>
+                        <a:t>.</a:t>
+                      </a:r>
+                      <a:endParaRPr lang="ko-KR" altLang="en-US" sz="1400" dirty="0">
+                        <a:solidFill>
+                          <a:schemeClr val="tx1"/>
+                        </a:solidFill>
+                      </a:endParaRPr>
+                    </a:p>
+                  </a:txBody>
+                  <a:tcPr anchor="ctr">
+                    <a:solidFill>
+                      <a:schemeClr val="accent3">
+                        <a:lumMod val="60000"/>
+                        <a:lumOff val="40000"/>
+                      </a:schemeClr>
+                    </a:solidFill>
+                  </a:tcPr>
+                </a:tc>
+                <a:tc>
+                  <a:txBody>
+                    <a:bodyPr/>
+                    <a:lstStyle/>
+                    <a:p>
+                      <a:pPr latinLnBrk="1"/>
+                      <a:r>
+                        <a:rPr lang="ko-KR" altLang="en-US" sz="1400" dirty="0" smtClean="0">
+                          <a:solidFill>
+                            <a:schemeClr val="tx1"/>
+                          </a:solidFill>
+                        </a:rPr>
+                        <a:t>서버</a:t>
+                      </a:r>
+                      <a:r>
+                        <a:rPr lang="ko-KR" altLang="en-US" sz="1400" baseline="0" dirty="0" smtClean="0">
+                          <a:solidFill>
+                            <a:schemeClr val="tx1"/>
+                          </a:solidFill>
+                        </a:rPr>
+                        <a:t> </a:t>
+                      </a:r>
+                      <a:r>
+                        <a:rPr lang="en-US" altLang="ko-KR" sz="1400" baseline="0" dirty="0" err="1" smtClean="0">
+                          <a:solidFill>
+                            <a:schemeClr val="tx1"/>
+                          </a:solidFill>
+                        </a:rPr>
+                        <a:t>Ip</a:t>
+                      </a:r>
+                      <a:r>
+                        <a:rPr lang="ko-KR" altLang="en-US" sz="1400" baseline="0" dirty="0" smtClean="0">
+                          <a:solidFill>
+                            <a:schemeClr val="tx1"/>
+                          </a:solidFill>
+                        </a:rPr>
+                        <a:t>와 내 </a:t>
+                      </a:r>
+                      <a:r>
+                        <a:rPr lang="en-US" altLang="ko-KR" sz="1400" baseline="0" dirty="0" err="1" smtClean="0">
+                          <a:solidFill>
+                            <a:schemeClr val="tx1"/>
+                          </a:solidFill>
+                        </a:rPr>
+                        <a:t>Ip</a:t>
+                      </a:r>
+                      <a:r>
+                        <a:rPr lang="ko-KR" altLang="en-US" sz="1400" baseline="0" dirty="0" smtClean="0">
+                          <a:solidFill>
+                            <a:schemeClr val="tx1"/>
+                          </a:solidFill>
+                        </a:rPr>
+                        <a:t>를 입력하는 곳이 잘못 입력해서 </a:t>
+                      </a:r>
+                      <a:r>
+                        <a:rPr lang="ko-KR" altLang="en-US" sz="1400" dirty="0" smtClean="0">
+                          <a:solidFill>
+                            <a:schemeClr val="tx1"/>
+                          </a:solidFill>
+                        </a:rPr>
+                        <a:t>고쳐주었다</a:t>
+                      </a:r>
+                      <a:r>
+                        <a:rPr lang="en-US" altLang="ko-KR" sz="1400" dirty="0" smtClean="0">
+                          <a:solidFill>
+                            <a:schemeClr val="tx1"/>
+                          </a:solidFill>
+                        </a:rPr>
+                        <a:t>.</a:t>
+                      </a:r>
+                      <a:endParaRPr lang="ko-KR" altLang="en-US" sz="1400" dirty="0">
+                        <a:solidFill>
+                          <a:schemeClr val="tx1"/>
+                        </a:solidFill>
+                      </a:endParaRPr>
+                    </a:p>
+                  </a:txBody>
+                  <a:tcPr anchor="ctr">
+                    <a:solidFill>
+                      <a:schemeClr val="accent3">
+                        <a:lumMod val="60000"/>
+                        <a:lumOff val="40000"/>
+                      </a:schemeClr>
+                    </a:solidFill>
+                  </a:tcPr>
+                </a:tc>
+                <a:tc>
+                  <a:txBody>
+                    <a:bodyPr/>
+                    <a:lstStyle/>
+                    <a:p>
+                      <a:pPr latinLnBrk="1"/>
+                      <a:r>
+                        <a:rPr lang="ko-KR" altLang="en-US" sz="1400" dirty="0" err="1" smtClean="0">
+                          <a:solidFill>
+                            <a:schemeClr val="tx1"/>
+                          </a:solidFill>
+                        </a:rPr>
+                        <a:t>정상접속이됨</a:t>
+                      </a:r>
+                      <a:endParaRPr lang="ko-KR" altLang="en-US" sz="1400" dirty="0">
+                        <a:solidFill>
+                          <a:schemeClr val="tx1"/>
+                        </a:solidFill>
+                      </a:endParaRPr>
+                    </a:p>
+                  </a:txBody>
+                  <a:tcPr anchor="ctr">
+                    <a:solidFill>
+                      <a:schemeClr val="accent3">
+                        <a:lumMod val="60000"/>
+                        <a:lumOff val="40000"/>
+                      </a:schemeClr>
+                    </a:solidFill>
+                  </a:tcPr>
+                </a:tc>
+              </a:tr>
+            </a:tbl>
+          </a:graphicData>
+        </a:graphic>
+      </p:graphicFrame>
+      <p:pic>
+        <p:nvPicPr>
+          <p:cNvPr id="1026" name="Picture 2" descr="C:\Documents and Settings\Administrator\바탕 화면\채팅실패.bmp"/>
+          <p:cNvPicPr>
+            <a:picLocks noChangeAspect="1" noChangeArrowheads="1"/>
+          </p:cNvPicPr>
+          <p:nvPr/>
+        </p:nvPicPr>
+        <p:blipFill>
+          <a:blip r:embed="rId2" cstate="print"/>
+          <a:srcRect/>
+          <a:stretch>
+            <a:fillRect/>
+          </a:stretch>
+        </p:blipFill>
+        <p:spPr bwMode="auto">
+          <a:xfrm>
+            <a:off x="2843808" y="4869160"/>
+            <a:ext cx="3314655" cy="1873722"/>
+          </a:xfrm>
+          <a:prstGeom prst="rect">
+            <a:avLst/>
+          </a:prstGeom>
+          <a:noFill/>
+        </p:spPr>
+      </p:pic>
+    </p:spTree>
+  </p:cSld>
+  <p:clrMapOvr>
+    <a:masterClrMapping/>
+  </p:clrMapOvr>
+</p:sld>
+</file>
+
+<file path=ppt/slides/slide5.xml><?xml version="1.0" encoding="utf-8"?>
+<p:sld xmlns:a="http://schemas.openxmlformats.org/drawingml/2006/main" xmlns:r="http://schemas.openxmlformats.org/officeDocument/2006/relationships" xmlns:p="http://schemas.openxmlformats.org/presentationml/2006/main">
+  <p:cSld>
+    <p:spTree>
+      <p:nvGrpSpPr>
+        <p:cNvPr id="1" name=""/>
+        <p:cNvGrpSpPr/>
+        <p:nvPr/>
+      </p:nvGrpSpPr>
+      <p:grpSpPr>
+        <a:xfrm>
+          <a:off x="0" y="0"/>
+          <a:ext cx="0" cy="0"/>
+          <a:chOff x="0" y="0"/>
+          <a:chExt cx="0" cy="0"/>
+        </a:xfrm>
+      </p:grpSpPr>
       <p:sp>
         <p:nvSpPr>
-          <p:cNvPr id="3" name="내용 개체 틀 2"/>
+          <p:cNvPr id="2" name="제목 1"/>
           <p:cNvSpPr>
             <a:spLocks noGrp="1"/>
           </p:cNvSpPr>
           <p:nvPr>
-            <p:ph idx="1"/>
+            <p:ph type="title"/>
           </p:nvPr>
         </p:nvSpPr>
-        <p:spPr/>
+        <p:spPr>
+          <a:xfrm>
+            <a:off x="302840" y="-243408"/>
+            <a:ext cx="8229600" cy="1143000"/>
+          </a:xfrm>
+        </p:spPr>
         <p:txBody>
           <a:bodyPr/>
           <a:lstStyle/>
           <a:p>
-            <a:endParaRPr lang="ko-KR" altLang="en-US"/>
+            <a:r>
+              <a:rPr lang="ko-KR" altLang="en-US" dirty="0" smtClean="0"/>
+              <a:t>테스트 케이스</a:t>
+            </a:r>
+            <a:endParaRPr lang="ko-KR" altLang="en-US" dirty="0"/>
           </a:p>
         </p:txBody>
       </p:sp>
+      <p:graphicFrame>
+        <p:nvGraphicFramePr>
+          <p:cNvPr id="4" name="표 3"/>
+          <p:cNvGraphicFramePr>
+            <a:graphicFrameLocks noGrp="1"/>
+          </p:cNvGraphicFramePr>
+          <p:nvPr/>
+        </p:nvGraphicFramePr>
+        <p:xfrm>
+          <a:off x="107505" y="908720"/>
+          <a:ext cx="8928990" cy="4245143"/>
+        </p:xfrm>
+        <a:graphic>
+          <a:graphicData uri="http://schemas.openxmlformats.org/drawingml/2006/table">
+            <a:tbl>
+              <a:tblPr firstRow="1" bandRow="1">
+                <a:tableStyleId>{5C22544A-7EE6-4342-B048-85BDC9FD1C3A}</a:tableStyleId>
+              </a:tblPr>
+              <a:tblGrid>
+                <a:gridCol w="1224135"/>
+                <a:gridCol w="1440160"/>
+                <a:gridCol w="2011143"/>
+                <a:gridCol w="1277220"/>
+                <a:gridCol w="1392157"/>
+                <a:gridCol w="1584175"/>
+              </a:tblGrid>
+              <a:tr h="576064">
+                <a:tc gridSpan="6">
+                  <a:txBody>
+                    <a:bodyPr/>
+                    <a:lstStyle/>
+                    <a:p>
+                      <a:pPr latinLnBrk="1"/>
+                      <a:r>
+                        <a:rPr lang="ko-KR" altLang="en-US" sz="1800" b="0" dirty="0" smtClean="0">
+                          <a:solidFill>
+                            <a:schemeClr val="tx1"/>
+                          </a:solidFill>
+                        </a:rPr>
+                        <a:t>테스트 케이스 </a:t>
+                      </a:r>
+                      <a:r>
+                        <a:rPr lang="en-US" altLang="ko-KR" sz="1800" b="0" dirty="0" smtClean="0">
+                          <a:solidFill>
+                            <a:schemeClr val="tx1"/>
+                          </a:solidFill>
+                        </a:rPr>
+                        <a:t>ID: </a:t>
+                      </a:r>
+                      <a:r>
+                        <a:rPr lang="en-US" altLang="ko-KR" sz="1800" b="0" dirty="0" smtClean="0">
+                          <a:solidFill>
+                            <a:schemeClr val="tx1"/>
+                          </a:solidFill>
+                        </a:rPr>
+                        <a:t>java</a:t>
+                      </a:r>
+                      <a:r>
+                        <a:rPr lang="en-US" altLang="ko-KR" sz="1800" b="0" baseline="0" dirty="0" smtClean="0">
+                          <a:solidFill>
+                            <a:schemeClr val="tx1"/>
+                          </a:solidFill>
+                        </a:rPr>
+                        <a:t>chattest-2</a:t>
+                      </a:r>
+                      <a:endParaRPr lang="ko-KR" altLang="en-US" sz="1800" b="0" dirty="0">
+                        <a:solidFill>
+                          <a:schemeClr val="tx1"/>
+                        </a:solidFill>
+                      </a:endParaRPr>
+                    </a:p>
+                  </a:txBody>
+                  <a:tcPr anchor="ctr">
+                    <a:solidFill>
+                      <a:schemeClr val="accent3">
+                        <a:lumMod val="60000"/>
+                        <a:lumOff val="40000"/>
+                      </a:schemeClr>
+                    </a:solidFill>
+                  </a:tcPr>
+                </a:tc>
+                <a:tc hMerge="1">
+                  <a:txBody>
+                    <a:bodyPr/>
+                    <a:lstStyle/>
+                    <a:p>
+                      <a:pPr latinLnBrk="1"/>
+                      <a:endParaRPr lang="ko-KR" altLang="en-US" dirty="0"/>
+                    </a:p>
+                  </a:txBody>
+                  <a:tcPr>
+                    <a:solidFill>
+                      <a:schemeClr val="accent3">
+                        <a:lumMod val="60000"/>
+                        <a:lumOff val="40000"/>
+                      </a:schemeClr>
+                    </a:solidFill>
+                  </a:tcPr>
+                </a:tc>
+                <a:tc hMerge="1">
+                  <a:txBody>
+                    <a:bodyPr/>
+                    <a:lstStyle/>
+                    <a:p>
+                      <a:pPr latinLnBrk="1"/>
+                      <a:endParaRPr lang="ko-KR" altLang="en-US" dirty="0"/>
+                    </a:p>
+                  </a:txBody>
+                  <a:tcPr>
+                    <a:solidFill>
+                      <a:schemeClr val="accent3">
+                        <a:lumMod val="60000"/>
+                        <a:lumOff val="40000"/>
+                      </a:schemeClr>
+                    </a:solidFill>
+                  </a:tcPr>
+                </a:tc>
+                <a:tc hMerge="1">
+                  <a:txBody>
+                    <a:bodyPr/>
+                    <a:lstStyle/>
+                    <a:p>
+                      <a:pPr latinLnBrk="1"/>
+                      <a:endParaRPr lang="ko-KR" altLang="en-US" dirty="0"/>
+                    </a:p>
+                  </a:txBody>
+                  <a:tcPr>
+                    <a:solidFill>
+                      <a:schemeClr val="accent3">
+                        <a:lumMod val="60000"/>
+                        <a:lumOff val="40000"/>
+                      </a:schemeClr>
+                    </a:solidFill>
+                  </a:tcPr>
+                </a:tc>
+                <a:tc hMerge="1">
+                  <a:txBody>
+                    <a:bodyPr/>
+                    <a:lstStyle/>
+                    <a:p>
+                      <a:pPr latinLnBrk="1"/>
+                      <a:endParaRPr lang="ko-KR" altLang="en-US" dirty="0"/>
+                    </a:p>
+                  </a:txBody>
+                  <a:tcPr>
+                    <a:solidFill>
+                      <a:schemeClr val="accent3">
+                        <a:lumMod val="60000"/>
+                        <a:lumOff val="40000"/>
+                      </a:schemeClr>
+                    </a:solidFill>
+                  </a:tcPr>
+                </a:tc>
+                <a:tc hMerge="1">
+                  <a:txBody>
+                    <a:bodyPr/>
+                    <a:lstStyle/>
+                    <a:p>
+                      <a:pPr latinLnBrk="1"/>
+                      <a:endParaRPr lang="ko-KR" altLang="en-US" dirty="0"/>
+                    </a:p>
+                  </a:txBody>
+                  <a:tcPr>
+                    <a:solidFill>
+                      <a:schemeClr val="accent3">
+                        <a:lumMod val="60000"/>
+                        <a:lumOff val="40000"/>
+                      </a:schemeClr>
+                    </a:solidFill>
+                  </a:tcPr>
+                </a:tc>
+              </a:tr>
+              <a:tr h="501797">
+                <a:tc>
+                  <a:txBody>
+                    <a:bodyPr/>
+                    <a:lstStyle/>
+                    <a:p>
+                      <a:pPr latinLnBrk="1"/>
+                      <a:r>
+                        <a:rPr lang="ko-KR" altLang="en-US" sz="1400" dirty="0" smtClean="0">
+                          <a:solidFill>
+                            <a:schemeClr val="tx1"/>
+                          </a:solidFill>
+                        </a:rPr>
+                        <a:t>목적</a:t>
+                      </a:r>
+                      <a:endParaRPr lang="ko-KR" altLang="en-US" sz="1400" dirty="0">
+                        <a:solidFill>
+                          <a:schemeClr val="tx1"/>
+                        </a:solidFill>
+                      </a:endParaRPr>
+                    </a:p>
+                  </a:txBody>
+                  <a:tcPr anchor="ctr">
+                    <a:solidFill>
+                      <a:schemeClr val="accent3">
+                        <a:lumMod val="60000"/>
+                        <a:lumOff val="40000"/>
+                      </a:schemeClr>
+                    </a:solidFill>
+                  </a:tcPr>
+                </a:tc>
+                <a:tc gridSpan="5">
+                  <a:txBody>
+                    <a:bodyPr/>
+                    <a:lstStyle/>
+                    <a:p>
+                      <a:pPr latinLnBrk="1"/>
+                      <a:r>
+                        <a:rPr lang="ko-KR" altLang="en-US" sz="1400" dirty="0" smtClean="0">
+                          <a:solidFill>
+                            <a:schemeClr val="tx1"/>
+                          </a:solidFill>
+                        </a:rPr>
+                        <a:t>자바로 </a:t>
+                      </a:r>
+                      <a:r>
+                        <a:rPr lang="ko-KR" altLang="en-US" sz="1400" dirty="0" err="1" smtClean="0">
+                          <a:solidFill>
+                            <a:schemeClr val="tx1"/>
+                          </a:solidFill>
+                        </a:rPr>
+                        <a:t>데스크탑</a:t>
+                      </a:r>
+                      <a:r>
+                        <a:rPr lang="ko-KR" altLang="en-US" sz="1400" dirty="0" smtClean="0">
+                          <a:solidFill>
+                            <a:schemeClr val="tx1"/>
+                          </a:solidFill>
+                        </a:rPr>
+                        <a:t> 용 </a:t>
+                      </a:r>
+                      <a:r>
+                        <a:rPr lang="ko-KR" altLang="en-US" sz="1400" dirty="0" err="1" smtClean="0">
+                          <a:solidFill>
+                            <a:schemeClr val="tx1"/>
+                          </a:solidFill>
+                        </a:rPr>
+                        <a:t>으로</a:t>
+                      </a:r>
+                      <a:r>
+                        <a:rPr lang="ko-KR" altLang="en-US" sz="1400" dirty="0" smtClean="0">
+                          <a:solidFill>
+                            <a:schemeClr val="tx1"/>
+                          </a:solidFill>
+                        </a:rPr>
+                        <a:t> 구현한 채팅시스템이 잘 구현되는지 확인한다</a:t>
+                      </a:r>
+                      <a:r>
+                        <a:rPr lang="en-US" altLang="ko-KR" sz="1400" dirty="0" smtClean="0">
+                          <a:solidFill>
+                            <a:schemeClr val="tx1"/>
+                          </a:solidFill>
+                        </a:rPr>
+                        <a:t>.</a:t>
+                      </a:r>
+                      <a:endParaRPr lang="ko-KR" altLang="en-US" sz="1400" dirty="0">
+                        <a:solidFill>
+                          <a:schemeClr val="tx1"/>
+                        </a:solidFill>
+                      </a:endParaRPr>
+                    </a:p>
+                  </a:txBody>
+                  <a:tcPr anchor="ctr">
+                    <a:solidFill>
+                      <a:schemeClr val="accent3">
+                        <a:lumMod val="60000"/>
+                        <a:lumOff val="40000"/>
+                      </a:schemeClr>
+                    </a:solidFill>
+                  </a:tcPr>
+                </a:tc>
+                <a:tc hMerge="1">
+                  <a:txBody>
+                    <a:bodyPr/>
+                    <a:lstStyle/>
+                    <a:p>
+                      <a:pPr latinLnBrk="1"/>
+                      <a:endParaRPr lang="ko-KR" altLang="en-US" dirty="0">
+                        <a:solidFill>
+                          <a:schemeClr val="tx1"/>
+                        </a:solidFill>
+                      </a:endParaRPr>
+                    </a:p>
+                  </a:txBody>
+                  <a:tcPr>
+                    <a:solidFill>
+                      <a:schemeClr val="accent3">
+                        <a:lumMod val="60000"/>
+                        <a:lumOff val="40000"/>
+                      </a:schemeClr>
+                    </a:solidFill>
+                  </a:tcPr>
+                </a:tc>
+                <a:tc hMerge="1">
+                  <a:txBody>
+                    <a:bodyPr/>
+                    <a:lstStyle/>
+                    <a:p>
+                      <a:pPr latinLnBrk="1"/>
+                      <a:endParaRPr lang="ko-KR" altLang="en-US" dirty="0">
+                        <a:solidFill>
+                          <a:schemeClr val="tx1"/>
+                        </a:solidFill>
+                      </a:endParaRPr>
+                    </a:p>
+                  </a:txBody>
+                  <a:tcPr>
+                    <a:solidFill>
+                      <a:schemeClr val="accent3">
+                        <a:lumMod val="60000"/>
+                        <a:lumOff val="40000"/>
+                      </a:schemeClr>
+                    </a:solidFill>
+                  </a:tcPr>
+                </a:tc>
+                <a:tc hMerge="1">
+                  <a:txBody>
+                    <a:bodyPr/>
+                    <a:lstStyle/>
+                    <a:p>
+                      <a:pPr latinLnBrk="1"/>
+                      <a:endParaRPr lang="ko-KR" altLang="en-US" dirty="0">
+                        <a:solidFill>
+                          <a:schemeClr val="tx1"/>
+                        </a:solidFill>
+                      </a:endParaRPr>
+                    </a:p>
+                  </a:txBody>
+                  <a:tcPr>
+                    <a:solidFill>
+                      <a:schemeClr val="accent3">
+                        <a:lumMod val="60000"/>
+                        <a:lumOff val="40000"/>
+                      </a:schemeClr>
+                    </a:solidFill>
+                  </a:tcPr>
+                </a:tc>
+                <a:tc hMerge="1">
+                  <a:txBody>
+                    <a:bodyPr/>
+                    <a:lstStyle/>
+                    <a:p>
+                      <a:pPr latinLnBrk="1"/>
+                      <a:endParaRPr lang="ko-KR" altLang="en-US" dirty="0">
+                        <a:solidFill>
+                          <a:schemeClr val="tx1"/>
+                        </a:solidFill>
+                      </a:endParaRPr>
+                    </a:p>
+                  </a:txBody>
+                  <a:tcPr>
+                    <a:solidFill>
+                      <a:schemeClr val="accent3">
+                        <a:lumMod val="60000"/>
+                        <a:lumOff val="40000"/>
+                      </a:schemeClr>
+                    </a:solidFill>
+                  </a:tcPr>
+                </a:tc>
+              </a:tr>
+              <a:tr h="650331">
+                <a:tc>
+                  <a:txBody>
+                    <a:bodyPr/>
+                    <a:lstStyle/>
+                    <a:p>
+                      <a:pPr latinLnBrk="1"/>
+                      <a:r>
+                        <a:rPr lang="ko-KR" altLang="en-US" sz="1400" dirty="0" smtClean="0">
+                          <a:solidFill>
+                            <a:schemeClr val="tx1"/>
+                          </a:solidFill>
+                        </a:rPr>
+                        <a:t>테스트조건</a:t>
+                      </a:r>
+                      <a:endParaRPr lang="ko-KR" altLang="en-US" sz="1400" dirty="0">
+                        <a:solidFill>
+                          <a:schemeClr val="tx1"/>
+                        </a:solidFill>
+                      </a:endParaRPr>
+                    </a:p>
+                  </a:txBody>
+                  <a:tcPr anchor="ctr">
+                    <a:solidFill>
+                      <a:schemeClr val="accent3">
+                        <a:lumMod val="60000"/>
+                        <a:lumOff val="40000"/>
+                      </a:schemeClr>
+                    </a:solidFill>
+                  </a:tcPr>
+                </a:tc>
+                <a:tc gridSpan="5">
+                  <a:txBody>
+                    <a:bodyPr/>
+                    <a:lstStyle/>
+                    <a:p>
+                      <a:pPr latinLnBrk="1"/>
+                      <a:r>
+                        <a:rPr lang="ko-KR" altLang="en-US" sz="1400" dirty="0" smtClean="0">
+                          <a:solidFill>
+                            <a:schemeClr val="tx1"/>
+                          </a:solidFill>
+                        </a:rPr>
+                        <a:t>미리 </a:t>
+                      </a:r>
+                      <a:r>
+                        <a:rPr lang="en-US" altLang="ko-KR" sz="1400" dirty="0" smtClean="0">
+                          <a:solidFill>
+                            <a:schemeClr val="tx1"/>
+                          </a:solidFill>
+                        </a:rPr>
+                        <a:t>server</a:t>
+                      </a:r>
+                      <a:r>
+                        <a:rPr lang="ko-KR" altLang="en-US" sz="1400" dirty="0" smtClean="0">
+                          <a:solidFill>
+                            <a:schemeClr val="tx1"/>
+                          </a:solidFill>
+                        </a:rPr>
+                        <a:t>를 잡고 </a:t>
+                      </a:r>
+                      <a:r>
+                        <a:rPr lang="en-US" altLang="ko-KR" sz="1400" dirty="0" smtClean="0">
+                          <a:solidFill>
+                            <a:schemeClr val="tx1"/>
+                          </a:solidFill>
+                        </a:rPr>
+                        <a:t>client</a:t>
+                      </a:r>
+                      <a:r>
+                        <a:rPr lang="ko-KR" altLang="en-US" sz="1400" dirty="0" smtClean="0">
+                          <a:solidFill>
+                            <a:schemeClr val="tx1"/>
+                          </a:solidFill>
+                        </a:rPr>
+                        <a:t>에 접속했다</a:t>
+                      </a:r>
+                      <a:endParaRPr lang="ko-KR" altLang="en-US" sz="1400" dirty="0">
+                        <a:solidFill>
+                          <a:schemeClr val="tx1"/>
+                        </a:solidFill>
+                      </a:endParaRPr>
+                    </a:p>
+                  </a:txBody>
+                  <a:tcPr anchor="ctr">
+                    <a:solidFill>
+                      <a:schemeClr val="accent3">
+                        <a:lumMod val="60000"/>
+                        <a:lumOff val="40000"/>
+                      </a:schemeClr>
+                    </a:solidFill>
+                  </a:tcPr>
+                </a:tc>
+                <a:tc hMerge="1">
+                  <a:txBody>
+                    <a:bodyPr/>
+                    <a:lstStyle/>
+                    <a:p>
+                      <a:pPr latinLnBrk="1"/>
+                      <a:endParaRPr lang="ko-KR" altLang="en-US" dirty="0">
+                        <a:solidFill>
+                          <a:schemeClr val="tx1"/>
+                        </a:solidFill>
+                      </a:endParaRPr>
+                    </a:p>
+                  </a:txBody>
+                  <a:tcPr>
+                    <a:solidFill>
+                      <a:schemeClr val="accent3">
+                        <a:lumMod val="60000"/>
+                        <a:lumOff val="40000"/>
+                      </a:schemeClr>
+                    </a:solidFill>
+                  </a:tcPr>
+                </a:tc>
+                <a:tc hMerge="1">
+                  <a:txBody>
+                    <a:bodyPr/>
+                    <a:lstStyle/>
+                    <a:p>
+                      <a:pPr latinLnBrk="1"/>
+                      <a:endParaRPr lang="ko-KR" altLang="en-US" dirty="0">
+                        <a:solidFill>
+                          <a:schemeClr val="tx1"/>
+                        </a:solidFill>
+                      </a:endParaRPr>
+                    </a:p>
+                  </a:txBody>
+                  <a:tcPr>
+                    <a:solidFill>
+                      <a:schemeClr val="accent3">
+                        <a:lumMod val="60000"/>
+                        <a:lumOff val="40000"/>
+                      </a:schemeClr>
+                    </a:solidFill>
+                  </a:tcPr>
+                </a:tc>
+                <a:tc hMerge="1">
+                  <a:txBody>
+                    <a:bodyPr/>
+                    <a:lstStyle/>
+                    <a:p>
+                      <a:pPr latinLnBrk="1"/>
+                      <a:endParaRPr lang="ko-KR" altLang="en-US">
+                        <a:solidFill>
+                          <a:schemeClr val="tx1"/>
+                        </a:solidFill>
+                      </a:endParaRPr>
+                    </a:p>
+                  </a:txBody>
+                  <a:tcPr>
+                    <a:solidFill>
+                      <a:schemeClr val="accent3">
+                        <a:lumMod val="60000"/>
+                        <a:lumOff val="40000"/>
+                      </a:schemeClr>
+                    </a:solidFill>
+                  </a:tcPr>
+                </a:tc>
+                <a:tc hMerge="1">
+                  <a:txBody>
+                    <a:bodyPr/>
+                    <a:lstStyle/>
+                    <a:p>
+                      <a:pPr latinLnBrk="1"/>
+                      <a:endParaRPr lang="ko-KR" altLang="en-US" dirty="0">
+                        <a:solidFill>
+                          <a:schemeClr val="tx1"/>
+                        </a:solidFill>
+                      </a:endParaRPr>
+                    </a:p>
+                  </a:txBody>
+                  <a:tcPr>
+                    <a:solidFill>
+                      <a:schemeClr val="accent3">
+                        <a:lumMod val="60000"/>
+                        <a:lumOff val="40000"/>
+                      </a:schemeClr>
+                    </a:solidFill>
+                  </a:tcPr>
+                </a:tc>
+              </a:tr>
+              <a:tr h="650331">
+                <a:tc>
+                  <a:txBody>
+                    <a:bodyPr/>
+                    <a:lstStyle/>
+                    <a:p>
+                      <a:pPr latinLnBrk="1"/>
+                      <a:r>
+                        <a:rPr lang="ko-KR" altLang="en-US" sz="1400" dirty="0" smtClean="0">
+                          <a:solidFill>
+                            <a:schemeClr val="tx1"/>
+                          </a:solidFill>
+                        </a:rPr>
+                        <a:t>테스터</a:t>
+                      </a:r>
+                      <a:endParaRPr lang="ko-KR" altLang="en-US" sz="1400" dirty="0">
+                        <a:solidFill>
+                          <a:schemeClr val="tx1"/>
+                        </a:solidFill>
+                      </a:endParaRPr>
+                    </a:p>
+                  </a:txBody>
+                  <a:tcPr anchor="ctr">
+                    <a:solidFill>
+                      <a:schemeClr val="accent3">
+                        <a:lumMod val="60000"/>
+                        <a:lumOff val="40000"/>
+                      </a:schemeClr>
+                    </a:solidFill>
+                  </a:tcPr>
+                </a:tc>
+                <a:tc>
+                  <a:txBody>
+                    <a:bodyPr/>
+                    <a:lstStyle/>
+                    <a:p>
+                      <a:pPr latinLnBrk="1"/>
+                      <a:r>
+                        <a:rPr lang="ko-KR" altLang="en-US" sz="1400" dirty="0" smtClean="0">
+                          <a:solidFill>
+                            <a:schemeClr val="tx1"/>
+                          </a:solidFill>
+                        </a:rPr>
+                        <a:t>김도완</a:t>
+                      </a:r>
+                      <a:r>
+                        <a:rPr lang="en-US" altLang="ko-KR" sz="1400" dirty="0" smtClean="0">
+                          <a:solidFill>
+                            <a:schemeClr val="tx1"/>
+                          </a:solidFill>
+                        </a:rPr>
+                        <a:t>,</a:t>
+                      </a:r>
+                      <a:r>
+                        <a:rPr lang="ko-KR" altLang="en-US" sz="1400" dirty="0" smtClean="0">
+                          <a:solidFill>
+                            <a:schemeClr val="tx1"/>
+                          </a:solidFill>
+                        </a:rPr>
+                        <a:t>송요섭</a:t>
+                      </a:r>
+                      <a:endParaRPr lang="ko-KR" altLang="en-US" sz="1400" dirty="0">
+                        <a:solidFill>
+                          <a:schemeClr val="tx1"/>
+                        </a:solidFill>
+                      </a:endParaRPr>
+                    </a:p>
+                  </a:txBody>
+                  <a:tcPr anchor="ctr">
+                    <a:solidFill>
+                      <a:schemeClr val="accent3">
+                        <a:lumMod val="60000"/>
+                        <a:lumOff val="40000"/>
+                      </a:schemeClr>
+                    </a:solidFill>
+                  </a:tcPr>
+                </a:tc>
+                <a:tc>
+                  <a:txBody>
+                    <a:bodyPr/>
+                    <a:lstStyle/>
+                    <a:p>
+                      <a:pPr latinLnBrk="1"/>
+                      <a:r>
+                        <a:rPr lang="ko-KR" altLang="en-US" sz="1400" dirty="0" smtClean="0">
+                          <a:solidFill>
+                            <a:schemeClr val="tx1"/>
+                          </a:solidFill>
+                        </a:rPr>
+                        <a:t>테스트일자</a:t>
+                      </a:r>
+                      <a:endParaRPr lang="ko-KR" altLang="en-US" sz="1400" dirty="0">
+                        <a:solidFill>
+                          <a:schemeClr val="tx1"/>
+                        </a:solidFill>
+                      </a:endParaRPr>
+                    </a:p>
+                  </a:txBody>
+                  <a:tcPr anchor="ctr">
+                    <a:solidFill>
+                      <a:schemeClr val="accent3">
+                        <a:lumMod val="60000"/>
+                        <a:lumOff val="40000"/>
+                      </a:schemeClr>
+                    </a:solidFill>
+                  </a:tcPr>
+                </a:tc>
+                <a:tc gridSpan="3">
+                  <a:txBody>
+                    <a:bodyPr/>
+                    <a:lstStyle/>
+                    <a:p>
+                      <a:pPr latinLnBrk="1"/>
+                      <a:r>
+                        <a:rPr lang="en-US" altLang="ko-KR" sz="1400" dirty="0" smtClean="0">
+                          <a:solidFill>
+                            <a:schemeClr val="tx1"/>
+                          </a:solidFill>
+                        </a:rPr>
+                        <a:t>2012.5.17</a:t>
+                      </a:r>
+                      <a:r>
+                        <a:rPr lang="en-US" altLang="ko-KR" sz="1400" baseline="0" dirty="0" smtClean="0">
+                          <a:solidFill>
+                            <a:schemeClr val="tx1"/>
+                          </a:solidFill>
+                        </a:rPr>
+                        <a:t> ~ 2012.5.17</a:t>
+                      </a:r>
+                      <a:endParaRPr lang="ko-KR" altLang="en-US" sz="1400" dirty="0">
+                        <a:solidFill>
+                          <a:schemeClr val="tx1"/>
+                        </a:solidFill>
+                      </a:endParaRPr>
+                    </a:p>
+                  </a:txBody>
+                  <a:tcPr anchor="ctr">
+                    <a:solidFill>
+                      <a:schemeClr val="accent3">
+                        <a:lumMod val="60000"/>
+                        <a:lumOff val="40000"/>
+                      </a:schemeClr>
+                    </a:solidFill>
+                  </a:tcPr>
+                </a:tc>
+                <a:tc hMerge="1">
+                  <a:txBody>
+                    <a:bodyPr/>
+                    <a:lstStyle/>
+                    <a:p>
+                      <a:pPr latinLnBrk="1"/>
+                      <a:endParaRPr lang="ko-KR" altLang="en-US" sz="1400" dirty="0">
+                        <a:solidFill>
+                          <a:schemeClr val="tx1"/>
+                        </a:solidFill>
+                      </a:endParaRPr>
+                    </a:p>
+                  </a:txBody>
+                  <a:tcPr>
+                    <a:solidFill>
+                      <a:schemeClr val="accent3">
+                        <a:lumMod val="60000"/>
+                        <a:lumOff val="40000"/>
+                      </a:schemeClr>
+                    </a:solidFill>
+                  </a:tcPr>
+                </a:tc>
+                <a:tc hMerge="1">
+                  <a:txBody>
+                    <a:bodyPr/>
+                    <a:lstStyle/>
+                    <a:p>
+                      <a:pPr latinLnBrk="1"/>
+                      <a:endParaRPr lang="ko-KR" altLang="en-US" sz="1400" dirty="0">
+                        <a:solidFill>
+                          <a:schemeClr val="tx1"/>
+                        </a:solidFill>
+                      </a:endParaRPr>
+                    </a:p>
+                  </a:txBody>
+                  <a:tcPr>
+                    <a:solidFill>
+                      <a:schemeClr val="accent3">
+                        <a:lumMod val="60000"/>
+                        <a:lumOff val="40000"/>
+                      </a:schemeClr>
+                    </a:solidFill>
+                  </a:tcPr>
+                </a:tc>
+              </a:tr>
+              <a:tr h="495020">
+                <a:tc>
+                  <a:txBody>
+                    <a:bodyPr/>
+                    <a:lstStyle/>
+                    <a:p>
+                      <a:pPr latinLnBrk="1"/>
+                      <a:r>
+                        <a:rPr lang="ko-KR" altLang="en-US" sz="1400" dirty="0" smtClean="0">
+                          <a:solidFill>
+                            <a:schemeClr val="tx1"/>
+                          </a:solidFill>
+                        </a:rPr>
+                        <a:t>단계</a:t>
+                      </a:r>
+                      <a:endParaRPr lang="ko-KR" altLang="en-US" sz="1400" dirty="0">
+                        <a:solidFill>
+                          <a:schemeClr val="tx1"/>
+                        </a:solidFill>
+                      </a:endParaRPr>
+                    </a:p>
+                  </a:txBody>
+                  <a:tcPr anchor="ctr">
+                    <a:solidFill>
+                      <a:schemeClr val="accent3">
+                        <a:lumMod val="60000"/>
+                        <a:lumOff val="40000"/>
+                      </a:schemeClr>
+                    </a:solidFill>
+                  </a:tcPr>
+                </a:tc>
+                <a:tc>
+                  <a:txBody>
+                    <a:bodyPr/>
+                    <a:lstStyle/>
+                    <a:p>
+                      <a:pPr latinLnBrk="1"/>
+                      <a:r>
+                        <a:rPr lang="ko-KR" altLang="en-US" sz="1400" dirty="0" err="1" smtClean="0">
+                          <a:solidFill>
+                            <a:schemeClr val="tx1"/>
+                          </a:solidFill>
+                        </a:rPr>
+                        <a:t>입력값</a:t>
+                      </a:r>
+                      <a:endParaRPr lang="ko-KR" altLang="en-US" sz="1400" dirty="0">
+                        <a:solidFill>
+                          <a:schemeClr val="tx1"/>
+                        </a:solidFill>
+                      </a:endParaRPr>
+                    </a:p>
+                  </a:txBody>
+                  <a:tcPr anchor="ctr">
+                    <a:solidFill>
+                      <a:schemeClr val="accent3">
+                        <a:lumMod val="60000"/>
+                        <a:lumOff val="40000"/>
+                      </a:schemeClr>
+                    </a:solidFill>
+                  </a:tcPr>
+                </a:tc>
+                <a:tc>
+                  <a:txBody>
+                    <a:bodyPr/>
+                    <a:lstStyle/>
+                    <a:p>
+                      <a:pPr latinLnBrk="1"/>
+                      <a:r>
+                        <a:rPr lang="ko-KR" altLang="en-US" sz="1400" dirty="0" smtClean="0">
+                          <a:solidFill>
+                            <a:schemeClr val="tx1"/>
+                          </a:solidFill>
+                        </a:rPr>
+                        <a:t>예상 </a:t>
+                      </a:r>
+                      <a:r>
+                        <a:rPr lang="ko-KR" altLang="en-US" sz="1400" dirty="0" err="1" smtClean="0">
+                          <a:solidFill>
+                            <a:schemeClr val="tx1"/>
+                          </a:solidFill>
+                        </a:rPr>
+                        <a:t>출력값</a:t>
+                      </a:r>
+                      <a:endParaRPr lang="ko-KR" altLang="en-US" sz="1400" dirty="0">
+                        <a:solidFill>
+                          <a:schemeClr val="tx1"/>
+                        </a:solidFill>
+                      </a:endParaRPr>
+                    </a:p>
+                  </a:txBody>
+                  <a:tcPr anchor="ctr">
+                    <a:solidFill>
+                      <a:schemeClr val="accent3">
+                        <a:lumMod val="60000"/>
+                        <a:lumOff val="40000"/>
+                      </a:schemeClr>
+                    </a:solidFill>
+                  </a:tcPr>
+                </a:tc>
+                <a:tc>
+                  <a:txBody>
+                    <a:bodyPr/>
+                    <a:lstStyle/>
+                    <a:p>
+                      <a:pPr latinLnBrk="1"/>
+                      <a:r>
+                        <a:rPr lang="ko-KR" altLang="en-US" sz="1400" dirty="0" smtClean="0">
+                          <a:solidFill>
+                            <a:schemeClr val="tx1"/>
+                          </a:solidFill>
+                        </a:rPr>
+                        <a:t>실행결과</a:t>
+                      </a:r>
+                      <a:endParaRPr lang="ko-KR" altLang="en-US" sz="1400" dirty="0">
+                        <a:solidFill>
+                          <a:schemeClr val="tx1"/>
+                        </a:solidFill>
+                      </a:endParaRPr>
+                    </a:p>
+                  </a:txBody>
+                  <a:tcPr anchor="ctr">
+                    <a:solidFill>
+                      <a:schemeClr val="accent3">
+                        <a:lumMod val="60000"/>
+                        <a:lumOff val="40000"/>
+                      </a:schemeClr>
+                    </a:solidFill>
+                  </a:tcPr>
+                </a:tc>
+                <a:tc>
+                  <a:txBody>
+                    <a:bodyPr/>
+                    <a:lstStyle/>
+                    <a:p>
+                      <a:pPr latinLnBrk="1"/>
+                      <a:r>
+                        <a:rPr lang="ko-KR" altLang="en-US" sz="1400" dirty="0" smtClean="0">
+                          <a:solidFill>
+                            <a:schemeClr val="tx1"/>
+                          </a:solidFill>
+                        </a:rPr>
+                        <a:t>조치사항</a:t>
+                      </a:r>
+                      <a:endParaRPr lang="ko-KR" altLang="en-US" sz="1400" dirty="0">
+                        <a:solidFill>
+                          <a:schemeClr val="tx1"/>
+                        </a:solidFill>
+                      </a:endParaRPr>
+                    </a:p>
+                  </a:txBody>
+                  <a:tcPr anchor="ctr">
+                    <a:solidFill>
+                      <a:schemeClr val="accent3">
+                        <a:lumMod val="60000"/>
+                        <a:lumOff val="40000"/>
+                      </a:schemeClr>
+                    </a:solidFill>
+                  </a:tcPr>
+                </a:tc>
+                <a:tc>
+                  <a:txBody>
+                    <a:bodyPr/>
+                    <a:lstStyle/>
+                    <a:p>
+                      <a:pPr latinLnBrk="1"/>
+                      <a:r>
+                        <a:rPr lang="ko-KR" altLang="en-US" sz="1400" dirty="0" err="1" smtClean="0">
+                          <a:solidFill>
+                            <a:schemeClr val="tx1"/>
+                          </a:solidFill>
+                        </a:rPr>
+                        <a:t>조치후</a:t>
+                      </a:r>
+                      <a:r>
+                        <a:rPr lang="ko-KR" altLang="en-US" sz="1400" dirty="0" smtClean="0">
+                          <a:solidFill>
+                            <a:schemeClr val="tx1"/>
+                          </a:solidFill>
+                        </a:rPr>
+                        <a:t> 시험결과</a:t>
+                      </a:r>
+                      <a:endParaRPr lang="ko-KR" altLang="en-US" sz="1400" dirty="0">
+                        <a:solidFill>
+                          <a:schemeClr val="tx1"/>
+                        </a:solidFill>
+                      </a:endParaRPr>
+                    </a:p>
+                  </a:txBody>
+                  <a:tcPr anchor="ctr">
+                    <a:solidFill>
+                      <a:schemeClr val="accent3">
+                        <a:lumMod val="60000"/>
+                        <a:lumOff val="40000"/>
+                      </a:schemeClr>
+                    </a:solidFill>
+                  </a:tcPr>
+                </a:tc>
+              </a:tr>
+              <a:tr h="650331">
+                <a:tc>
+                  <a:txBody>
+                    <a:bodyPr/>
+                    <a:lstStyle/>
+                    <a:p>
+                      <a:pPr latinLnBrk="1"/>
+                      <a:r>
+                        <a:rPr lang="en-US" altLang="ko-KR" sz="1400" dirty="0" smtClean="0">
+                          <a:solidFill>
+                            <a:schemeClr val="tx1"/>
+                          </a:solidFill>
+                        </a:rPr>
+                        <a:t>1</a:t>
+                      </a:r>
+                      <a:endParaRPr lang="ko-KR" altLang="en-US" sz="1400" dirty="0">
+                        <a:solidFill>
+                          <a:schemeClr val="tx1"/>
+                        </a:solidFill>
+                      </a:endParaRPr>
+                    </a:p>
+                  </a:txBody>
+                  <a:tcPr anchor="ctr">
+                    <a:solidFill>
+                      <a:schemeClr val="accent3">
+                        <a:lumMod val="60000"/>
+                        <a:lumOff val="40000"/>
+                      </a:schemeClr>
+                    </a:solidFill>
+                  </a:tcPr>
+                </a:tc>
+                <a:tc>
+                  <a:txBody>
+                    <a:bodyPr/>
+                    <a:lstStyle/>
+                    <a:p>
+                      <a:pPr latinLnBrk="1"/>
+                      <a:r>
+                        <a:rPr lang="en-US" altLang="ko-KR" sz="1400" dirty="0" err="1" smtClean="0">
+                          <a:solidFill>
+                            <a:schemeClr val="tx1"/>
+                          </a:solidFill>
+                        </a:rPr>
+                        <a:t>Id:Dreamware</a:t>
+                      </a:r>
+                      <a:endParaRPr lang="en-US" altLang="ko-KR" sz="1400" dirty="0" smtClean="0">
+                        <a:solidFill>
+                          <a:schemeClr val="tx1"/>
+                        </a:solidFill>
+                      </a:endParaRPr>
+                    </a:p>
+                    <a:p>
+                      <a:pPr latinLnBrk="1"/>
+                      <a:r>
+                        <a:rPr lang="en-US" altLang="ko-KR" sz="1400" dirty="0" smtClean="0">
+                          <a:solidFill>
+                            <a:schemeClr val="tx1"/>
+                          </a:solidFill>
+                        </a:rPr>
+                        <a:t>Ip:113.198.82.186</a:t>
+                      </a:r>
+                    </a:p>
+                    <a:p>
+                      <a:pPr latinLnBrk="1"/>
+                      <a:r>
+                        <a:rPr lang="en-US" altLang="ko-KR" sz="1400" dirty="0" err="1" smtClean="0">
+                          <a:solidFill>
+                            <a:schemeClr val="tx1"/>
+                          </a:solidFill>
+                        </a:rPr>
+                        <a:t>Id:jh</a:t>
+                      </a:r>
+                      <a:endParaRPr lang="en-US" altLang="ko-KR" sz="1400" dirty="0" smtClean="0">
+                        <a:solidFill>
+                          <a:schemeClr val="tx1"/>
+                        </a:solidFill>
+                      </a:endParaRPr>
+                    </a:p>
+                    <a:p>
+                      <a:pPr latinLnBrk="1"/>
+                      <a:r>
+                        <a:rPr lang="en-US" altLang="ko-KR" sz="1400" dirty="0" smtClean="0">
+                          <a:solidFill>
+                            <a:schemeClr val="tx1"/>
+                          </a:solidFill>
+                        </a:rPr>
+                        <a:t>Ip:113.198.82.185</a:t>
+                      </a:r>
+                      <a:endParaRPr lang="ko-KR" altLang="en-US" sz="1400" dirty="0">
+                        <a:solidFill>
+                          <a:schemeClr val="tx1"/>
+                        </a:solidFill>
+                      </a:endParaRPr>
+                    </a:p>
+                  </a:txBody>
+                  <a:tcPr anchor="ctr">
+                    <a:solidFill>
+                      <a:schemeClr val="accent3">
+                        <a:lumMod val="60000"/>
+                        <a:lumOff val="40000"/>
+                      </a:schemeClr>
+                    </a:solidFill>
+                  </a:tcPr>
+                </a:tc>
+                <a:tc>
+                  <a:txBody>
+                    <a:bodyPr/>
+                    <a:lstStyle/>
+                    <a:p>
+                      <a:pPr latinLnBrk="1"/>
+                      <a:r>
+                        <a:rPr lang="ko-KR" altLang="en-US" sz="1400" dirty="0" smtClean="0">
+                          <a:solidFill>
+                            <a:schemeClr val="tx1"/>
+                          </a:solidFill>
+                        </a:rPr>
+                        <a:t>정상 접속</a:t>
+                      </a:r>
+                      <a:endParaRPr lang="ko-KR" altLang="en-US" sz="1400" dirty="0">
+                        <a:solidFill>
+                          <a:schemeClr val="tx1"/>
+                        </a:solidFill>
+                      </a:endParaRPr>
+                    </a:p>
+                  </a:txBody>
+                  <a:tcPr anchor="ctr">
+                    <a:solidFill>
+                      <a:schemeClr val="accent3">
+                        <a:lumMod val="60000"/>
+                        <a:lumOff val="40000"/>
+                      </a:schemeClr>
+                    </a:solidFill>
+                  </a:tcPr>
+                </a:tc>
+                <a:tc>
+                  <a:txBody>
+                    <a:bodyPr/>
+                    <a:lstStyle/>
+                    <a:p>
+                      <a:pPr latinLnBrk="1"/>
+                      <a:r>
+                        <a:rPr lang="ko-KR" altLang="en-US" sz="1400" dirty="0" smtClean="0">
+                          <a:solidFill>
+                            <a:schemeClr val="tx1"/>
+                          </a:solidFill>
+                        </a:rPr>
+                        <a:t>서버에 정상접속</a:t>
+                      </a:r>
+                      <a:endParaRPr lang="ko-KR" altLang="en-US" sz="1400" dirty="0">
+                        <a:solidFill>
+                          <a:schemeClr val="tx1"/>
+                        </a:solidFill>
+                      </a:endParaRPr>
+                    </a:p>
+                  </a:txBody>
+                  <a:tcPr anchor="ctr">
+                    <a:solidFill>
+                      <a:schemeClr val="accent3">
+                        <a:lumMod val="60000"/>
+                        <a:lumOff val="40000"/>
+                      </a:schemeClr>
+                    </a:solidFill>
+                  </a:tcPr>
+                </a:tc>
+                <a:tc>
+                  <a:txBody>
+                    <a:bodyPr/>
+                    <a:lstStyle/>
+                    <a:p>
+                      <a:pPr latinLnBrk="1"/>
+                      <a:r>
+                        <a:rPr lang="en-US" altLang="ko-KR" sz="1400" dirty="0" smtClean="0">
+                          <a:solidFill>
+                            <a:schemeClr val="tx1"/>
+                          </a:solidFill>
+                        </a:rPr>
+                        <a:t>Java</a:t>
+                      </a:r>
+                      <a:r>
+                        <a:rPr lang="ko-KR" altLang="en-US" sz="1400" dirty="0" smtClean="0">
+                          <a:solidFill>
+                            <a:schemeClr val="tx1"/>
+                          </a:solidFill>
+                        </a:rPr>
+                        <a:t>용 코드를 </a:t>
+                      </a:r>
+                      <a:r>
+                        <a:rPr lang="ko-KR" altLang="en-US" sz="1400" dirty="0" err="1" smtClean="0">
+                          <a:solidFill>
+                            <a:schemeClr val="tx1"/>
+                          </a:solidFill>
+                        </a:rPr>
+                        <a:t>안드로이드로</a:t>
+                      </a:r>
+                      <a:r>
+                        <a:rPr lang="ko-KR" altLang="en-US" sz="1400" dirty="0" smtClean="0">
+                          <a:solidFill>
+                            <a:schemeClr val="tx1"/>
+                          </a:solidFill>
+                        </a:rPr>
+                        <a:t> 전환</a:t>
+                      </a:r>
+                      <a:endParaRPr lang="ko-KR" altLang="en-US" sz="1400" dirty="0">
+                        <a:solidFill>
+                          <a:schemeClr val="tx1"/>
+                        </a:solidFill>
+                      </a:endParaRPr>
+                    </a:p>
+                  </a:txBody>
+                  <a:tcPr anchor="ctr">
+                    <a:solidFill>
+                      <a:schemeClr val="accent3">
+                        <a:lumMod val="60000"/>
+                        <a:lumOff val="40000"/>
+                      </a:schemeClr>
+                    </a:solidFill>
+                  </a:tcPr>
+                </a:tc>
+                <a:tc>
+                  <a:txBody>
+                    <a:bodyPr/>
+                    <a:lstStyle/>
+                    <a:p>
+                      <a:pPr latinLnBrk="1"/>
+                      <a:r>
+                        <a:rPr lang="ko-KR" altLang="en-US" sz="1400" dirty="0" err="1" smtClean="0">
+                          <a:solidFill>
+                            <a:schemeClr val="tx1"/>
+                          </a:solidFill>
+                        </a:rPr>
+                        <a:t>정상접속됨</a:t>
+                      </a:r>
+                      <a:endParaRPr lang="ko-KR" altLang="en-US" sz="1400" dirty="0">
+                        <a:solidFill>
+                          <a:schemeClr val="tx1"/>
+                        </a:solidFill>
+                      </a:endParaRPr>
+                    </a:p>
+                  </a:txBody>
+                  <a:tcPr anchor="ctr">
+                    <a:solidFill>
+                      <a:schemeClr val="accent3">
+                        <a:lumMod val="60000"/>
+                        <a:lumOff val="40000"/>
+                      </a:schemeClr>
+                    </a:solidFill>
+                  </a:tcPr>
+                </a:tc>
+              </a:tr>
+            </a:tbl>
+          </a:graphicData>
+        </a:graphic>
+      </p:graphicFrame>
+      <p:pic>
+        <p:nvPicPr>
+          <p:cNvPr id="2050" name="Picture 2" descr="C:\Documents and Settings\Administrator\바탕 화면\채팅성공.bmp"/>
+          <p:cNvPicPr>
+            <a:picLocks noChangeAspect="1" noChangeArrowheads="1"/>
+          </p:cNvPicPr>
+          <p:nvPr/>
+        </p:nvPicPr>
+        <p:blipFill>
+          <a:blip r:embed="rId2" cstate="print"/>
+          <a:srcRect/>
+          <a:stretch>
+            <a:fillRect/>
+          </a:stretch>
+        </p:blipFill>
+        <p:spPr bwMode="auto">
+          <a:xfrm>
+            <a:off x="2627784" y="4797152"/>
+            <a:ext cx="4224462" cy="1910892"/>
+          </a:xfrm>
+          <a:prstGeom prst="rect">
+            <a:avLst/>
+          </a:prstGeom>
+          <a:noFill/>
+        </p:spPr>
+      </p:pic>
+    </p:spTree>
+  </p:cSld>
+  <p:clrMapOvr>
+    <a:masterClrMapping/>
+  </p:clrMapOvr>
+</p:sld>
+</file>
+
+<file path=ppt/slides/slide6.xml><?xml version="1.0" encoding="utf-8"?>
+<p:sld xmlns:a="http://schemas.openxmlformats.org/drawingml/2006/main" xmlns:r="http://schemas.openxmlformats.org/officeDocument/2006/relationships" xmlns:p="http://schemas.openxmlformats.org/presentationml/2006/main">
+  <p:cSld>
+    <p:spTree>
+      <p:nvGrpSpPr>
+        <p:cNvPr id="1" name=""/>
+        <p:cNvGrpSpPr/>
+        <p:nvPr/>
+      </p:nvGrpSpPr>
+      <p:grpSpPr>
+        <a:xfrm>
+          <a:off x="0" y="0"/>
+          <a:ext cx="0" cy="0"/>
+          <a:chOff x="0" y="0"/>
+          <a:chExt cx="0" cy="0"/>
+        </a:xfrm>
+      </p:grpSpPr>
+      <p:sp>
+        <p:nvSpPr>
+          <p:cNvPr id="2" name="제목 1"/>
+          <p:cNvSpPr>
+            <a:spLocks noGrp="1"/>
+          </p:cNvSpPr>
+          <p:nvPr>
+            <p:ph type="title"/>
+          </p:nvPr>
+        </p:nvSpPr>
+        <p:spPr>
+          <a:xfrm>
+            <a:off x="302840" y="-243408"/>
+            <a:ext cx="8229600" cy="1143000"/>
+          </a:xfrm>
+        </p:spPr>
+        <p:txBody>
+          <a:bodyPr/>
+          <a:lstStyle/>
+          <a:p>
+            <a:r>
+              <a:rPr lang="ko-KR" altLang="en-US" dirty="0" smtClean="0"/>
+              <a:t>테스트 케이스</a:t>
+            </a:r>
+            <a:endParaRPr lang="ko-KR" altLang="en-US" dirty="0"/>
+          </a:p>
+        </p:txBody>
+      </p:sp>
+      <p:graphicFrame>
+        <p:nvGraphicFramePr>
+          <p:cNvPr id="4" name="표 3"/>
+          <p:cNvGraphicFramePr>
+            <a:graphicFrameLocks noGrp="1"/>
+          </p:cNvGraphicFramePr>
+          <p:nvPr/>
+        </p:nvGraphicFramePr>
+        <p:xfrm>
+          <a:off x="107505" y="908720"/>
+          <a:ext cx="8928990" cy="4031783"/>
+        </p:xfrm>
+        <a:graphic>
+          <a:graphicData uri="http://schemas.openxmlformats.org/drawingml/2006/table">
+            <a:tbl>
+              <a:tblPr firstRow="1" bandRow="1">
+                <a:tableStyleId>{5C22544A-7EE6-4342-B048-85BDC9FD1C3A}</a:tableStyleId>
+              </a:tblPr>
+              <a:tblGrid>
+                <a:gridCol w="1224135"/>
+                <a:gridCol w="1440160"/>
+                <a:gridCol w="2011143"/>
+                <a:gridCol w="1277220"/>
+                <a:gridCol w="1392157"/>
+                <a:gridCol w="1584175"/>
+              </a:tblGrid>
+              <a:tr h="576064">
+                <a:tc gridSpan="6">
+                  <a:txBody>
+                    <a:bodyPr/>
+                    <a:lstStyle/>
+                    <a:p>
+                      <a:pPr latinLnBrk="1"/>
+                      <a:r>
+                        <a:rPr lang="ko-KR" altLang="en-US" sz="1800" b="0" dirty="0" smtClean="0">
+                          <a:solidFill>
+                            <a:schemeClr val="tx1"/>
+                          </a:solidFill>
+                        </a:rPr>
+                        <a:t>테스트 케이스 </a:t>
+                      </a:r>
+                      <a:r>
+                        <a:rPr lang="en-US" altLang="ko-KR" sz="1800" b="0" dirty="0" smtClean="0">
+                          <a:solidFill>
+                            <a:schemeClr val="tx1"/>
+                          </a:solidFill>
+                        </a:rPr>
+                        <a:t>ID: </a:t>
+                      </a:r>
+                      <a:r>
+                        <a:rPr lang="en-US" altLang="ko-KR" sz="1800" b="0" dirty="0" smtClean="0">
+                          <a:solidFill>
+                            <a:schemeClr val="tx1"/>
+                          </a:solidFill>
+                        </a:rPr>
+                        <a:t>android</a:t>
+                      </a:r>
+                      <a:r>
+                        <a:rPr lang="en-US" altLang="ko-KR" sz="1800" b="0" baseline="0" dirty="0" smtClean="0">
+                          <a:solidFill>
+                            <a:schemeClr val="tx1"/>
+                          </a:solidFill>
+                        </a:rPr>
+                        <a:t>chattest-1</a:t>
+                      </a:r>
+                      <a:endParaRPr lang="ko-KR" altLang="en-US" sz="1800" b="0" dirty="0">
+                        <a:solidFill>
+                          <a:schemeClr val="tx1"/>
+                        </a:solidFill>
+                      </a:endParaRPr>
+                    </a:p>
+                  </a:txBody>
+                  <a:tcPr anchor="ctr">
+                    <a:solidFill>
+                      <a:schemeClr val="accent3">
+                        <a:lumMod val="60000"/>
+                        <a:lumOff val="40000"/>
+                      </a:schemeClr>
+                    </a:solidFill>
+                  </a:tcPr>
+                </a:tc>
+                <a:tc hMerge="1">
+                  <a:txBody>
+                    <a:bodyPr/>
+                    <a:lstStyle/>
+                    <a:p>
+                      <a:pPr latinLnBrk="1"/>
+                      <a:endParaRPr lang="ko-KR" altLang="en-US" dirty="0"/>
+                    </a:p>
+                  </a:txBody>
+                  <a:tcPr>
+                    <a:solidFill>
+                      <a:schemeClr val="accent3">
+                        <a:lumMod val="60000"/>
+                        <a:lumOff val="40000"/>
+                      </a:schemeClr>
+                    </a:solidFill>
+                  </a:tcPr>
+                </a:tc>
+                <a:tc hMerge="1">
+                  <a:txBody>
+                    <a:bodyPr/>
+                    <a:lstStyle/>
+                    <a:p>
+                      <a:pPr latinLnBrk="1"/>
+                      <a:endParaRPr lang="ko-KR" altLang="en-US" dirty="0"/>
+                    </a:p>
+                  </a:txBody>
+                  <a:tcPr>
+                    <a:solidFill>
+                      <a:schemeClr val="accent3">
+                        <a:lumMod val="60000"/>
+                        <a:lumOff val="40000"/>
+                      </a:schemeClr>
+                    </a:solidFill>
+                  </a:tcPr>
+                </a:tc>
+                <a:tc hMerge="1">
+                  <a:txBody>
+                    <a:bodyPr/>
+                    <a:lstStyle/>
+                    <a:p>
+                      <a:pPr latinLnBrk="1"/>
+                      <a:endParaRPr lang="ko-KR" altLang="en-US" dirty="0"/>
+                    </a:p>
+                  </a:txBody>
+                  <a:tcPr>
+                    <a:solidFill>
+                      <a:schemeClr val="accent3">
+                        <a:lumMod val="60000"/>
+                        <a:lumOff val="40000"/>
+                      </a:schemeClr>
+                    </a:solidFill>
+                  </a:tcPr>
+                </a:tc>
+                <a:tc hMerge="1">
+                  <a:txBody>
+                    <a:bodyPr/>
+                    <a:lstStyle/>
+                    <a:p>
+                      <a:pPr latinLnBrk="1"/>
+                      <a:endParaRPr lang="ko-KR" altLang="en-US" dirty="0"/>
+                    </a:p>
+                  </a:txBody>
+                  <a:tcPr>
+                    <a:solidFill>
+                      <a:schemeClr val="accent3">
+                        <a:lumMod val="60000"/>
+                        <a:lumOff val="40000"/>
+                      </a:schemeClr>
+                    </a:solidFill>
+                  </a:tcPr>
+                </a:tc>
+                <a:tc hMerge="1">
+                  <a:txBody>
+                    <a:bodyPr/>
+                    <a:lstStyle/>
+                    <a:p>
+                      <a:pPr latinLnBrk="1"/>
+                      <a:endParaRPr lang="ko-KR" altLang="en-US" dirty="0"/>
+                    </a:p>
+                  </a:txBody>
+                  <a:tcPr>
+                    <a:solidFill>
+                      <a:schemeClr val="accent3">
+                        <a:lumMod val="60000"/>
+                        <a:lumOff val="40000"/>
+                      </a:schemeClr>
+                    </a:solidFill>
+                  </a:tcPr>
+                </a:tc>
+              </a:tr>
+              <a:tr h="501797">
+                <a:tc>
+                  <a:txBody>
+                    <a:bodyPr/>
+                    <a:lstStyle/>
+                    <a:p>
+                      <a:pPr latinLnBrk="1"/>
+                      <a:r>
+                        <a:rPr lang="ko-KR" altLang="en-US" sz="1400" dirty="0" smtClean="0">
+                          <a:solidFill>
+                            <a:schemeClr val="tx1"/>
+                          </a:solidFill>
+                        </a:rPr>
+                        <a:t>목적</a:t>
+                      </a:r>
+                      <a:endParaRPr lang="ko-KR" altLang="en-US" sz="1400" dirty="0">
+                        <a:solidFill>
+                          <a:schemeClr val="tx1"/>
+                        </a:solidFill>
+                      </a:endParaRPr>
+                    </a:p>
+                  </a:txBody>
+                  <a:tcPr anchor="ctr">
+                    <a:solidFill>
+                      <a:schemeClr val="accent3">
+                        <a:lumMod val="60000"/>
+                        <a:lumOff val="40000"/>
+                      </a:schemeClr>
+                    </a:solidFill>
+                  </a:tcPr>
+                </a:tc>
+                <a:tc gridSpan="5">
+                  <a:txBody>
+                    <a:bodyPr/>
+                    <a:lstStyle/>
+                    <a:p>
+                      <a:pPr latinLnBrk="1"/>
+                      <a:r>
+                        <a:rPr lang="ko-KR" altLang="en-US" sz="1400" dirty="0" err="1" smtClean="0">
+                          <a:solidFill>
+                            <a:schemeClr val="tx1"/>
+                          </a:solidFill>
+                        </a:rPr>
+                        <a:t>안드로이드를</a:t>
+                      </a:r>
+                      <a:r>
+                        <a:rPr lang="ko-KR" altLang="en-US" sz="1400" dirty="0" smtClean="0">
+                          <a:solidFill>
+                            <a:schemeClr val="tx1"/>
+                          </a:solidFill>
+                        </a:rPr>
+                        <a:t> 이용해 만든 채팅시스템이 잘 구현되는지 확인한다</a:t>
+                      </a:r>
+                      <a:r>
+                        <a:rPr lang="en-US" altLang="ko-KR" sz="1400" dirty="0" smtClean="0">
+                          <a:solidFill>
+                            <a:schemeClr val="tx1"/>
+                          </a:solidFill>
+                        </a:rPr>
+                        <a:t>.</a:t>
+                      </a:r>
+                      <a:endParaRPr lang="ko-KR" altLang="en-US" sz="1400" dirty="0">
+                        <a:solidFill>
+                          <a:schemeClr val="tx1"/>
+                        </a:solidFill>
+                      </a:endParaRPr>
+                    </a:p>
+                  </a:txBody>
+                  <a:tcPr anchor="ctr">
+                    <a:solidFill>
+                      <a:schemeClr val="accent3">
+                        <a:lumMod val="60000"/>
+                        <a:lumOff val="40000"/>
+                      </a:schemeClr>
+                    </a:solidFill>
+                  </a:tcPr>
+                </a:tc>
+                <a:tc hMerge="1">
+                  <a:txBody>
+                    <a:bodyPr/>
+                    <a:lstStyle/>
+                    <a:p>
+                      <a:pPr latinLnBrk="1"/>
+                      <a:endParaRPr lang="ko-KR" altLang="en-US" dirty="0">
+                        <a:solidFill>
+                          <a:schemeClr val="tx1"/>
+                        </a:solidFill>
+                      </a:endParaRPr>
+                    </a:p>
+                  </a:txBody>
+                  <a:tcPr>
+                    <a:solidFill>
+                      <a:schemeClr val="accent3">
+                        <a:lumMod val="60000"/>
+                        <a:lumOff val="40000"/>
+                      </a:schemeClr>
+                    </a:solidFill>
+                  </a:tcPr>
+                </a:tc>
+                <a:tc hMerge="1">
+                  <a:txBody>
+                    <a:bodyPr/>
+                    <a:lstStyle/>
+                    <a:p>
+                      <a:pPr latinLnBrk="1"/>
+                      <a:endParaRPr lang="ko-KR" altLang="en-US" dirty="0">
+                        <a:solidFill>
+                          <a:schemeClr val="tx1"/>
+                        </a:solidFill>
+                      </a:endParaRPr>
+                    </a:p>
+                  </a:txBody>
+                  <a:tcPr>
+                    <a:solidFill>
+                      <a:schemeClr val="accent3">
+                        <a:lumMod val="60000"/>
+                        <a:lumOff val="40000"/>
+                      </a:schemeClr>
+                    </a:solidFill>
+                  </a:tcPr>
+                </a:tc>
+                <a:tc hMerge="1">
+                  <a:txBody>
+                    <a:bodyPr/>
+                    <a:lstStyle/>
+                    <a:p>
+                      <a:pPr latinLnBrk="1"/>
+                      <a:endParaRPr lang="ko-KR" altLang="en-US" dirty="0">
+                        <a:solidFill>
+                          <a:schemeClr val="tx1"/>
+                        </a:solidFill>
+                      </a:endParaRPr>
+                    </a:p>
+                  </a:txBody>
+                  <a:tcPr>
+                    <a:solidFill>
+                      <a:schemeClr val="accent3">
+                        <a:lumMod val="60000"/>
+                        <a:lumOff val="40000"/>
+                      </a:schemeClr>
+                    </a:solidFill>
+                  </a:tcPr>
+                </a:tc>
+                <a:tc hMerge="1">
+                  <a:txBody>
+                    <a:bodyPr/>
+                    <a:lstStyle/>
+                    <a:p>
+                      <a:pPr latinLnBrk="1"/>
+                      <a:endParaRPr lang="ko-KR" altLang="en-US" dirty="0">
+                        <a:solidFill>
+                          <a:schemeClr val="tx1"/>
+                        </a:solidFill>
+                      </a:endParaRPr>
+                    </a:p>
+                  </a:txBody>
+                  <a:tcPr>
+                    <a:solidFill>
+                      <a:schemeClr val="accent3">
+                        <a:lumMod val="60000"/>
+                        <a:lumOff val="40000"/>
+                      </a:schemeClr>
+                    </a:solidFill>
+                  </a:tcPr>
+                </a:tc>
+              </a:tr>
+              <a:tr h="650331">
+                <a:tc>
+                  <a:txBody>
+                    <a:bodyPr/>
+                    <a:lstStyle/>
+                    <a:p>
+                      <a:pPr latinLnBrk="1"/>
+                      <a:r>
+                        <a:rPr lang="ko-KR" altLang="en-US" sz="1400" dirty="0" smtClean="0">
+                          <a:solidFill>
+                            <a:schemeClr val="tx1"/>
+                          </a:solidFill>
+                        </a:rPr>
+                        <a:t>테스트조건</a:t>
+                      </a:r>
+                      <a:endParaRPr lang="ko-KR" altLang="en-US" sz="1400" dirty="0">
+                        <a:solidFill>
+                          <a:schemeClr val="tx1"/>
+                        </a:solidFill>
+                      </a:endParaRPr>
+                    </a:p>
+                  </a:txBody>
+                  <a:tcPr anchor="ctr">
+                    <a:solidFill>
+                      <a:schemeClr val="accent3">
+                        <a:lumMod val="60000"/>
+                        <a:lumOff val="40000"/>
+                      </a:schemeClr>
+                    </a:solidFill>
+                  </a:tcPr>
+                </a:tc>
+                <a:tc gridSpan="5">
+                  <a:txBody>
+                    <a:bodyPr/>
+                    <a:lstStyle/>
+                    <a:p>
+                      <a:pPr latinLnBrk="1"/>
+                      <a:r>
+                        <a:rPr lang="ko-KR" altLang="en-US" sz="1400" dirty="0" smtClean="0">
+                          <a:solidFill>
+                            <a:schemeClr val="tx1"/>
+                          </a:solidFill>
+                        </a:rPr>
+                        <a:t>버튼을 만들어서 </a:t>
+                      </a:r>
+                      <a:r>
+                        <a:rPr lang="en-US" altLang="ko-KR" sz="1400" dirty="0" smtClean="0">
+                          <a:solidFill>
+                            <a:schemeClr val="tx1"/>
+                          </a:solidFill>
+                        </a:rPr>
+                        <a:t>socket</a:t>
+                      </a:r>
+                      <a:r>
+                        <a:rPr lang="ko-KR" altLang="en-US" sz="1400" dirty="0" smtClean="0">
+                          <a:solidFill>
+                            <a:schemeClr val="tx1"/>
+                          </a:solidFill>
+                        </a:rPr>
+                        <a:t>에 </a:t>
+                      </a:r>
+                      <a:r>
+                        <a:rPr lang="en-US" altLang="ko-KR" sz="1400" dirty="0" smtClean="0">
+                          <a:solidFill>
+                            <a:schemeClr val="tx1"/>
+                          </a:solidFill>
+                        </a:rPr>
+                        <a:t>client</a:t>
+                      </a:r>
+                      <a:r>
+                        <a:rPr lang="ko-KR" altLang="en-US" sz="1400" dirty="0" smtClean="0">
+                          <a:solidFill>
+                            <a:schemeClr val="tx1"/>
+                          </a:solidFill>
+                        </a:rPr>
+                        <a:t>에 접속했다</a:t>
+                      </a:r>
+                      <a:endParaRPr lang="ko-KR" altLang="en-US" sz="1400" dirty="0">
+                        <a:solidFill>
+                          <a:schemeClr val="tx1"/>
+                        </a:solidFill>
+                      </a:endParaRPr>
+                    </a:p>
+                  </a:txBody>
+                  <a:tcPr anchor="ctr">
+                    <a:solidFill>
+                      <a:schemeClr val="accent3">
+                        <a:lumMod val="60000"/>
+                        <a:lumOff val="40000"/>
+                      </a:schemeClr>
+                    </a:solidFill>
+                  </a:tcPr>
+                </a:tc>
+                <a:tc hMerge="1">
+                  <a:txBody>
+                    <a:bodyPr/>
+                    <a:lstStyle/>
+                    <a:p>
+                      <a:pPr latinLnBrk="1"/>
+                      <a:endParaRPr lang="ko-KR" altLang="en-US" dirty="0">
+                        <a:solidFill>
+                          <a:schemeClr val="tx1"/>
+                        </a:solidFill>
+                      </a:endParaRPr>
+                    </a:p>
+                  </a:txBody>
+                  <a:tcPr>
+                    <a:solidFill>
+                      <a:schemeClr val="accent3">
+                        <a:lumMod val="60000"/>
+                        <a:lumOff val="40000"/>
+                      </a:schemeClr>
+                    </a:solidFill>
+                  </a:tcPr>
+                </a:tc>
+                <a:tc hMerge="1">
+                  <a:txBody>
+                    <a:bodyPr/>
+                    <a:lstStyle/>
+                    <a:p>
+                      <a:pPr latinLnBrk="1"/>
+                      <a:endParaRPr lang="ko-KR" altLang="en-US" dirty="0">
+                        <a:solidFill>
+                          <a:schemeClr val="tx1"/>
+                        </a:solidFill>
+                      </a:endParaRPr>
+                    </a:p>
+                  </a:txBody>
+                  <a:tcPr>
+                    <a:solidFill>
+                      <a:schemeClr val="accent3">
+                        <a:lumMod val="60000"/>
+                        <a:lumOff val="40000"/>
+                      </a:schemeClr>
+                    </a:solidFill>
+                  </a:tcPr>
+                </a:tc>
+                <a:tc hMerge="1">
+                  <a:txBody>
+                    <a:bodyPr/>
+                    <a:lstStyle/>
+                    <a:p>
+                      <a:pPr latinLnBrk="1"/>
+                      <a:endParaRPr lang="ko-KR" altLang="en-US">
+                        <a:solidFill>
+                          <a:schemeClr val="tx1"/>
+                        </a:solidFill>
+                      </a:endParaRPr>
+                    </a:p>
+                  </a:txBody>
+                  <a:tcPr>
+                    <a:solidFill>
+                      <a:schemeClr val="accent3">
+                        <a:lumMod val="60000"/>
+                        <a:lumOff val="40000"/>
+                      </a:schemeClr>
+                    </a:solidFill>
+                  </a:tcPr>
+                </a:tc>
+                <a:tc hMerge="1">
+                  <a:txBody>
+                    <a:bodyPr/>
+                    <a:lstStyle/>
+                    <a:p>
+                      <a:pPr latinLnBrk="1"/>
+                      <a:endParaRPr lang="ko-KR" altLang="en-US" dirty="0">
+                        <a:solidFill>
+                          <a:schemeClr val="tx1"/>
+                        </a:solidFill>
+                      </a:endParaRPr>
+                    </a:p>
+                  </a:txBody>
+                  <a:tcPr>
+                    <a:solidFill>
+                      <a:schemeClr val="accent3">
+                        <a:lumMod val="60000"/>
+                        <a:lumOff val="40000"/>
+                      </a:schemeClr>
+                    </a:solidFill>
+                  </a:tcPr>
+                </a:tc>
+              </a:tr>
+              <a:tr h="650331">
+                <a:tc>
+                  <a:txBody>
+                    <a:bodyPr/>
+                    <a:lstStyle/>
+                    <a:p>
+                      <a:pPr latinLnBrk="1"/>
+                      <a:r>
+                        <a:rPr lang="ko-KR" altLang="en-US" sz="1400" dirty="0" smtClean="0">
+                          <a:solidFill>
+                            <a:schemeClr val="tx1"/>
+                          </a:solidFill>
+                        </a:rPr>
+                        <a:t>테스터</a:t>
+                      </a:r>
+                      <a:endParaRPr lang="ko-KR" altLang="en-US" sz="1400" dirty="0">
+                        <a:solidFill>
+                          <a:schemeClr val="tx1"/>
+                        </a:solidFill>
+                      </a:endParaRPr>
+                    </a:p>
+                  </a:txBody>
+                  <a:tcPr anchor="ctr">
+                    <a:solidFill>
+                      <a:schemeClr val="accent3">
+                        <a:lumMod val="60000"/>
+                        <a:lumOff val="40000"/>
+                      </a:schemeClr>
+                    </a:solidFill>
+                  </a:tcPr>
+                </a:tc>
+                <a:tc>
+                  <a:txBody>
+                    <a:bodyPr/>
+                    <a:lstStyle/>
+                    <a:p>
+                      <a:pPr latinLnBrk="1"/>
+                      <a:r>
+                        <a:rPr lang="ko-KR" altLang="en-US" sz="1400" dirty="0" smtClean="0">
+                          <a:solidFill>
+                            <a:schemeClr val="tx1"/>
+                          </a:solidFill>
+                        </a:rPr>
+                        <a:t>신재호</a:t>
+                      </a:r>
+                      <a:r>
+                        <a:rPr lang="en-US" altLang="ko-KR" sz="1400" dirty="0" smtClean="0">
+                          <a:solidFill>
+                            <a:schemeClr val="tx1"/>
+                          </a:solidFill>
+                        </a:rPr>
+                        <a:t>,</a:t>
+                      </a:r>
+                      <a:r>
+                        <a:rPr lang="ko-KR" altLang="en-US" sz="1400" dirty="0" smtClean="0">
+                          <a:solidFill>
+                            <a:schemeClr val="tx1"/>
+                          </a:solidFill>
+                        </a:rPr>
+                        <a:t>송요섭</a:t>
+                      </a:r>
+                      <a:endParaRPr lang="ko-KR" altLang="en-US" sz="1400" dirty="0">
+                        <a:solidFill>
+                          <a:schemeClr val="tx1"/>
+                        </a:solidFill>
+                      </a:endParaRPr>
+                    </a:p>
+                  </a:txBody>
+                  <a:tcPr anchor="ctr">
+                    <a:solidFill>
+                      <a:schemeClr val="accent3">
+                        <a:lumMod val="60000"/>
+                        <a:lumOff val="40000"/>
+                      </a:schemeClr>
+                    </a:solidFill>
+                  </a:tcPr>
+                </a:tc>
+                <a:tc>
+                  <a:txBody>
+                    <a:bodyPr/>
+                    <a:lstStyle/>
+                    <a:p>
+                      <a:pPr latinLnBrk="1"/>
+                      <a:r>
+                        <a:rPr lang="ko-KR" altLang="en-US" sz="1400" dirty="0" smtClean="0">
+                          <a:solidFill>
+                            <a:schemeClr val="tx1"/>
+                          </a:solidFill>
+                        </a:rPr>
+                        <a:t>테스트일자</a:t>
+                      </a:r>
+                      <a:endParaRPr lang="ko-KR" altLang="en-US" sz="1400" dirty="0">
+                        <a:solidFill>
+                          <a:schemeClr val="tx1"/>
+                        </a:solidFill>
+                      </a:endParaRPr>
+                    </a:p>
+                  </a:txBody>
+                  <a:tcPr anchor="ctr">
+                    <a:solidFill>
+                      <a:schemeClr val="accent3">
+                        <a:lumMod val="60000"/>
+                        <a:lumOff val="40000"/>
+                      </a:schemeClr>
+                    </a:solidFill>
+                  </a:tcPr>
+                </a:tc>
+                <a:tc gridSpan="3">
+                  <a:txBody>
+                    <a:bodyPr/>
+                    <a:lstStyle/>
+                    <a:p>
+                      <a:pPr latinLnBrk="1"/>
+                      <a:r>
+                        <a:rPr lang="en-US" altLang="ko-KR" sz="1400" dirty="0" smtClean="0">
+                          <a:solidFill>
+                            <a:schemeClr val="tx1"/>
+                          </a:solidFill>
+                        </a:rPr>
+                        <a:t>2012.5.28</a:t>
+                      </a:r>
+                      <a:r>
+                        <a:rPr lang="en-US" altLang="ko-KR" sz="1400" baseline="0" dirty="0" smtClean="0">
+                          <a:solidFill>
+                            <a:schemeClr val="tx1"/>
+                          </a:solidFill>
+                        </a:rPr>
+                        <a:t> ~ 2012.5.28</a:t>
+                      </a:r>
+                      <a:endParaRPr lang="ko-KR" altLang="en-US" sz="1400" dirty="0">
+                        <a:solidFill>
+                          <a:schemeClr val="tx1"/>
+                        </a:solidFill>
+                      </a:endParaRPr>
+                    </a:p>
+                  </a:txBody>
+                  <a:tcPr anchor="ctr">
+                    <a:solidFill>
+                      <a:schemeClr val="accent3">
+                        <a:lumMod val="60000"/>
+                        <a:lumOff val="40000"/>
+                      </a:schemeClr>
+                    </a:solidFill>
+                  </a:tcPr>
+                </a:tc>
+                <a:tc hMerge="1">
+                  <a:txBody>
+                    <a:bodyPr/>
+                    <a:lstStyle/>
+                    <a:p>
+                      <a:pPr latinLnBrk="1"/>
+                      <a:endParaRPr lang="ko-KR" altLang="en-US" sz="1400" dirty="0">
+                        <a:solidFill>
+                          <a:schemeClr val="tx1"/>
+                        </a:solidFill>
+                      </a:endParaRPr>
+                    </a:p>
+                  </a:txBody>
+                  <a:tcPr>
+                    <a:solidFill>
+                      <a:schemeClr val="accent3">
+                        <a:lumMod val="60000"/>
+                        <a:lumOff val="40000"/>
+                      </a:schemeClr>
+                    </a:solidFill>
+                  </a:tcPr>
+                </a:tc>
+                <a:tc hMerge="1">
+                  <a:txBody>
+                    <a:bodyPr/>
+                    <a:lstStyle/>
+                    <a:p>
+                      <a:pPr latinLnBrk="1"/>
+                      <a:endParaRPr lang="ko-KR" altLang="en-US" sz="1400" dirty="0">
+                        <a:solidFill>
+                          <a:schemeClr val="tx1"/>
+                        </a:solidFill>
+                      </a:endParaRPr>
+                    </a:p>
+                  </a:txBody>
+                  <a:tcPr>
+                    <a:solidFill>
+                      <a:schemeClr val="accent3">
+                        <a:lumMod val="60000"/>
+                        <a:lumOff val="40000"/>
+                      </a:schemeClr>
+                    </a:solidFill>
+                  </a:tcPr>
+                </a:tc>
+              </a:tr>
+              <a:tr h="495020">
+                <a:tc>
+                  <a:txBody>
+                    <a:bodyPr/>
+                    <a:lstStyle/>
+                    <a:p>
+                      <a:pPr latinLnBrk="1"/>
+                      <a:r>
+                        <a:rPr lang="ko-KR" altLang="en-US" sz="1400" dirty="0" smtClean="0">
+                          <a:solidFill>
+                            <a:schemeClr val="tx1"/>
+                          </a:solidFill>
+                        </a:rPr>
+                        <a:t>단계</a:t>
+                      </a:r>
+                      <a:endParaRPr lang="ko-KR" altLang="en-US" sz="1400" dirty="0">
+                        <a:solidFill>
+                          <a:schemeClr val="tx1"/>
+                        </a:solidFill>
+                      </a:endParaRPr>
+                    </a:p>
+                  </a:txBody>
+                  <a:tcPr anchor="ctr">
+                    <a:solidFill>
+                      <a:schemeClr val="accent3">
+                        <a:lumMod val="60000"/>
+                        <a:lumOff val="40000"/>
+                      </a:schemeClr>
+                    </a:solidFill>
+                  </a:tcPr>
+                </a:tc>
+                <a:tc>
+                  <a:txBody>
+                    <a:bodyPr/>
+                    <a:lstStyle/>
+                    <a:p>
+                      <a:pPr latinLnBrk="1"/>
+                      <a:r>
+                        <a:rPr lang="ko-KR" altLang="en-US" sz="1400" dirty="0" err="1" smtClean="0">
+                          <a:solidFill>
+                            <a:schemeClr val="tx1"/>
+                          </a:solidFill>
+                        </a:rPr>
+                        <a:t>입력값</a:t>
+                      </a:r>
+                      <a:endParaRPr lang="ko-KR" altLang="en-US" sz="1400" dirty="0">
+                        <a:solidFill>
+                          <a:schemeClr val="tx1"/>
+                        </a:solidFill>
+                      </a:endParaRPr>
+                    </a:p>
+                  </a:txBody>
+                  <a:tcPr anchor="ctr">
+                    <a:solidFill>
+                      <a:schemeClr val="accent3">
+                        <a:lumMod val="60000"/>
+                        <a:lumOff val="40000"/>
+                      </a:schemeClr>
+                    </a:solidFill>
+                  </a:tcPr>
+                </a:tc>
+                <a:tc>
+                  <a:txBody>
+                    <a:bodyPr/>
+                    <a:lstStyle/>
+                    <a:p>
+                      <a:pPr latinLnBrk="1"/>
+                      <a:r>
+                        <a:rPr lang="ko-KR" altLang="en-US" sz="1400" dirty="0" smtClean="0">
+                          <a:solidFill>
+                            <a:schemeClr val="tx1"/>
+                          </a:solidFill>
+                        </a:rPr>
+                        <a:t>예상 </a:t>
+                      </a:r>
+                      <a:r>
+                        <a:rPr lang="ko-KR" altLang="en-US" sz="1400" dirty="0" err="1" smtClean="0">
+                          <a:solidFill>
+                            <a:schemeClr val="tx1"/>
+                          </a:solidFill>
+                        </a:rPr>
+                        <a:t>출력값</a:t>
+                      </a:r>
+                      <a:endParaRPr lang="ko-KR" altLang="en-US" sz="1400" dirty="0">
+                        <a:solidFill>
+                          <a:schemeClr val="tx1"/>
+                        </a:solidFill>
+                      </a:endParaRPr>
+                    </a:p>
+                  </a:txBody>
+                  <a:tcPr anchor="ctr">
+                    <a:solidFill>
+                      <a:schemeClr val="accent3">
+                        <a:lumMod val="60000"/>
+                        <a:lumOff val="40000"/>
+                      </a:schemeClr>
+                    </a:solidFill>
+                  </a:tcPr>
+                </a:tc>
+                <a:tc>
+                  <a:txBody>
+                    <a:bodyPr/>
+                    <a:lstStyle/>
+                    <a:p>
+                      <a:pPr latinLnBrk="1"/>
+                      <a:r>
+                        <a:rPr lang="ko-KR" altLang="en-US" sz="1400" dirty="0" smtClean="0">
+                          <a:solidFill>
+                            <a:schemeClr val="tx1"/>
+                          </a:solidFill>
+                        </a:rPr>
+                        <a:t>실행결과</a:t>
+                      </a:r>
+                      <a:endParaRPr lang="ko-KR" altLang="en-US" sz="1400" dirty="0">
+                        <a:solidFill>
+                          <a:schemeClr val="tx1"/>
+                        </a:solidFill>
+                      </a:endParaRPr>
+                    </a:p>
+                  </a:txBody>
+                  <a:tcPr anchor="ctr">
+                    <a:solidFill>
+                      <a:schemeClr val="accent3">
+                        <a:lumMod val="60000"/>
+                        <a:lumOff val="40000"/>
+                      </a:schemeClr>
+                    </a:solidFill>
+                  </a:tcPr>
+                </a:tc>
+                <a:tc>
+                  <a:txBody>
+                    <a:bodyPr/>
+                    <a:lstStyle/>
+                    <a:p>
+                      <a:pPr latinLnBrk="1"/>
+                      <a:r>
+                        <a:rPr lang="ko-KR" altLang="en-US" sz="1400" dirty="0" smtClean="0">
+                          <a:solidFill>
+                            <a:schemeClr val="tx1"/>
+                          </a:solidFill>
+                        </a:rPr>
+                        <a:t>조치사항</a:t>
+                      </a:r>
+                      <a:endParaRPr lang="ko-KR" altLang="en-US" sz="1400" dirty="0">
+                        <a:solidFill>
+                          <a:schemeClr val="tx1"/>
+                        </a:solidFill>
+                      </a:endParaRPr>
+                    </a:p>
+                  </a:txBody>
+                  <a:tcPr anchor="ctr">
+                    <a:solidFill>
+                      <a:schemeClr val="accent3">
+                        <a:lumMod val="60000"/>
+                        <a:lumOff val="40000"/>
+                      </a:schemeClr>
+                    </a:solidFill>
+                  </a:tcPr>
+                </a:tc>
+                <a:tc>
+                  <a:txBody>
+                    <a:bodyPr/>
+                    <a:lstStyle/>
+                    <a:p>
+                      <a:pPr latinLnBrk="1"/>
+                      <a:r>
+                        <a:rPr lang="ko-KR" altLang="en-US" sz="1400" dirty="0" err="1" smtClean="0">
+                          <a:solidFill>
+                            <a:schemeClr val="tx1"/>
+                          </a:solidFill>
+                        </a:rPr>
+                        <a:t>조치후</a:t>
+                      </a:r>
+                      <a:r>
+                        <a:rPr lang="ko-KR" altLang="en-US" sz="1400" dirty="0" smtClean="0">
+                          <a:solidFill>
+                            <a:schemeClr val="tx1"/>
+                          </a:solidFill>
+                        </a:rPr>
+                        <a:t> 시험결과</a:t>
+                      </a:r>
+                      <a:endParaRPr lang="ko-KR" altLang="en-US" sz="1400" dirty="0">
+                        <a:solidFill>
+                          <a:schemeClr val="tx1"/>
+                        </a:solidFill>
+                      </a:endParaRPr>
+                    </a:p>
+                  </a:txBody>
+                  <a:tcPr anchor="ctr">
+                    <a:solidFill>
+                      <a:schemeClr val="accent3">
+                        <a:lumMod val="60000"/>
+                        <a:lumOff val="40000"/>
+                      </a:schemeClr>
+                    </a:solidFill>
+                  </a:tcPr>
+                </a:tc>
+              </a:tr>
+              <a:tr h="650331">
+                <a:tc>
+                  <a:txBody>
+                    <a:bodyPr/>
+                    <a:lstStyle/>
+                    <a:p>
+                      <a:pPr latinLnBrk="1"/>
+                      <a:r>
+                        <a:rPr lang="en-US" altLang="ko-KR" sz="1400" dirty="0" smtClean="0">
+                          <a:solidFill>
+                            <a:schemeClr val="tx1"/>
+                          </a:solidFill>
+                        </a:rPr>
+                        <a:t>1</a:t>
+                      </a:r>
+                      <a:endParaRPr lang="ko-KR" altLang="en-US" sz="1400" dirty="0">
+                        <a:solidFill>
+                          <a:schemeClr val="tx1"/>
+                        </a:solidFill>
+                      </a:endParaRPr>
+                    </a:p>
+                  </a:txBody>
+                  <a:tcPr anchor="ctr">
+                    <a:solidFill>
+                      <a:schemeClr val="accent3">
+                        <a:lumMod val="60000"/>
+                        <a:lumOff val="40000"/>
+                      </a:schemeClr>
+                    </a:solidFill>
+                  </a:tcPr>
+                </a:tc>
+                <a:tc>
+                  <a:txBody>
+                    <a:bodyPr/>
+                    <a:lstStyle/>
+                    <a:p>
+                      <a:pPr latinLnBrk="1"/>
+                      <a:r>
+                        <a:rPr lang="ko-KR" altLang="en-US" sz="1400" dirty="0" smtClean="0">
+                          <a:solidFill>
+                            <a:schemeClr val="tx1"/>
+                          </a:solidFill>
+                        </a:rPr>
+                        <a:t>로그인 아이디</a:t>
+                      </a:r>
+                      <a:endParaRPr lang="ko-KR" altLang="en-US" sz="1400" dirty="0">
+                        <a:solidFill>
+                          <a:schemeClr val="tx1"/>
+                        </a:solidFill>
+                      </a:endParaRPr>
+                    </a:p>
+                  </a:txBody>
+                  <a:tcPr anchor="ctr">
+                    <a:solidFill>
+                      <a:schemeClr val="accent3">
+                        <a:lumMod val="60000"/>
+                        <a:lumOff val="40000"/>
+                      </a:schemeClr>
+                    </a:solidFill>
+                  </a:tcPr>
+                </a:tc>
+                <a:tc>
+                  <a:txBody>
+                    <a:bodyPr/>
+                    <a:lstStyle/>
+                    <a:p>
+                      <a:pPr latinLnBrk="1"/>
+                      <a:r>
+                        <a:rPr lang="ko-KR" altLang="en-US" sz="1400" dirty="0" smtClean="0">
+                          <a:solidFill>
+                            <a:schemeClr val="tx1"/>
+                          </a:solidFill>
+                        </a:rPr>
+                        <a:t>정상 접속</a:t>
+                      </a:r>
+                      <a:endParaRPr lang="ko-KR" altLang="en-US" sz="1400" dirty="0">
+                        <a:solidFill>
+                          <a:schemeClr val="tx1"/>
+                        </a:solidFill>
+                      </a:endParaRPr>
+                    </a:p>
+                  </a:txBody>
+                  <a:tcPr anchor="ctr">
+                    <a:solidFill>
+                      <a:schemeClr val="accent3">
+                        <a:lumMod val="60000"/>
+                        <a:lumOff val="40000"/>
+                      </a:schemeClr>
+                    </a:solidFill>
+                  </a:tcPr>
+                </a:tc>
+                <a:tc>
+                  <a:txBody>
+                    <a:bodyPr/>
+                    <a:lstStyle/>
+                    <a:p>
+                      <a:pPr latinLnBrk="1"/>
+                      <a:r>
+                        <a:rPr lang="ko-KR" altLang="en-US" sz="1400" dirty="0" smtClean="0">
+                          <a:solidFill>
+                            <a:schemeClr val="tx1"/>
+                          </a:solidFill>
+                        </a:rPr>
+                        <a:t>서버에 정상접속이 </a:t>
+                      </a:r>
+                      <a:r>
+                        <a:rPr lang="ko-KR" altLang="en-US" sz="1400" dirty="0" err="1" smtClean="0">
+                          <a:solidFill>
+                            <a:schemeClr val="tx1"/>
+                          </a:solidFill>
+                        </a:rPr>
+                        <a:t>됬지만</a:t>
+                      </a:r>
+                      <a:r>
+                        <a:rPr lang="ko-KR" altLang="en-US" sz="1400" dirty="0" smtClean="0">
+                          <a:solidFill>
+                            <a:schemeClr val="tx1"/>
+                          </a:solidFill>
+                        </a:rPr>
+                        <a:t> 메시지가 </a:t>
+                      </a:r>
+                      <a:r>
+                        <a:rPr lang="ko-KR" altLang="en-US" sz="1400" dirty="0" err="1" smtClean="0">
+                          <a:solidFill>
+                            <a:schemeClr val="tx1"/>
+                          </a:solidFill>
+                        </a:rPr>
+                        <a:t>츌력되지</a:t>
+                      </a:r>
+                      <a:r>
+                        <a:rPr lang="ko-KR" altLang="en-US" sz="1400" dirty="0" smtClean="0">
+                          <a:solidFill>
+                            <a:schemeClr val="tx1"/>
+                          </a:solidFill>
+                        </a:rPr>
+                        <a:t> 않았다</a:t>
+                      </a:r>
+                      <a:r>
+                        <a:rPr lang="en-US" altLang="ko-KR" sz="1400" dirty="0" smtClean="0">
+                          <a:solidFill>
+                            <a:schemeClr val="tx1"/>
+                          </a:solidFill>
+                        </a:rPr>
+                        <a:t>.</a:t>
+                      </a:r>
+                      <a:endParaRPr lang="ko-KR" altLang="en-US" sz="1400" dirty="0">
+                        <a:solidFill>
+                          <a:schemeClr val="tx1"/>
+                        </a:solidFill>
+                      </a:endParaRPr>
+                    </a:p>
+                  </a:txBody>
+                  <a:tcPr anchor="ctr">
+                    <a:solidFill>
+                      <a:schemeClr val="accent3">
+                        <a:lumMod val="60000"/>
+                        <a:lumOff val="40000"/>
+                      </a:schemeClr>
+                    </a:solidFill>
+                  </a:tcPr>
+                </a:tc>
+                <a:tc>
+                  <a:txBody>
+                    <a:bodyPr/>
+                    <a:lstStyle/>
+                    <a:p>
+                      <a:pPr latinLnBrk="1"/>
+                      <a:r>
+                        <a:rPr lang="en-US" altLang="ko-KR" sz="1400" dirty="0" smtClean="0">
+                          <a:solidFill>
+                            <a:schemeClr val="tx1"/>
+                          </a:solidFill>
+                        </a:rPr>
+                        <a:t>Java</a:t>
+                      </a:r>
+                      <a:r>
+                        <a:rPr lang="ko-KR" altLang="en-US" sz="1400" dirty="0" smtClean="0">
+                          <a:solidFill>
+                            <a:schemeClr val="tx1"/>
+                          </a:solidFill>
+                        </a:rPr>
+                        <a:t>용 코드를 </a:t>
+                      </a:r>
+                      <a:r>
+                        <a:rPr lang="ko-KR" altLang="en-US" sz="1400" dirty="0" err="1" smtClean="0">
+                          <a:solidFill>
+                            <a:schemeClr val="tx1"/>
+                          </a:solidFill>
+                        </a:rPr>
+                        <a:t>안드로이드로</a:t>
+                      </a:r>
+                      <a:r>
+                        <a:rPr lang="ko-KR" altLang="en-US" sz="1400" dirty="0" smtClean="0">
+                          <a:solidFill>
+                            <a:schemeClr val="tx1"/>
+                          </a:solidFill>
+                        </a:rPr>
+                        <a:t> 전환하면서 틀린 부분을 </a:t>
+                      </a:r>
+                      <a:r>
+                        <a:rPr lang="ko-KR" altLang="en-US" sz="1400" dirty="0" err="1" smtClean="0">
+                          <a:solidFill>
+                            <a:schemeClr val="tx1"/>
+                          </a:solidFill>
+                        </a:rPr>
+                        <a:t>수정중</a:t>
+                      </a:r>
+                      <a:endParaRPr lang="ko-KR" altLang="en-US" sz="1400" dirty="0">
+                        <a:solidFill>
+                          <a:schemeClr val="tx1"/>
+                        </a:solidFill>
+                      </a:endParaRPr>
+                    </a:p>
+                  </a:txBody>
+                  <a:tcPr anchor="ctr">
+                    <a:solidFill>
+                      <a:schemeClr val="accent3">
+                        <a:lumMod val="60000"/>
+                        <a:lumOff val="40000"/>
+                      </a:schemeClr>
+                    </a:solidFill>
+                  </a:tcPr>
+                </a:tc>
+                <a:tc>
+                  <a:txBody>
+                    <a:bodyPr/>
+                    <a:lstStyle/>
+                    <a:p>
+                      <a:pPr latinLnBrk="1"/>
+                      <a:endParaRPr lang="ko-KR" altLang="en-US" sz="1400" dirty="0">
+                        <a:solidFill>
+                          <a:schemeClr val="tx1"/>
+                        </a:solidFill>
+                      </a:endParaRPr>
+                    </a:p>
+                  </a:txBody>
+                  <a:tcPr anchor="ctr">
+                    <a:solidFill>
+                      <a:schemeClr val="accent3">
+                        <a:lumMod val="60000"/>
+                        <a:lumOff val="40000"/>
+                      </a:schemeClr>
+                    </a:solidFill>
+                  </a:tcPr>
+                </a:tc>
+              </a:tr>
+            </a:tbl>
+          </a:graphicData>
+        </a:graphic>
+      </p:graphicFrame>
+      <p:pic>
+        <p:nvPicPr>
+          <p:cNvPr id="3074" name="Picture 2" descr="C:\Documents and Settings\Administrator\바탕 화면\3.jpg"/>
+          <p:cNvPicPr>
+            <a:picLocks noChangeAspect="1" noChangeArrowheads="1"/>
+          </p:cNvPicPr>
+          <p:nvPr/>
+        </p:nvPicPr>
+        <p:blipFill>
+          <a:blip r:embed="rId2" cstate="print"/>
+          <a:srcRect/>
+          <a:stretch>
+            <a:fillRect/>
+          </a:stretch>
+        </p:blipFill>
+        <p:spPr bwMode="auto">
+          <a:xfrm>
+            <a:off x="3347864" y="4480703"/>
+            <a:ext cx="1440160" cy="2377297"/>
+          </a:xfrm>
+          <a:prstGeom prst="rect">
+            <a:avLst/>
+          </a:prstGeom>
+          <a:noFill/>
+        </p:spPr>
+      </p:pic>
     </p:spTree>
   </p:cSld>
   <p:clrMapOvr>
